--- a/认证和鉴权.pptx
+++ b/认证和鉴权.pptx
@@ -9,6 +9,7 @@
     <p:sldId id="257" r:id="rId3"/>
     <p:sldId id="261" r:id="rId4"/>
     <p:sldId id="262" r:id="rId5"/>
+    <p:sldId id="263" r:id="rId6"/>
   </p:sldIdLst>
   <p:sldSz cx="12192000" cy="6858000"/>
   <p:notesSz cx="6858000" cy="9144000"/>
@@ -9123,7 +9124,7 @@
           <a:graphicData uri="http://schemas.openxmlformats.org/presentationml/2006/ole">
             <mc:AlternateContent xmlns:mc="http://schemas.openxmlformats.org/markup-compatibility/2006">
               <mc:Choice xmlns:v="urn:schemas-microsoft-com:vml" Requires="v">
-                <p:oleObj spid="_x0000_s1071" name="Drawing" r:id="rId3" imgW="1468800" imgH="1173600" progId="">
+                <p:oleObj spid="_x0000_s1079" name="Drawing" r:id="rId3" imgW="1468800" imgH="1173600" progId="">
                   <p:embed/>
                 </p:oleObj>
               </mc:Choice>
@@ -9350,6 +9351,247 @@
       </p:par>
     </p:tnLst>
   </p:timing>
+</p:sld>
+</file>
+
+<file path=ppt/slides/slide5.xml><?xml version="1.0" encoding="utf-8"?>
+<p:sld xmlns:a="http://schemas.openxmlformats.org/drawingml/2006/main" xmlns:r="http://schemas.openxmlformats.org/officeDocument/2006/relationships" xmlns:p="http://schemas.openxmlformats.org/presentationml/2006/main">
+  <p:cSld>
+    <p:spTree>
+      <p:nvGrpSpPr>
+        <p:cNvPr id="1" name=""/>
+        <p:cNvGrpSpPr/>
+        <p:nvPr/>
+      </p:nvGrpSpPr>
+      <p:grpSpPr>
+        <a:xfrm>
+          <a:off x="0" y="0"/>
+          <a:ext cx="0" cy="0"/>
+          <a:chOff x="0" y="0"/>
+          <a:chExt cx="0" cy="0"/>
+        </a:xfrm>
+      </p:grpSpPr>
+      <p:sp>
+        <p:nvSpPr>
+          <p:cNvPr id="2" name="Title 1">
+            <a:extLst>
+              <a:ext uri="{FF2B5EF4-FFF2-40B4-BE49-F238E27FC236}">
+                <a16:creationId xmlns:a16="http://schemas.microsoft.com/office/drawing/2014/main" id="{84E3C7A8-03B1-41D5-8F4D-FB8893FC6B9A}"/>
+              </a:ext>
+            </a:extLst>
+          </p:cNvPr>
+          <p:cNvSpPr>
+            <a:spLocks noGrp="1"/>
+          </p:cNvSpPr>
+          <p:nvPr>
+            <p:ph type="title"/>
+          </p:nvPr>
+        </p:nvSpPr>
+        <p:spPr/>
+        <p:txBody>
+          <a:bodyPr/>
+          <a:lstStyle/>
+          <a:p>
+            <a:r>
+              <a:rPr lang="zh-CN" altLang="en-US" b="1" dirty="0">
+                <a:solidFill>
+                  <a:srgbClr val="0070C0"/>
+                </a:solidFill>
+                <a:latin typeface="微软雅黑" panose="020B0503020204020204" pitchFamily="34" charset="-122"/>
+                <a:ea typeface="微软雅黑" panose="020B0503020204020204" pitchFamily="34" charset="-122"/>
+              </a:rPr>
+              <a:t>认证接口定义</a:t>
+            </a:r>
+            <a:endParaRPr lang="zh-CN" altLang="en-US" dirty="0"/>
+          </a:p>
+        </p:txBody>
+      </p:sp>
+      <p:sp>
+        <p:nvSpPr>
+          <p:cNvPr id="3" name="TextBox 2">
+            <a:extLst>
+              <a:ext uri="{FF2B5EF4-FFF2-40B4-BE49-F238E27FC236}">
+                <a16:creationId xmlns:a16="http://schemas.microsoft.com/office/drawing/2014/main" id="{36D9D90E-E44E-4310-8BDA-F2087D885FDF}"/>
+              </a:ext>
+            </a:extLst>
+          </p:cNvPr>
+          <p:cNvSpPr txBox="1"/>
+          <p:nvPr/>
+        </p:nvSpPr>
+        <p:spPr>
+          <a:xfrm>
+            <a:off x="531628" y="1520456"/>
+            <a:ext cx="1378904" cy="1477328"/>
+          </a:xfrm>
+          <a:prstGeom prst="rect">
+            <a:avLst/>
+          </a:prstGeom>
+          <a:noFill/>
+        </p:spPr>
+        <p:txBody>
+          <a:bodyPr wrap="none" rtlCol="0">
+            <a:spAutoFit/>
+          </a:bodyPr>
+          <a:lstStyle/>
+          <a:p>
+            <a:r>
+              <a:rPr lang="zh-CN" altLang="en-US" dirty="0"/>
+              <a:t>请求：</a:t>
+            </a:r>
+            <a:endParaRPr lang="en-US" altLang="zh-CN" dirty="0"/>
+          </a:p>
+          <a:p>
+            <a:r>
+              <a:rPr lang="en-US" altLang="zh-CN" dirty="0"/>
+              <a:t>{</a:t>
+            </a:r>
+          </a:p>
+          <a:p>
+            <a:r>
+              <a:rPr lang="en-US" altLang="zh-CN" dirty="0"/>
+              <a:t>    </a:t>
+            </a:r>
+            <a:r>
+              <a:rPr lang="en-US" altLang="zh-CN" dirty="0" err="1"/>
+              <a:t>userId</a:t>
+            </a:r>
+            <a:endParaRPr lang="en-US" altLang="zh-CN" dirty="0"/>
+          </a:p>
+          <a:p>
+            <a:r>
+              <a:rPr lang="en-US" altLang="zh-CN" dirty="0"/>
+              <a:t>    password</a:t>
+            </a:r>
+          </a:p>
+          <a:p>
+            <a:r>
+              <a:rPr lang="en-US" altLang="zh-CN" dirty="0"/>
+              <a:t>}</a:t>
+            </a:r>
+            <a:endParaRPr lang="zh-CN" altLang="en-US" dirty="0"/>
+          </a:p>
+        </p:txBody>
+      </p:sp>
+      <p:sp>
+        <p:nvSpPr>
+          <p:cNvPr id="4" name="TextBox 3">
+            <a:extLst>
+              <a:ext uri="{FF2B5EF4-FFF2-40B4-BE49-F238E27FC236}">
+                <a16:creationId xmlns:a16="http://schemas.microsoft.com/office/drawing/2014/main" id="{B8BD0AAA-30D6-494D-A3C5-A540307E3E36}"/>
+              </a:ext>
+            </a:extLst>
+          </p:cNvPr>
+          <p:cNvSpPr txBox="1"/>
+          <p:nvPr/>
+        </p:nvSpPr>
+        <p:spPr>
+          <a:xfrm>
+            <a:off x="5406548" y="1520455"/>
+            <a:ext cx="4736912" cy="3139321"/>
+          </a:xfrm>
+          <a:prstGeom prst="rect">
+            <a:avLst/>
+          </a:prstGeom>
+          <a:noFill/>
+        </p:spPr>
+        <p:txBody>
+          <a:bodyPr wrap="square" rtlCol="0">
+            <a:spAutoFit/>
+          </a:bodyPr>
+          <a:lstStyle/>
+          <a:p>
+            <a:r>
+              <a:rPr lang="zh-CN" altLang="en-US" dirty="0"/>
+              <a:t>返回结果：</a:t>
+            </a:r>
+            <a:endParaRPr lang="en-US" altLang="zh-CN" dirty="0"/>
+          </a:p>
+          <a:p>
+            <a:r>
+              <a:rPr lang="en-US" altLang="zh-CN" dirty="0"/>
+              <a:t>{</a:t>
+            </a:r>
+          </a:p>
+          <a:p>
+            <a:r>
+              <a:rPr lang="en-US" altLang="zh-CN" dirty="0"/>
+              <a:t>    </a:t>
+            </a:r>
+            <a:r>
+              <a:rPr lang="en-US" altLang="zh-CN" dirty="0" err="1"/>
+              <a:t>userId</a:t>
+            </a:r>
+            <a:endParaRPr lang="en-US" altLang="zh-CN" dirty="0"/>
+          </a:p>
+          <a:p>
+            <a:r>
+              <a:rPr lang="en-US" altLang="zh-CN" dirty="0"/>
+              <a:t>    username</a:t>
+            </a:r>
+          </a:p>
+          <a:p>
+            <a:r>
+              <a:rPr lang="en-US" altLang="zh-CN" dirty="0"/>
+              <a:t>    roles</a:t>
+            </a:r>
+          </a:p>
+          <a:p>
+            <a:r>
+              <a:rPr lang="en-US" altLang="zh-CN" dirty="0"/>
+              <a:t>    permissions: {</a:t>
+            </a:r>
+          </a:p>
+          <a:p>
+            <a:r>
+              <a:rPr lang="en-US" altLang="zh-CN" dirty="0"/>
+              <a:t>       Ids: [“</a:t>
+            </a:r>
+            <a:r>
+              <a:rPr lang="en-US" altLang="zh-CN" dirty="0" err="1"/>
+              <a:t>App_Menu_SubMenu_Tab_Button</a:t>
+            </a:r>
+            <a:r>
+              <a:rPr lang="en-US" altLang="zh-CN" dirty="0"/>
+              <a:t>”,</a:t>
+            </a:r>
+          </a:p>
+          <a:p>
+            <a:r>
+              <a:rPr lang="en-US" altLang="zh-CN" dirty="0"/>
+              <a:t>              …]   </a:t>
+            </a:r>
+          </a:p>
+          <a:p>
+            <a:r>
+              <a:rPr lang="en-US" altLang="zh-CN" dirty="0"/>
+              <a:t>    }</a:t>
+            </a:r>
+          </a:p>
+          <a:p>
+            <a:r>
+              <a:rPr lang="en-US" altLang="zh-CN" dirty="0"/>
+              <a:t>	</a:t>
+            </a:r>
+          </a:p>
+          <a:p>
+            <a:r>
+              <a:rPr lang="en-US" altLang="zh-CN" dirty="0"/>
+              <a:t>}</a:t>
+            </a:r>
+            <a:endParaRPr lang="zh-CN" altLang="en-US" dirty="0"/>
+          </a:p>
+        </p:txBody>
+      </p:sp>
+    </p:spTree>
+    <p:extLst>
+      <p:ext uri="{BB962C8B-B14F-4D97-AF65-F5344CB8AC3E}">
+        <p14:creationId xmlns:p14="http://schemas.microsoft.com/office/powerpoint/2010/main" val="3367029384"/>
+      </p:ext>
+    </p:extLst>
+  </p:cSld>
+  <p:clrMapOvr>
+    <a:masterClrMapping/>
+  </p:clrMapOvr>
 </p:sld>
 </file>
 

--- a/认证和鉴权.pptx
+++ b/认证和鉴权.pptx
@@ -9,8 +9,8 @@
     <p:sldId id="265" r:id="rId3"/>
     <p:sldId id="267" r:id="rId4"/>
     <p:sldId id="269" r:id="rId5"/>
-    <p:sldId id="270" r:id="rId6"/>
-    <p:sldId id="271" r:id="rId7"/>
+    <p:sldId id="271" r:id="rId6"/>
+    <p:sldId id="270" r:id="rId7"/>
     <p:sldId id="272" r:id="rId8"/>
     <p:sldId id="274" r:id="rId9"/>
     <p:sldId id="275" r:id="rId10"/>
@@ -1731,7 +1731,7 @@
           <p:cNvPr id="2" name="Title 1">
             <a:extLst>
               <a:ext uri="{FF2B5EF4-FFF2-40B4-BE49-F238E27FC236}">
-                <a16:creationId xmlns="" xmlns:a16="http://schemas.microsoft.com/office/drawing/2014/main" id="{5EB0512B-EE7A-44D3-9E56-E388C5DBFD88}"/>
+                <a16:creationId xmlns:a16="http://schemas.microsoft.com/office/drawing/2014/main" id="{5EB0512B-EE7A-44D3-9E56-E388C5DBFD88}"/>
               </a:ext>
             </a:extLst>
           </p:cNvPr>
@@ -1769,7 +1769,7 @@
           <p:cNvPr id="3" name="Subtitle 2">
             <a:extLst>
               <a:ext uri="{FF2B5EF4-FFF2-40B4-BE49-F238E27FC236}">
-                <a16:creationId xmlns="" xmlns:a16="http://schemas.microsoft.com/office/drawing/2014/main" id="{F922958E-A224-4558-B153-C34315AF3A34}"/>
+                <a16:creationId xmlns:a16="http://schemas.microsoft.com/office/drawing/2014/main" id="{F922958E-A224-4558-B153-C34315AF3A34}"/>
               </a:ext>
             </a:extLst>
           </p:cNvPr>
@@ -1840,7 +1840,7 @@
           <p:cNvPr id="4" name="Date Placeholder 3">
             <a:extLst>
               <a:ext uri="{FF2B5EF4-FFF2-40B4-BE49-F238E27FC236}">
-                <a16:creationId xmlns="" xmlns:a16="http://schemas.microsoft.com/office/drawing/2014/main" id="{FF832150-DA3B-457D-8639-3F714DBCE626}"/>
+                <a16:creationId xmlns:a16="http://schemas.microsoft.com/office/drawing/2014/main" id="{FF832150-DA3B-457D-8639-3F714DBCE626}"/>
               </a:ext>
             </a:extLst>
           </p:cNvPr>
@@ -1869,7 +1869,7 @@
           <p:cNvPr id="5" name="Footer Placeholder 4">
             <a:extLst>
               <a:ext uri="{FF2B5EF4-FFF2-40B4-BE49-F238E27FC236}">
-                <a16:creationId xmlns="" xmlns:a16="http://schemas.microsoft.com/office/drawing/2014/main" id="{50088A55-0B46-493A-BC02-7FE12FC88A3F}"/>
+                <a16:creationId xmlns:a16="http://schemas.microsoft.com/office/drawing/2014/main" id="{50088A55-0B46-493A-BC02-7FE12FC88A3F}"/>
               </a:ext>
             </a:extLst>
           </p:cNvPr>
@@ -1894,7 +1894,7 @@
           <p:cNvPr id="6" name="Slide Number Placeholder 5">
             <a:extLst>
               <a:ext uri="{FF2B5EF4-FFF2-40B4-BE49-F238E27FC236}">
-                <a16:creationId xmlns="" xmlns:a16="http://schemas.microsoft.com/office/drawing/2014/main" id="{D241077A-CBB1-475C-A54C-07140A9CD3A4}"/>
+                <a16:creationId xmlns:a16="http://schemas.microsoft.com/office/drawing/2014/main" id="{D241077A-CBB1-475C-A54C-07140A9CD3A4}"/>
               </a:ext>
             </a:extLst>
           </p:cNvPr>
@@ -1953,7 +1953,7 @@
           <p:cNvPr id="2" name="Title 1">
             <a:extLst>
               <a:ext uri="{FF2B5EF4-FFF2-40B4-BE49-F238E27FC236}">
-                <a16:creationId xmlns="" xmlns:a16="http://schemas.microsoft.com/office/drawing/2014/main" id="{C0481650-B5E9-46F3-8A6C-02CF073BCCEA}"/>
+                <a16:creationId xmlns:a16="http://schemas.microsoft.com/office/drawing/2014/main" id="{C0481650-B5E9-46F3-8A6C-02CF073BCCEA}"/>
               </a:ext>
             </a:extLst>
           </p:cNvPr>
@@ -1982,7 +1982,7 @@
           <p:cNvPr id="3" name="Content Placeholder 2">
             <a:extLst>
               <a:ext uri="{FF2B5EF4-FFF2-40B4-BE49-F238E27FC236}">
-                <a16:creationId xmlns="" xmlns:a16="http://schemas.microsoft.com/office/drawing/2014/main" id="{E10BADC1-B555-4995-9355-8399B85EFDFC}"/>
+                <a16:creationId xmlns:a16="http://schemas.microsoft.com/office/drawing/2014/main" id="{E10BADC1-B555-4995-9355-8399B85EFDFC}"/>
               </a:ext>
             </a:extLst>
           </p:cNvPr>
@@ -2040,7 +2040,7 @@
           <p:cNvPr id="4" name="Date Placeholder 3">
             <a:extLst>
               <a:ext uri="{FF2B5EF4-FFF2-40B4-BE49-F238E27FC236}">
-                <a16:creationId xmlns="" xmlns:a16="http://schemas.microsoft.com/office/drawing/2014/main" id="{845C2A4B-F9EF-464A-B829-6D18EC846E15}"/>
+                <a16:creationId xmlns:a16="http://schemas.microsoft.com/office/drawing/2014/main" id="{845C2A4B-F9EF-464A-B829-6D18EC846E15}"/>
               </a:ext>
             </a:extLst>
           </p:cNvPr>
@@ -2069,7 +2069,7 @@
           <p:cNvPr id="5" name="Footer Placeholder 4">
             <a:extLst>
               <a:ext uri="{FF2B5EF4-FFF2-40B4-BE49-F238E27FC236}">
-                <a16:creationId xmlns="" xmlns:a16="http://schemas.microsoft.com/office/drawing/2014/main" id="{9DA5A6E9-3093-4A84-AE1F-6C397975566B}"/>
+                <a16:creationId xmlns:a16="http://schemas.microsoft.com/office/drawing/2014/main" id="{9DA5A6E9-3093-4A84-AE1F-6C397975566B}"/>
               </a:ext>
             </a:extLst>
           </p:cNvPr>
@@ -2094,7 +2094,7 @@
           <p:cNvPr id="6" name="Slide Number Placeholder 5">
             <a:extLst>
               <a:ext uri="{FF2B5EF4-FFF2-40B4-BE49-F238E27FC236}">
-                <a16:creationId xmlns="" xmlns:a16="http://schemas.microsoft.com/office/drawing/2014/main" id="{A8A7216D-17A9-4AA8-B2AA-9393D1AC659F}"/>
+                <a16:creationId xmlns:a16="http://schemas.microsoft.com/office/drawing/2014/main" id="{A8A7216D-17A9-4AA8-B2AA-9393D1AC659F}"/>
               </a:ext>
             </a:extLst>
           </p:cNvPr>
@@ -2153,7 +2153,7 @@
           <p:cNvPr id="2" name="Title 1">
             <a:extLst>
               <a:ext uri="{FF2B5EF4-FFF2-40B4-BE49-F238E27FC236}">
-                <a16:creationId xmlns="" xmlns:a16="http://schemas.microsoft.com/office/drawing/2014/main" id="{1935C3FF-CA23-4D21-BF8F-15A3031C5C65}"/>
+                <a16:creationId xmlns:a16="http://schemas.microsoft.com/office/drawing/2014/main" id="{1935C3FF-CA23-4D21-BF8F-15A3031C5C65}"/>
               </a:ext>
             </a:extLst>
           </p:cNvPr>
@@ -2191,7 +2191,7 @@
           <p:cNvPr id="3" name="Text Placeholder 2">
             <a:extLst>
               <a:ext uri="{FF2B5EF4-FFF2-40B4-BE49-F238E27FC236}">
-                <a16:creationId xmlns="" xmlns:a16="http://schemas.microsoft.com/office/drawing/2014/main" id="{085A9EF3-FA0A-40DB-B69F-F7354C8DD83C}"/>
+                <a16:creationId xmlns:a16="http://schemas.microsoft.com/office/drawing/2014/main" id="{085A9EF3-FA0A-40DB-B69F-F7354C8DD83C}"/>
               </a:ext>
             </a:extLst>
           </p:cNvPr>
@@ -2316,7 +2316,7 @@
           <p:cNvPr id="4" name="Date Placeholder 3">
             <a:extLst>
               <a:ext uri="{FF2B5EF4-FFF2-40B4-BE49-F238E27FC236}">
-                <a16:creationId xmlns="" xmlns:a16="http://schemas.microsoft.com/office/drawing/2014/main" id="{DA103A73-0F09-4A18-9201-E1E2B0350DC0}"/>
+                <a16:creationId xmlns:a16="http://schemas.microsoft.com/office/drawing/2014/main" id="{DA103A73-0F09-4A18-9201-E1E2B0350DC0}"/>
               </a:ext>
             </a:extLst>
           </p:cNvPr>
@@ -2345,7 +2345,7 @@
           <p:cNvPr id="5" name="Footer Placeholder 4">
             <a:extLst>
               <a:ext uri="{FF2B5EF4-FFF2-40B4-BE49-F238E27FC236}">
-                <a16:creationId xmlns="" xmlns:a16="http://schemas.microsoft.com/office/drawing/2014/main" id="{402F828C-5918-4C6F-8FC8-0A6FA7375187}"/>
+                <a16:creationId xmlns:a16="http://schemas.microsoft.com/office/drawing/2014/main" id="{402F828C-5918-4C6F-8FC8-0A6FA7375187}"/>
               </a:ext>
             </a:extLst>
           </p:cNvPr>
@@ -2370,7 +2370,7 @@
           <p:cNvPr id="6" name="Slide Number Placeholder 5">
             <a:extLst>
               <a:ext uri="{FF2B5EF4-FFF2-40B4-BE49-F238E27FC236}">
-                <a16:creationId xmlns="" xmlns:a16="http://schemas.microsoft.com/office/drawing/2014/main" id="{CD9136A1-C461-40BC-B20A-0BAE5C77A0E2}"/>
+                <a16:creationId xmlns:a16="http://schemas.microsoft.com/office/drawing/2014/main" id="{CD9136A1-C461-40BC-B20A-0BAE5C77A0E2}"/>
               </a:ext>
             </a:extLst>
           </p:cNvPr>
@@ -2559,7 +2559,7 @@
           <p:cNvPr id="2" name="Title 1">
             <a:extLst>
               <a:ext uri="{FF2B5EF4-FFF2-40B4-BE49-F238E27FC236}">
-                <a16:creationId xmlns="" xmlns:a16="http://schemas.microsoft.com/office/drawing/2014/main" id="{70039E68-71BF-4D9C-BD79-5E881919F270}"/>
+                <a16:creationId xmlns:a16="http://schemas.microsoft.com/office/drawing/2014/main" id="{70039E68-71BF-4D9C-BD79-5E881919F270}"/>
               </a:ext>
             </a:extLst>
           </p:cNvPr>
@@ -2588,7 +2588,7 @@
           <p:cNvPr id="3" name="Content Placeholder 2">
             <a:extLst>
               <a:ext uri="{FF2B5EF4-FFF2-40B4-BE49-F238E27FC236}">
-                <a16:creationId xmlns="" xmlns:a16="http://schemas.microsoft.com/office/drawing/2014/main" id="{CB9ACF0D-DAE7-40BF-935F-778E3CD41BFD}"/>
+                <a16:creationId xmlns:a16="http://schemas.microsoft.com/office/drawing/2014/main" id="{CB9ACF0D-DAE7-40BF-935F-778E3CD41BFD}"/>
               </a:ext>
             </a:extLst>
           </p:cNvPr>
@@ -2651,7 +2651,7 @@
           <p:cNvPr id="4" name="Content Placeholder 3">
             <a:extLst>
               <a:ext uri="{FF2B5EF4-FFF2-40B4-BE49-F238E27FC236}">
-                <a16:creationId xmlns="" xmlns:a16="http://schemas.microsoft.com/office/drawing/2014/main" id="{1916A04C-FAA7-4DF4-B990-3E01EB25CD63}"/>
+                <a16:creationId xmlns:a16="http://schemas.microsoft.com/office/drawing/2014/main" id="{1916A04C-FAA7-4DF4-B990-3E01EB25CD63}"/>
               </a:ext>
             </a:extLst>
           </p:cNvPr>
@@ -2714,7 +2714,7 @@
           <p:cNvPr id="5" name="Date Placeholder 4">
             <a:extLst>
               <a:ext uri="{FF2B5EF4-FFF2-40B4-BE49-F238E27FC236}">
-                <a16:creationId xmlns="" xmlns:a16="http://schemas.microsoft.com/office/drawing/2014/main" id="{3270E0C0-EA87-4BC4-B278-85742AD00798}"/>
+                <a16:creationId xmlns:a16="http://schemas.microsoft.com/office/drawing/2014/main" id="{3270E0C0-EA87-4BC4-B278-85742AD00798}"/>
               </a:ext>
             </a:extLst>
           </p:cNvPr>
@@ -2743,7 +2743,7 @@
           <p:cNvPr id="6" name="Footer Placeholder 5">
             <a:extLst>
               <a:ext uri="{FF2B5EF4-FFF2-40B4-BE49-F238E27FC236}">
-                <a16:creationId xmlns="" xmlns:a16="http://schemas.microsoft.com/office/drawing/2014/main" id="{24A30CC3-60F7-4DA5-84CA-31E2F90121E7}"/>
+                <a16:creationId xmlns:a16="http://schemas.microsoft.com/office/drawing/2014/main" id="{24A30CC3-60F7-4DA5-84CA-31E2F90121E7}"/>
               </a:ext>
             </a:extLst>
           </p:cNvPr>
@@ -2768,7 +2768,7 @@
           <p:cNvPr id="7" name="Slide Number Placeholder 6">
             <a:extLst>
               <a:ext uri="{FF2B5EF4-FFF2-40B4-BE49-F238E27FC236}">
-                <a16:creationId xmlns="" xmlns:a16="http://schemas.microsoft.com/office/drawing/2014/main" id="{C2B009CD-6A02-42A3-B269-B92301A85FDC}"/>
+                <a16:creationId xmlns:a16="http://schemas.microsoft.com/office/drawing/2014/main" id="{C2B009CD-6A02-42A3-B269-B92301A85FDC}"/>
               </a:ext>
             </a:extLst>
           </p:cNvPr>
@@ -2827,7 +2827,7 @@
           <p:cNvPr id="2" name="Title 1">
             <a:extLst>
               <a:ext uri="{FF2B5EF4-FFF2-40B4-BE49-F238E27FC236}">
-                <a16:creationId xmlns="" xmlns:a16="http://schemas.microsoft.com/office/drawing/2014/main" id="{01AEED17-0ABF-4811-B859-675B8903AFF1}"/>
+                <a16:creationId xmlns:a16="http://schemas.microsoft.com/office/drawing/2014/main" id="{01AEED17-0ABF-4811-B859-675B8903AFF1}"/>
               </a:ext>
             </a:extLst>
           </p:cNvPr>
@@ -2861,7 +2861,7 @@
           <p:cNvPr id="3" name="Text Placeholder 2">
             <a:extLst>
               <a:ext uri="{FF2B5EF4-FFF2-40B4-BE49-F238E27FC236}">
-                <a16:creationId xmlns="" xmlns:a16="http://schemas.microsoft.com/office/drawing/2014/main" id="{40F8E764-3009-42A3-82C0-D270ADEA8615}"/>
+                <a16:creationId xmlns:a16="http://schemas.microsoft.com/office/drawing/2014/main" id="{40F8E764-3009-42A3-82C0-D270ADEA8615}"/>
               </a:ext>
             </a:extLst>
           </p:cNvPr>
@@ -2932,7 +2932,7 @@
           <p:cNvPr id="4" name="Content Placeholder 3">
             <a:extLst>
               <a:ext uri="{FF2B5EF4-FFF2-40B4-BE49-F238E27FC236}">
-                <a16:creationId xmlns="" xmlns:a16="http://schemas.microsoft.com/office/drawing/2014/main" id="{E4DCFEDD-D7D2-42AF-B039-F3360FB90AAD}"/>
+                <a16:creationId xmlns:a16="http://schemas.microsoft.com/office/drawing/2014/main" id="{E4DCFEDD-D7D2-42AF-B039-F3360FB90AAD}"/>
               </a:ext>
             </a:extLst>
           </p:cNvPr>
@@ -2995,7 +2995,7 @@
           <p:cNvPr id="5" name="Text Placeholder 4">
             <a:extLst>
               <a:ext uri="{FF2B5EF4-FFF2-40B4-BE49-F238E27FC236}">
-                <a16:creationId xmlns="" xmlns:a16="http://schemas.microsoft.com/office/drawing/2014/main" id="{EED0B52C-1A13-4A24-A5D1-630A5D1E20FC}"/>
+                <a16:creationId xmlns:a16="http://schemas.microsoft.com/office/drawing/2014/main" id="{EED0B52C-1A13-4A24-A5D1-630A5D1E20FC}"/>
               </a:ext>
             </a:extLst>
           </p:cNvPr>
@@ -3066,7 +3066,7 @@
           <p:cNvPr id="6" name="Content Placeholder 5">
             <a:extLst>
               <a:ext uri="{FF2B5EF4-FFF2-40B4-BE49-F238E27FC236}">
-                <a16:creationId xmlns="" xmlns:a16="http://schemas.microsoft.com/office/drawing/2014/main" id="{B9B47FB2-AE94-4F33-9ABC-AE5316DA2FD1}"/>
+                <a16:creationId xmlns:a16="http://schemas.microsoft.com/office/drawing/2014/main" id="{B9B47FB2-AE94-4F33-9ABC-AE5316DA2FD1}"/>
               </a:ext>
             </a:extLst>
           </p:cNvPr>
@@ -3129,7 +3129,7 @@
           <p:cNvPr id="7" name="Date Placeholder 6">
             <a:extLst>
               <a:ext uri="{FF2B5EF4-FFF2-40B4-BE49-F238E27FC236}">
-                <a16:creationId xmlns="" xmlns:a16="http://schemas.microsoft.com/office/drawing/2014/main" id="{E9FC1841-B6EE-4080-9998-C8CEF71BD1C4}"/>
+                <a16:creationId xmlns:a16="http://schemas.microsoft.com/office/drawing/2014/main" id="{E9FC1841-B6EE-4080-9998-C8CEF71BD1C4}"/>
               </a:ext>
             </a:extLst>
           </p:cNvPr>
@@ -3158,7 +3158,7 @@
           <p:cNvPr id="8" name="Footer Placeholder 7">
             <a:extLst>
               <a:ext uri="{FF2B5EF4-FFF2-40B4-BE49-F238E27FC236}">
-                <a16:creationId xmlns="" xmlns:a16="http://schemas.microsoft.com/office/drawing/2014/main" id="{EDB1B725-E9A9-4474-A657-6825C81BB6D0}"/>
+                <a16:creationId xmlns:a16="http://schemas.microsoft.com/office/drawing/2014/main" id="{EDB1B725-E9A9-4474-A657-6825C81BB6D0}"/>
               </a:ext>
             </a:extLst>
           </p:cNvPr>
@@ -3183,7 +3183,7 @@
           <p:cNvPr id="9" name="Slide Number Placeholder 8">
             <a:extLst>
               <a:ext uri="{FF2B5EF4-FFF2-40B4-BE49-F238E27FC236}">
-                <a16:creationId xmlns="" xmlns:a16="http://schemas.microsoft.com/office/drawing/2014/main" id="{7F3AE495-AF87-477B-B27A-ABA776E6D245}"/>
+                <a16:creationId xmlns:a16="http://schemas.microsoft.com/office/drawing/2014/main" id="{7F3AE495-AF87-477B-B27A-ABA776E6D245}"/>
               </a:ext>
             </a:extLst>
           </p:cNvPr>
@@ -3242,7 +3242,7 @@
           <p:cNvPr id="2" name="Title 1">
             <a:extLst>
               <a:ext uri="{FF2B5EF4-FFF2-40B4-BE49-F238E27FC236}">
-                <a16:creationId xmlns="" xmlns:a16="http://schemas.microsoft.com/office/drawing/2014/main" id="{27E944B0-2B47-4F2B-9ADB-C0FA8835E85F}"/>
+                <a16:creationId xmlns:a16="http://schemas.microsoft.com/office/drawing/2014/main" id="{27E944B0-2B47-4F2B-9ADB-C0FA8835E85F}"/>
               </a:ext>
             </a:extLst>
           </p:cNvPr>
@@ -3271,7 +3271,7 @@
           <p:cNvPr id="3" name="Date Placeholder 2">
             <a:extLst>
               <a:ext uri="{FF2B5EF4-FFF2-40B4-BE49-F238E27FC236}">
-                <a16:creationId xmlns="" xmlns:a16="http://schemas.microsoft.com/office/drawing/2014/main" id="{A1849522-8818-4FCB-9637-7CACCCDD1289}"/>
+                <a16:creationId xmlns:a16="http://schemas.microsoft.com/office/drawing/2014/main" id="{A1849522-8818-4FCB-9637-7CACCCDD1289}"/>
               </a:ext>
             </a:extLst>
           </p:cNvPr>
@@ -3300,7 +3300,7 @@
           <p:cNvPr id="4" name="Footer Placeholder 3">
             <a:extLst>
               <a:ext uri="{FF2B5EF4-FFF2-40B4-BE49-F238E27FC236}">
-                <a16:creationId xmlns="" xmlns:a16="http://schemas.microsoft.com/office/drawing/2014/main" id="{32F5B878-6D5A-4EF8-809A-E2E5A0186865}"/>
+                <a16:creationId xmlns:a16="http://schemas.microsoft.com/office/drawing/2014/main" id="{32F5B878-6D5A-4EF8-809A-E2E5A0186865}"/>
               </a:ext>
             </a:extLst>
           </p:cNvPr>
@@ -3325,7 +3325,7 @@
           <p:cNvPr id="5" name="Slide Number Placeholder 4">
             <a:extLst>
               <a:ext uri="{FF2B5EF4-FFF2-40B4-BE49-F238E27FC236}">
-                <a16:creationId xmlns="" xmlns:a16="http://schemas.microsoft.com/office/drawing/2014/main" id="{5DDDC3DE-9506-4E37-B8FE-6AF544AC94A7}"/>
+                <a16:creationId xmlns:a16="http://schemas.microsoft.com/office/drawing/2014/main" id="{5DDDC3DE-9506-4E37-B8FE-6AF544AC94A7}"/>
               </a:ext>
             </a:extLst>
           </p:cNvPr>
@@ -3384,7 +3384,7 @@
           <p:cNvPr id="2" name="Date Placeholder 1">
             <a:extLst>
               <a:ext uri="{FF2B5EF4-FFF2-40B4-BE49-F238E27FC236}">
-                <a16:creationId xmlns="" xmlns:a16="http://schemas.microsoft.com/office/drawing/2014/main" id="{143BEAEE-7A49-4289-BC6C-A9C57C505B00}"/>
+                <a16:creationId xmlns:a16="http://schemas.microsoft.com/office/drawing/2014/main" id="{143BEAEE-7A49-4289-BC6C-A9C57C505B00}"/>
               </a:ext>
             </a:extLst>
           </p:cNvPr>
@@ -3413,7 +3413,7 @@
           <p:cNvPr id="3" name="Footer Placeholder 2">
             <a:extLst>
               <a:ext uri="{FF2B5EF4-FFF2-40B4-BE49-F238E27FC236}">
-                <a16:creationId xmlns="" xmlns:a16="http://schemas.microsoft.com/office/drawing/2014/main" id="{F55DBDF6-F40D-40F3-AC62-0B0C6000F522}"/>
+                <a16:creationId xmlns:a16="http://schemas.microsoft.com/office/drawing/2014/main" id="{F55DBDF6-F40D-40F3-AC62-0B0C6000F522}"/>
               </a:ext>
             </a:extLst>
           </p:cNvPr>
@@ -3438,7 +3438,7 @@
           <p:cNvPr id="4" name="Slide Number Placeholder 3">
             <a:extLst>
               <a:ext uri="{FF2B5EF4-FFF2-40B4-BE49-F238E27FC236}">
-                <a16:creationId xmlns="" xmlns:a16="http://schemas.microsoft.com/office/drawing/2014/main" id="{81A3293B-DBCA-4D3C-8AA4-DA417003036E}"/>
+                <a16:creationId xmlns:a16="http://schemas.microsoft.com/office/drawing/2014/main" id="{81A3293B-DBCA-4D3C-8AA4-DA417003036E}"/>
               </a:ext>
             </a:extLst>
           </p:cNvPr>
@@ -3497,7 +3497,7 @@
           <p:cNvPr id="2" name="Title 1">
             <a:extLst>
               <a:ext uri="{FF2B5EF4-FFF2-40B4-BE49-F238E27FC236}">
-                <a16:creationId xmlns="" xmlns:a16="http://schemas.microsoft.com/office/drawing/2014/main" id="{7E352EF7-0E4B-43F9-BB5D-ACB581B00CE3}"/>
+                <a16:creationId xmlns:a16="http://schemas.microsoft.com/office/drawing/2014/main" id="{7E352EF7-0E4B-43F9-BB5D-ACB581B00CE3}"/>
               </a:ext>
             </a:extLst>
           </p:cNvPr>
@@ -3535,7 +3535,7 @@
           <p:cNvPr id="3" name="Content Placeholder 2">
             <a:extLst>
               <a:ext uri="{FF2B5EF4-FFF2-40B4-BE49-F238E27FC236}">
-                <a16:creationId xmlns="" xmlns:a16="http://schemas.microsoft.com/office/drawing/2014/main" id="{46FA8D2B-1142-4A59-8587-BD0AD6765344}"/>
+                <a16:creationId xmlns:a16="http://schemas.microsoft.com/office/drawing/2014/main" id="{46FA8D2B-1142-4A59-8587-BD0AD6765344}"/>
               </a:ext>
             </a:extLst>
           </p:cNvPr>
@@ -3626,7 +3626,7 @@
           <p:cNvPr id="4" name="Text Placeholder 3">
             <a:extLst>
               <a:ext uri="{FF2B5EF4-FFF2-40B4-BE49-F238E27FC236}">
-                <a16:creationId xmlns="" xmlns:a16="http://schemas.microsoft.com/office/drawing/2014/main" id="{F83D819B-B6E4-47B7-8220-FB76E566B818}"/>
+                <a16:creationId xmlns:a16="http://schemas.microsoft.com/office/drawing/2014/main" id="{F83D819B-B6E4-47B7-8220-FB76E566B818}"/>
               </a:ext>
             </a:extLst>
           </p:cNvPr>
@@ -3697,7 +3697,7 @@
           <p:cNvPr id="5" name="Date Placeholder 4">
             <a:extLst>
               <a:ext uri="{FF2B5EF4-FFF2-40B4-BE49-F238E27FC236}">
-                <a16:creationId xmlns="" xmlns:a16="http://schemas.microsoft.com/office/drawing/2014/main" id="{0DE6DA15-59D2-4263-90A7-4A4AC19B938F}"/>
+                <a16:creationId xmlns:a16="http://schemas.microsoft.com/office/drawing/2014/main" id="{0DE6DA15-59D2-4263-90A7-4A4AC19B938F}"/>
               </a:ext>
             </a:extLst>
           </p:cNvPr>
@@ -3726,7 +3726,7 @@
           <p:cNvPr id="6" name="Footer Placeholder 5">
             <a:extLst>
               <a:ext uri="{FF2B5EF4-FFF2-40B4-BE49-F238E27FC236}">
-                <a16:creationId xmlns="" xmlns:a16="http://schemas.microsoft.com/office/drawing/2014/main" id="{F398875F-266A-43E0-8077-C082A3ABDCEA}"/>
+                <a16:creationId xmlns:a16="http://schemas.microsoft.com/office/drawing/2014/main" id="{F398875F-266A-43E0-8077-C082A3ABDCEA}"/>
               </a:ext>
             </a:extLst>
           </p:cNvPr>
@@ -3751,7 +3751,7 @@
           <p:cNvPr id="7" name="Slide Number Placeholder 6">
             <a:extLst>
               <a:ext uri="{FF2B5EF4-FFF2-40B4-BE49-F238E27FC236}">
-                <a16:creationId xmlns="" xmlns:a16="http://schemas.microsoft.com/office/drawing/2014/main" id="{A3536064-37ED-46E5-B9F3-6C6B09A37641}"/>
+                <a16:creationId xmlns:a16="http://schemas.microsoft.com/office/drawing/2014/main" id="{A3536064-37ED-46E5-B9F3-6C6B09A37641}"/>
               </a:ext>
             </a:extLst>
           </p:cNvPr>
@@ -3810,7 +3810,7 @@
           <p:cNvPr id="2" name="Title 1">
             <a:extLst>
               <a:ext uri="{FF2B5EF4-FFF2-40B4-BE49-F238E27FC236}">
-                <a16:creationId xmlns="" xmlns:a16="http://schemas.microsoft.com/office/drawing/2014/main" id="{F9E93CDA-DFF0-42DB-AC7D-C1699B5C529C}"/>
+                <a16:creationId xmlns:a16="http://schemas.microsoft.com/office/drawing/2014/main" id="{F9E93CDA-DFF0-42DB-AC7D-C1699B5C529C}"/>
               </a:ext>
             </a:extLst>
           </p:cNvPr>
@@ -3848,7 +3848,7 @@
           <p:cNvPr id="3" name="Picture Placeholder 2">
             <a:extLst>
               <a:ext uri="{FF2B5EF4-FFF2-40B4-BE49-F238E27FC236}">
-                <a16:creationId xmlns="" xmlns:a16="http://schemas.microsoft.com/office/drawing/2014/main" id="{14D5C58A-8C31-433C-84DC-733D538D42A0}"/>
+                <a16:creationId xmlns:a16="http://schemas.microsoft.com/office/drawing/2014/main" id="{14D5C58A-8C31-433C-84DC-733D538D42A0}"/>
               </a:ext>
             </a:extLst>
           </p:cNvPr>
@@ -3915,7 +3915,7 @@
           <p:cNvPr id="4" name="Text Placeholder 3">
             <a:extLst>
               <a:ext uri="{FF2B5EF4-FFF2-40B4-BE49-F238E27FC236}">
-                <a16:creationId xmlns="" xmlns:a16="http://schemas.microsoft.com/office/drawing/2014/main" id="{7CA9AA71-027B-47DF-94FF-5654384CD125}"/>
+                <a16:creationId xmlns:a16="http://schemas.microsoft.com/office/drawing/2014/main" id="{7CA9AA71-027B-47DF-94FF-5654384CD125}"/>
               </a:ext>
             </a:extLst>
           </p:cNvPr>
@@ -3986,7 +3986,7 @@
           <p:cNvPr id="5" name="Date Placeholder 4">
             <a:extLst>
               <a:ext uri="{FF2B5EF4-FFF2-40B4-BE49-F238E27FC236}">
-                <a16:creationId xmlns="" xmlns:a16="http://schemas.microsoft.com/office/drawing/2014/main" id="{8A53601C-ED5E-4337-82FF-A8231C21B137}"/>
+                <a16:creationId xmlns:a16="http://schemas.microsoft.com/office/drawing/2014/main" id="{8A53601C-ED5E-4337-82FF-A8231C21B137}"/>
               </a:ext>
             </a:extLst>
           </p:cNvPr>
@@ -4015,7 +4015,7 @@
           <p:cNvPr id="6" name="Footer Placeholder 5">
             <a:extLst>
               <a:ext uri="{FF2B5EF4-FFF2-40B4-BE49-F238E27FC236}">
-                <a16:creationId xmlns="" xmlns:a16="http://schemas.microsoft.com/office/drawing/2014/main" id="{90C2608A-B36D-4CF6-BA53-4E2B816ABC2A}"/>
+                <a16:creationId xmlns:a16="http://schemas.microsoft.com/office/drawing/2014/main" id="{90C2608A-B36D-4CF6-BA53-4E2B816ABC2A}"/>
               </a:ext>
             </a:extLst>
           </p:cNvPr>
@@ -4040,7 +4040,7 @@
           <p:cNvPr id="7" name="Slide Number Placeholder 6">
             <a:extLst>
               <a:ext uri="{FF2B5EF4-FFF2-40B4-BE49-F238E27FC236}">
-                <a16:creationId xmlns="" xmlns:a16="http://schemas.microsoft.com/office/drawing/2014/main" id="{97B7F04A-0976-49D4-8467-46303F58EA2F}"/>
+                <a16:creationId xmlns:a16="http://schemas.microsoft.com/office/drawing/2014/main" id="{97B7F04A-0976-49D4-8467-46303F58EA2F}"/>
               </a:ext>
             </a:extLst>
           </p:cNvPr>
@@ -4099,7 +4099,7 @@
           <p:cNvPr id="2" name="Title 1">
             <a:extLst>
               <a:ext uri="{FF2B5EF4-FFF2-40B4-BE49-F238E27FC236}">
-                <a16:creationId xmlns="" xmlns:a16="http://schemas.microsoft.com/office/drawing/2014/main" id="{50755600-4CE6-48D8-B850-6B6BE47801B9}"/>
+                <a16:creationId xmlns:a16="http://schemas.microsoft.com/office/drawing/2014/main" id="{50755600-4CE6-48D8-B850-6B6BE47801B9}"/>
               </a:ext>
             </a:extLst>
           </p:cNvPr>
@@ -4128,7 +4128,7 @@
           <p:cNvPr id="3" name="Vertical Text Placeholder 2">
             <a:extLst>
               <a:ext uri="{FF2B5EF4-FFF2-40B4-BE49-F238E27FC236}">
-                <a16:creationId xmlns="" xmlns:a16="http://schemas.microsoft.com/office/drawing/2014/main" id="{05C92C3D-23BE-4FCC-9543-39D8FC388D5E}"/>
+                <a16:creationId xmlns:a16="http://schemas.microsoft.com/office/drawing/2014/main" id="{05C92C3D-23BE-4FCC-9543-39D8FC388D5E}"/>
               </a:ext>
             </a:extLst>
           </p:cNvPr>
@@ -4186,7 +4186,7 @@
           <p:cNvPr id="4" name="Date Placeholder 3">
             <a:extLst>
               <a:ext uri="{FF2B5EF4-FFF2-40B4-BE49-F238E27FC236}">
-                <a16:creationId xmlns="" xmlns:a16="http://schemas.microsoft.com/office/drawing/2014/main" id="{E97D6127-66B8-403F-A70B-3AD1B5C31045}"/>
+                <a16:creationId xmlns:a16="http://schemas.microsoft.com/office/drawing/2014/main" id="{E97D6127-66B8-403F-A70B-3AD1B5C31045}"/>
               </a:ext>
             </a:extLst>
           </p:cNvPr>
@@ -4215,7 +4215,7 @@
           <p:cNvPr id="5" name="Footer Placeholder 4">
             <a:extLst>
               <a:ext uri="{FF2B5EF4-FFF2-40B4-BE49-F238E27FC236}">
-                <a16:creationId xmlns="" xmlns:a16="http://schemas.microsoft.com/office/drawing/2014/main" id="{C73D3A01-335F-4672-A128-BE75B9BBF4BF}"/>
+                <a16:creationId xmlns:a16="http://schemas.microsoft.com/office/drawing/2014/main" id="{C73D3A01-335F-4672-A128-BE75B9BBF4BF}"/>
               </a:ext>
             </a:extLst>
           </p:cNvPr>
@@ -4240,7 +4240,7 @@
           <p:cNvPr id="6" name="Slide Number Placeholder 5">
             <a:extLst>
               <a:ext uri="{FF2B5EF4-FFF2-40B4-BE49-F238E27FC236}">
-                <a16:creationId xmlns="" xmlns:a16="http://schemas.microsoft.com/office/drawing/2014/main" id="{1942E5AE-34D7-4049-BB8D-F5B9A53BFCEA}"/>
+                <a16:creationId xmlns:a16="http://schemas.microsoft.com/office/drawing/2014/main" id="{1942E5AE-34D7-4049-BB8D-F5B9A53BFCEA}"/>
               </a:ext>
             </a:extLst>
           </p:cNvPr>
@@ -4299,7 +4299,7 @@
           <p:cNvPr id="2" name="Vertical Title 1">
             <a:extLst>
               <a:ext uri="{FF2B5EF4-FFF2-40B4-BE49-F238E27FC236}">
-                <a16:creationId xmlns="" xmlns:a16="http://schemas.microsoft.com/office/drawing/2014/main" id="{D61CCF7F-9A8C-4CCB-BF8A-730F7D91FA11}"/>
+                <a16:creationId xmlns:a16="http://schemas.microsoft.com/office/drawing/2014/main" id="{D61CCF7F-9A8C-4CCB-BF8A-730F7D91FA11}"/>
               </a:ext>
             </a:extLst>
           </p:cNvPr>
@@ -4333,7 +4333,7 @@
           <p:cNvPr id="3" name="Vertical Text Placeholder 2">
             <a:extLst>
               <a:ext uri="{FF2B5EF4-FFF2-40B4-BE49-F238E27FC236}">
-                <a16:creationId xmlns="" xmlns:a16="http://schemas.microsoft.com/office/drawing/2014/main" id="{C0651FEB-C548-40A9-B19C-D5D1D4A18858}"/>
+                <a16:creationId xmlns:a16="http://schemas.microsoft.com/office/drawing/2014/main" id="{C0651FEB-C548-40A9-B19C-D5D1D4A18858}"/>
               </a:ext>
             </a:extLst>
           </p:cNvPr>
@@ -4396,7 +4396,7 @@
           <p:cNvPr id="4" name="Date Placeholder 3">
             <a:extLst>
               <a:ext uri="{FF2B5EF4-FFF2-40B4-BE49-F238E27FC236}">
-                <a16:creationId xmlns="" xmlns:a16="http://schemas.microsoft.com/office/drawing/2014/main" id="{B3A8ED2F-37E8-4578-9905-792CD038B6DE}"/>
+                <a16:creationId xmlns:a16="http://schemas.microsoft.com/office/drawing/2014/main" id="{B3A8ED2F-37E8-4578-9905-792CD038B6DE}"/>
               </a:ext>
             </a:extLst>
           </p:cNvPr>
@@ -4425,7 +4425,7 @@
           <p:cNvPr id="5" name="Footer Placeholder 4">
             <a:extLst>
               <a:ext uri="{FF2B5EF4-FFF2-40B4-BE49-F238E27FC236}">
-                <a16:creationId xmlns="" xmlns:a16="http://schemas.microsoft.com/office/drawing/2014/main" id="{FAFAB0A8-D9BC-4586-B60A-8B2BA95665B9}"/>
+                <a16:creationId xmlns:a16="http://schemas.microsoft.com/office/drawing/2014/main" id="{FAFAB0A8-D9BC-4586-B60A-8B2BA95665B9}"/>
               </a:ext>
             </a:extLst>
           </p:cNvPr>
@@ -4450,7 +4450,7 @@
           <p:cNvPr id="6" name="Slide Number Placeholder 5">
             <a:extLst>
               <a:ext uri="{FF2B5EF4-FFF2-40B4-BE49-F238E27FC236}">
-                <a16:creationId xmlns="" xmlns:a16="http://schemas.microsoft.com/office/drawing/2014/main" id="{B3434EB1-B581-4EE5-91E7-B2EC3EAE7B9A}"/>
+                <a16:creationId xmlns:a16="http://schemas.microsoft.com/office/drawing/2014/main" id="{B3434EB1-B581-4EE5-91E7-B2EC3EAE7B9A}"/>
               </a:ext>
             </a:extLst>
           </p:cNvPr>
@@ -4869,7 +4869,7 @@
           <a:graphicData uri="http://schemas.openxmlformats.org/presentationml/2006/ole">
             <mc:AlternateContent xmlns:mc="http://schemas.openxmlformats.org/markup-compatibility/2006">
               <mc:Choice xmlns:v="urn:schemas-microsoft-com:vml" Requires="v">
-                <p:oleObj spid="_x0000_s2096" name="Picture" r:id="rId4" imgW="1746885" imgH="548005" progId="Word.Picture.8">
+                <p:oleObj spid="_x0000_s2106" name="Picture" r:id="rId4" imgW="1746885" imgH="548005" progId="Word.Picture.8">
                   <p:embed/>
                 </p:oleObj>
               </mc:Choice>
@@ -6500,7 +6500,7 @@
           <p:cNvPr id="2" name="Title Placeholder 1">
             <a:extLst>
               <a:ext uri="{FF2B5EF4-FFF2-40B4-BE49-F238E27FC236}">
-                <a16:creationId xmlns="" xmlns:a16="http://schemas.microsoft.com/office/drawing/2014/main" id="{1F3EFEB8-830E-4D51-83DF-54540A78C732}"/>
+                <a16:creationId xmlns:a16="http://schemas.microsoft.com/office/drawing/2014/main" id="{1F3EFEB8-830E-4D51-83DF-54540A78C732}"/>
               </a:ext>
             </a:extLst>
           </p:cNvPr>
@@ -6539,7 +6539,7 @@
           <p:cNvPr id="3" name="Text Placeholder 2">
             <a:extLst>
               <a:ext uri="{FF2B5EF4-FFF2-40B4-BE49-F238E27FC236}">
-                <a16:creationId xmlns="" xmlns:a16="http://schemas.microsoft.com/office/drawing/2014/main" id="{D7494CA2-787E-4A8E-86BC-63884D9AE165}"/>
+                <a16:creationId xmlns:a16="http://schemas.microsoft.com/office/drawing/2014/main" id="{D7494CA2-787E-4A8E-86BC-63884D9AE165}"/>
               </a:ext>
             </a:extLst>
           </p:cNvPr>
@@ -6607,7 +6607,7 @@
           <p:cNvPr id="4" name="Date Placeholder 3">
             <a:extLst>
               <a:ext uri="{FF2B5EF4-FFF2-40B4-BE49-F238E27FC236}">
-                <a16:creationId xmlns="" xmlns:a16="http://schemas.microsoft.com/office/drawing/2014/main" id="{A627B2BF-8C06-473A-A7C3-CABEE0080C64}"/>
+                <a16:creationId xmlns:a16="http://schemas.microsoft.com/office/drawing/2014/main" id="{A627B2BF-8C06-473A-A7C3-CABEE0080C64}"/>
               </a:ext>
             </a:extLst>
           </p:cNvPr>
@@ -6654,7 +6654,7 @@
           <p:cNvPr id="5" name="Footer Placeholder 4">
             <a:extLst>
               <a:ext uri="{FF2B5EF4-FFF2-40B4-BE49-F238E27FC236}">
-                <a16:creationId xmlns="" xmlns:a16="http://schemas.microsoft.com/office/drawing/2014/main" id="{0F147EDE-5A8D-40E5-8366-D29A4AF8FD55}"/>
+                <a16:creationId xmlns:a16="http://schemas.microsoft.com/office/drawing/2014/main" id="{0F147EDE-5A8D-40E5-8366-D29A4AF8FD55}"/>
               </a:ext>
             </a:extLst>
           </p:cNvPr>
@@ -6697,7 +6697,7 @@
           <p:cNvPr id="6" name="Slide Number Placeholder 5">
             <a:extLst>
               <a:ext uri="{FF2B5EF4-FFF2-40B4-BE49-F238E27FC236}">
-                <a16:creationId xmlns="" xmlns:a16="http://schemas.microsoft.com/office/drawing/2014/main" id="{26C0F48B-FAA3-403B-B486-FB04C91E6E2A}"/>
+                <a16:creationId xmlns:a16="http://schemas.microsoft.com/office/drawing/2014/main" id="{26C0F48B-FAA3-403B-B486-FB04C91E6E2A}"/>
               </a:ext>
             </a:extLst>
           </p:cNvPr>
@@ -7235,13 +7235,9 @@
             </a:pPr>
             <a:r>
               <a:rPr lang="zh-CN" altLang="en-US" sz="4000" dirty="0"/>
-              <a:t>认证和鉴</a:t>
-            </a:r>
-            <a:r>
-              <a:rPr lang="zh-CN" altLang="en-US" sz="4000" dirty="0" smtClean="0"/>
-              <a:t>权技术方案</a:t>
-            </a:r>
-            <a:endParaRPr lang="en-US" altLang="zh-CN" sz="4000" dirty="0" smtClean="0"/>
+              <a:t>认证和鉴权技术方案</a:t>
+            </a:r>
+            <a:endParaRPr lang="en-US" altLang="zh-CN" sz="4000" dirty="0"/>
           </a:p>
           <a:p>
             <a:pPr algn="ctr">
@@ -7251,18 +7247,11 @@
               <a:defRPr/>
             </a:pPr>
             <a:r>
-              <a:rPr lang="zh-CN" altLang="en-US" sz="2000" dirty="0" smtClean="0">
-                <a:latin typeface="微软雅黑" panose="020B0503020204020204" pitchFamily="34" charset="-122"/>
-                <a:ea typeface="微软雅黑" panose="020B0503020204020204" pitchFamily="34" charset="-122"/>
-              </a:rPr>
-              <a:t>公共</a:t>
-            </a:r>
-            <a:r>
               <a:rPr lang="zh-CN" altLang="en-US" sz="2000" dirty="0">
                 <a:latin typeface="微软雅黑" panose="020B0503020204020204" pitchFamily="34" charset="-122"/>
                 <a:ea typeface="微软雅黑" panose="020B0503020204020204" pitchFamily="34" charset="-122"/>
               </a:rPr>
-              <a:t>框架组</a:t>
+              <a:t>公共框架组</a:t>
             </a:r>
           </a:p>
         </p:txBody>
@@ -7419,7 +7408,7 @@
               <a:t>（</a:t>
             </a:r>
             <a:r>
-              <a:rPr lang="en-US" altLang="zh-CN" sz="2400" b="1" dirty="0" smtClean="0">
+              <a:rPr lang="en-US" altLang="zh-CN" sz="2400" b="1" dirty="0">
                 <a:solidFill>
                   <a:prstClr val="white"/>
                 </a:solidFill>
@@ -7436,7 +7425,7 @@
               <a:t>2017/12/27</a:t>
             </a:r>
             <a:r>
-              <a:rPr lang="zh-CN" altLang="en-US" sz="2400" b="1" dirty="0" smtClean="0">
+              <a:rPr lang="zh-CN" altLang="en-US" sz="2400" b="1" dirty="0">
                 <a:solidFill>
                   <a:prstClr val="white"/>
                 </a:solidFill>
@@ -7617,18 +7606,11 @@
           <a:lstStyle/>
           <a:p>
             <a:r>
-              <a:rPr lang="zh-CN" altLang="en-US" dirty="0" smtClean="0">
-                <a:latin typeface="微软雅黑" panose="020B0503020204020204" pitchFamily="34" charset="-122"/>
-                <a:ea typeface="微软雅黑" panose="020B0503020204020204" pitchFamily="34" charset="-122"/>
-              </a:rPr>
-              <a:t>架构</a:t>
-            </a:r>
-            <a:r>
               <a:rPr lang="zh-CN" altLang="en-US" dirty="0">
                 <a:latin typeface="微软雅黑" panose="020B0503020204020204" pitchFamily="34" charset="-122"/>
                 <a:ea typeface="微软雅黑" panose="020B0503020204020204" pitchFamily="34" charset="-122"/>
               </a:rPr>
-              <a:t>决策 </a:t>
+              <a:t>架构决策 </a:t>
             </a:r>
             <a:r>
               <a:rPr lang="en-US" altLang="zh-CN" dirty="0">
@@ -7642,35 +7624,7 @@
                 <a:latin typeface="微软雅黑" panose="020B0503020204020204" pitchFamily="34" charset="-122"/>
                 <a:ea typeface="微软雅黑" panose="020B0503020204020204" pitchFamily="34" charset="-122"/>
               </a:rPr>
-              <a:t>认证</a:t>
-            </a:r>
-            <a:r>
-              <a:rPr lang="zh-CN" altLang="en-US" dirty="0" smtClean="0">
-                <a:latin typeface="微软雅黑" panose="020B0503020204020204" pitchFamily="34" charset="-122"/>
-                <a:ea typeface="微软雅黑" panose="020B0503020204020204" pitchFamily="34" charset="-122"/>
-              </a:rPr>
-              <a:t>和</a:t>
-            </a:r>
-            <a:r>
-              <a:rPr lang="zh-CN" altLang="en-US" dirty="0">
-                <a:latin typeface="微软雅黑" panose="020B0503020204020204" pitchFamily="34" charset="-122"/>
-                <a:ea typeface="微软雅黑" panose="020B0503020204020204" pitchFamily="34" charset="-122"/>
-              </a:rPr>
-              <a:t>鉴</a:t>
-            </a:r>
-            <a:r>
-              <a:rPr lang="zh-CN" altLang="en-US" dirty="0" smtClean="0">
-                <a:latin typeface="微软雅黑" panose="020B0503020204020204" pitchFamily="34" charset="-122"/>
-                <a:ea typeface="微软雅黑" panose="020B0503020204020204" pitchFamily="34" charset="-122"/>
-              </a:rPr>
-              <a:t>权</a:t>
-            </a:r>
-            <a:r>
-              <a:rPr lang="zh-CN" altLang="en-US" dirty="0">
-                <a:latin typeface="微软雅黑" panose="020B0503020204020204" pitchFamily="34" charset="-122"/>
-                <a:ea typeface="微软雅黑" panose="020B0503020204020204" pitchFamily="34" charset="-122"/>
-              </a:rPr>
-              <a:t>组件</a:t>
+              <a:t>认证和鉴权组件</a:t>
             </a:r>
           </a:p>
         </p:txBody>
@@ -7705,21 +7659,21 @@
                 <a:gridCol w="2237568">
                   <a:extLst>
                     <a:ext uri="{9D8B030D-6E8A-4147-A177-3AD203B41FA5}">
-                      <a16:colId xmlns="" xmlns:a16="http://schemas.microsoft.com/office/drawing/2014/main" val="3401234340"/>
+                      <a16:colId xmlns:a16="http://schemas.microsoft.com/office/drawing/2014/main" val="3401234340"/>
                     </a:ext>
                   </a:extLst>
                 </a:gridCol>
                 <a:gridCol w="4734024">
                   <a:extLst>
                     <a:ext uri="{9D8B030D-6E8A-4147-A177-3AD203B41FA5}">
-                      <a16:colId xmlns="" xmlns:a16="http://schemas.microsoft.com/office/drawing/2014/main" val="3695358523"/>
+                      <a16:colId xmlns:a16="http://schemas.microsoft.com/office/drawing/2014/main" val="3695358523"/>
                     </a:ext>
                   </a:extLst>
                 </a:gridCol>
                 <a:gridCol w="4044675">
                   <a:extLst>
                     <a:ext uri="{9D8B030D-6E8A-4147-A177-3AD203B41FA5}">
-                      <a16:colId xmlns="" xmlns:a16="http://schemas.microsoft.com/office/drawing/2014/main" val="3415886611"/>
+                      <a16:colId xmlns:a16="http://schemas.microsoft.com/office/drawing/2014/main" val="3415886611"/>
                     </a:ext>
                   </a:extLst>
                 </a:gridCol>
@@ -7906,7 +7860,7 @@
                 </a:tc>
                 <a:extLst>
                   <a:ext uri="{0D108BD9-81ED-4DB2-BD59-A6C34878D82A}">
-                    <a16:rowId xmlns="" xmlns:a16="http://schemas.microsoft.com/office/drawing/2014/main" val="2468360898"/>
+                    <a16:rowId xmlns:a16="http://schemas.microsoft.com/office/drawing/2014/main" val="2468360898"/>
                   </a:ext>
                 </a:extLst>
               </a:tr>
@@ -7948,22 +7902,10 @@
                           <a:ea typeface="微软雅黑" panose="020B0503020204020204" pitchFamily="34" charset="-122"/>
                           <a:cs typeface="+mn-cs"/>
                         </a:rPr>
-                        <a:t>发</a:t>
+                        <a:t>发标准</a:t>
                       </a:r>
                       <a:r>
-                        <a:rPr lang="zh-CN" altLang="en-US" sz="1600" b="1" i="0" u="none" strike="noStrike" kern="1200" dirty="0" smtClean="0">
-                          <a:solidFill>
-                            <a:srgbClr val="000000"/>
-                          </a:solidFill>
-                          <a:effectLst/>
-                          <a:latin typeface="微软雅黑" panose="020B0503020204020204" pitchFamily="34" charset="-122"/>
-                          <a:ea typeface="微软雅黑" panose="020B0503020204020204" pitchFamily="34" charset="-122"/>
-                          <a:cs typeface="+mn-cs"/>
-                        </a:rPr>
-                        <a:t>标准</a:t>
-                      </a:r>
-                      <a:r>
-                        <a:rPr lang="en-US" altLang="zh-CN" sz="1600" b="1" i="0" u="none" strike="noStrike" kern="1200" dirty="0" smtClean="0">
+                        <a:rPr lang="en-US" altLang="zh-CN" sz="1600" b="1" i="0" u="none" strike="noStrike" kern="1200" dirty="0">
                           <a:solidFill>
                             <a:srgbClr val="000000"/>
                           </a:solidFill>
@@ -7975,18 +7917,6 @@
                         <a:t>(RFC 7519)</a:t>
                       </a:r>
                       <a:r>
-                        <a:rPr lang="zh-CN" altLang="en-US" sz="1600" b="1" i="0" u="none" strike="noStrike" kern="1200" dirty="0" smtClean="0">
-                          <a:solidFill>
-                            <a:srgbClr val="000000"/>
-                          </a:solidFill>
-                          <a:effectLst/>
-                          <a:latin typeface="微软雅黑" panose="020B0503020204020204" pitchFamily="34" charset="-122"/>
-                          <a:ea typeface="微软雅黑" panose="020B0503020204020204" pitchFamily="34" charset="-122"/>
-                          <a:cs typeface="+mn-cs"/>
-                        </a:rPr>
-                        <a:t>，</a:t>
-                      </a:r>
-                      <a:r>
                         <a:rPr lang="zh-CN" altLang="en-US" sz="1600" b="1" i="0" u="none" strike="noStrike" kern="1200" dirty="0">
                           <a:solidFill>
                             <a:srgbClr val="000000"/>
@@ -7996,7 +7926,7 @@
                           <a:ea typeface="微软雅黑" panose="020B0503020204020204" pitchFamily="34" charset="-122"/>
                           <a:cs typeface="+mn-cs"/>
                         </a:rPr>
-                        <a:t>特别用于分</a:t>
+                        <a:t>，特别用于分</a:t>
                       </a:r>
                       <a:r>
                         <a:rPr lang="zh-CN" altLang="en-US" sz="1600" b="1" i="0" u="none" strike="noStrike" dirty="0">
@@ -8135,7 +8065,7 @@
                 </a:tc>
                 <a:extLst>
                   <a:ext uri="{0D108BD9-81ED-4DB2-BD59-A6C34878D82A}">
-                    <a16:rowId xmlns="" xmlns:a16="http://schemas.microsoft.com/office/drawing/2014/main" val="482276122"/>
+                    <a16:rowId xmlns:a16="http://schemas.microsoft.com/office/drawing/2014/main" val="482276122"/>
                   </a:ext>
                 </a:extLst>
               </a:tr>
@@ -8949,7 +8879,7 @@
                 </a:tc>
                 <a:extLst>
                   <a:ext uri="{0D108BD9-81ED-4DB2-BD59-A6C34878D82A}">
-                    <a16:rowId xmlns="" xmlns:a16="http://schemas.microsoft.com/office/drawing/2014/main" val="2326205148"/>
+                    <a16:rowId xmlns:a16="http://schemas.microsoft.com/office/drawing/2014/main" val="2326205148"/>
                   </a:ext>
                 </a:extLst>
               </a:tr>
@@ -9084,7 +9014,7 @@
                 </a:tc>
                 <a:extLst>
                   <a:ext uri="{0D108BD9-81ED-4DB2-BD59-A6C34878D82A}">
-                    <a16:rowId xmlns="" xmlns:a16="http://schemas.microsoft.com/office/drawing/2014/main" val="1612978323"/>
+                    <a16:rowId xmlns:a16="http://schemas.microsoft.com/office/drawing/2014/main" val="1612978323"/>
                   </a:ext>
                 </a:extLst>
               </a:tr>
@@ -9198,7 +9128,7 @@
                 </a:tc>
                 <a:extLst>
                   <a:ext uri="{0D108BD9-81ED-4DB2-BD59-A6C34878D82A}">
-                    <a16:rowId xmlns="" xmlns:a16="http://schemas.microsoft.com/office/drawing/2014/main" val="2349029150"/>
+                    <a16:rowId xmlns:a16="http://schemas.microsoft.com/office/drawing/2014/main" val="2349029150"/>
                   </a:ext>
                 </a:extLst>
               </a:tr>
@@ -9433,7 +9363,7 @@
                 </a:tc>
                 <a:extLst>
                   <a:ext uri="{0D108BD9-81ED-4DB2-BD59-A6C34878D82A}">
-                    <a16:rowId xmlns="" xmlns:a16="http://schemas.microsoft.com/office/drawing/2014/main" val="3755599061"/>
+                    <a16:rowId xmlns:a16="http://schemas.microsoft.com/office/drawing/2014/main" val="3755599061"/>
                   </a:ext>
                 </a:extLst>
               </a:tr>
@@ -9525,7 +9455,7 @@
                 </a:tc>
                 <a:extLst>
                   <a:ext uri="{0D108BD9-81ED-4DB2-BD59-A6C34878D82A}">
-                    <a16:rowId xmlns="" xmlns:a16="http://schemas.microsoft.com/office/drawing/2014/main" val="3582567963"/>
+                    <a16:rowId xmlns:a16="http://schemas.microsoft.com/office/drawing/2014/main" val="3582567963"/>
                   </a:ext>
                 </a:extLst>
               </a:tr>
@@ -9555,7 +9485,7 @@
           <a:graphicData uri="http://schemas.openxmlformats.org/presentationml/2006/ole">
             <mc:AlternateContent xmlns:mc="http://schemas.openxmlformats.org/markup-compatibility/2006">
               <mc:Choice xmlns:v="urn:schemas-microsoft-com:vml" Requires="v">
-                <p:oleObj spid="_x0000_s3119" name="Drawing" r:id="rId3" imgW="1468800" imgH="1173600" progId="">
+                <p:oleObj spid="_x0000_s3129" name="Drawing" r:id="rId3" imgW="1468800" imgH="1173600" progId="">
                   <p:embed/>
                 </p:oleObj>
               </mc:Choice>
@@ -9755,18 +9685,11 @@
           <a:lstStyle/>
           <a:p>
             <a:r>
-              <a:rPr lang="zh-CN" altLang="en-US" dirty="0" smtClean="0">
-                <a:latin typeface="微软雅黑" panose="020B0503020204020204" pitchFamily="34" charset="-122"/>
-                <a:ea typeface="微软雅黑" panose="020B0503020204020204" pitchFamily="34" charset="-122"/>
-              </a:rPr>
-              <a:t>认证</a:t>
-            </a:r>
-            <a:r>
               <a:rPr lang="zh-CN" altLang="en-US" dirty="0">
                 <a:latin typeface="微软雅黑" panose="020B0503020204020204" pitchFamily="34" charset="-122"/>
                 <a:ea typeface="微软雅黑" panose="020B0503020204020204" pitchFamily="34" charset="-122"/>
               </a:rPr>
-              <a:t>和鉴权接口定义</a:t>
+              <a:t>认证和鉴权接口定义</a:t>
             </a:r>
           </a:p>
         </p:txBody>
@@ -9776,7 +9699,7 @@
           <p:cNvPr id="5" name="TextBox 2">
             <a:extLst>
               <a:ext uri="{FF2B5EF4-FFF2-40B4-BE49-F238E27FC236}">
-                <a16:creationId xmlns="" xmlns:a16="http://schemas.microsoft.com/office/drawing/2014/main" id="{36D9D90E-E44E-4310-8BDA-F2087D885FDF}"/>
+                <a16:creationId xmlns:a16="http://schemas.microsoft.com/office/drawing/2014/main" id="{36D9D90E-E44E-4310-8BDA-F2087D885FDF}"/>
               </a:ext>
             </a:extLst>
           </p:cNvPr>
@@ -9876,7 +9799,7 @@
           <p:cNvPr id="6" name="TextBox 3">
             <a:extLst>
               <a:ext uri="{FF2B5EF4-FFF2-40B4-BE49-F238E27FC236}">
-                <a16:creationId xmlns="" xmlns:a16="http://schemas.microsoft.com/office/drawing/2014/main" id="{B8BD0AAA-30D6-494D-A3C5-A540307E3E36}"/>
+                <a16:creationId xmlns:a16="http://schemas.microsoft.com/office/drawing/2014/main" id="{B8BD0AAA-30D6-494D-A3C5-A540307E3E36}"/>
               </a:ext>
             </a:extLst>
           </p:cNvPr>
@@ -9938,41 +9861,14 @@
           <a:p>
             <a:r>
               <a:rPr lang="en-US" altLang="zh-CN" sz="1200" dirty="0"/>
-              <a:t>    </a:t>
-            </a:r>
-            <a:r>
-              <a:rPr lang="en-US" altLang="zh-CN" sz="1200" dirty="0" smtClean="0"/>
-              <a:t>username</a:t>
+              <a:t>    username</a:t>
             </a:r>
           </a:p>
           <a:p>
             <a:r>
               <a:rPr lang="en-US" altLang="zh-CN" sz="1200" dirty="0"/>
-              <a:t> </a:t>
-            </a:r>
-            <a:r>
-              <a:rPr lang="en-US" altLang="zh-CN" sz="1200" dirty="0" smtClean="0"/>
-              <a:t>   …</a:t>
-            </a:r>
-          </a:p>
-          <a:p>
-            <a:r>
-              <a:rPr lang="en-US" altLang="zh-CN" sz="1200" dirty="0"/>
-              <a:t> </a:t>
-            </a:r>
-            <a:r>
-              <a:rPr lang="en-US" altLang="zh-CN" sz="1200" dirty="0" smtClean="0"/>
-              <a:t>   </a:t>
-            </a:r>
-            <a:r>
-              <a:rPr lang="en-US" altLang="zh-CN" sz="1200" dirty="0" err="1" smtClean="0"/>
-              <a:t>dept</a:t>
-            </a:r>
-            <a:r>
-              <a:rPr lang="en-US" altLang="zh-CN" sz="1200" dirty="0" smtClean="0"/>
-              <a:t>:</a:t>
-            </a:r>
-            <a:endParaRPr lang="en-US" altLang="zh-CN" sz="1200" dirty="0"/>
+              <a:t>    …</a:t>
+            </a:r>
           </a:p>
           <a:p>
             <a:r>
@@ -9980,184 +9876,172 @@
               <a:t>    </a:t>
             </a:r>
             <a:r>
-              <a:rPr lang="en-US" altLang="zh-CN" sz="1200" dirty="0" smtClean="0"/>
-              <a:t>roles: [{code:</a:t>
-            </a:r>
-          </a:p>
-          <a:p>
-            <a:r>
-              <a:rPr lang="en-US" altLang="zh-CN" sz="1200" dirty="0"/>
-              <a:t> </a:t>
-            </a:r>
-            <a:r>
-              <a:rPr lang="en-US" altLang="zh-CN" sz="1200" dirty="0" smtClean="0"/>
-              <a:t>              name:</a:t>
-            </a:r>
-          </a:p>
-          <a:p>
-            <a:r>
-              <a:rPr lang="en-US" altLang="zh-CN" sz="1200" dirty="0"/>
-              <a:t> </a:t>
-            </a:r>
-            <a:r>
-              <a:rPr lang="en-US" altLang="zh-CN" sz="1200" dirty="0" smtClean="0"/>
-              <a:t>             }]</a:t>
-            </a:r>
-            <a:endParaRPr lang="en-US" altLang="zh-CN" sz="1200" dirty="0"/>
-          </a:p>
-          <a:p>
-            <a:r>
-              <a:rPr lang="en-US" altLang="zh-CN" sz="1200" dirty="0" smtClean="0"/>
-              <a:t>    </a:t>
-            </a:r>
-            <a:r>
-              <a:rPr lang="en-US" altLang="zh-CN" sz="1200" dirty="0" err="1" smtClean="0"/>
-              <a:t>serviceIds</a:t>
-            </a:r>
-            <a:r>
-              <a:rPr lang="en-US" altLang="zh-CN" sz="1200" dirty="0"/>
-              <a:t>: </a:t>
-            </a:r>
-            <a:r>
-              <a:rPr lang="en-US" altLang="zh-CN" sz="1200" dirty="0" smtClean="0"/>
-              <a:t>[“/</a:t>
-            </a:r>
-            <a:r>
-              <a:rPr lang="en-US" altLang="zh-CN" sz="1200" dirty="0" err="1" smtClean="0"/>
-              <a:t>scp</a:t>
-            </a:r>
-            <a:r>
-              <a:rPr lang="en-US" altLang="zh-CN" sz="1200" dirty="0" smtClean="0"/>
-              <a:t>-xxx/xxx/module/method”, ..] </a:t>
-            </a:r>
-          </a:p>
-          <a:p>
-            <a:r>
-              <a:rPr lang="en-US" altLang="zh-CN" sz="1200" dirty="0" smtClean="0"/>
-              <a:t>    apps: [ {  id:</a:t>
-            </a:r>
-          </a:p>
-          <a:p>
-            <a:r>
-              <a:rPr lang="en-US" altLang="zh-CN" sz="1200" dirty="0" smtClean="0"/>
-              <a:t>                  title:</a:t>
-            </a:r>
-          </a:p>
-          <a:p>
-            <a:r>
-              <a:rPr lang="en-US" altLang="zh-CN" sz="1200" dirty="0" smtClean="0"/>
-              <a:t>                  menus:[{</a:t>
-            </a:r>
-            <a:br>
-              <a:rPr lang="en-US" altLang="zh-CN" sz="1200" dirty="0" smtClean="0"/>
-            </a:br>
-            <a:r>
-              <a:rPr lang="en-US" altLang="zh-CN" sz="1200" dirty="0" smtClean="0"/>
-              <a:t>                  id:</a:t>
-            </a:r>
-          </a:p>
-          <a:p>
-            <a:r>
-              <a:rPr lang="en-US" altLang="zh-CN" sz="1200" dirty="0" smtClean="0"/>
-              <a:t>                  icon:</a:t>
-            </a:r>
-          </a:p>
-          <a:p>
-            <a:r>
-              <a:rPr lang="en-US" altLang="zh-CN" sz="1200" dirty="0" smtClean="0"/>
-              <a:t>                  title:</a:t>
-            </a:r>
-          </a:p>
-          <a:p>
-            <a:r>
-              <a:rPr lang="zh-CN" altLang="en-US" sz="1200" dirty="0" smtClean="0"/>
-              <a:t>                  </a:t>
-            </a:r>
-            <a:r>
-              <a:rPr lang="en-US" altLang="zh-CN" sz="1200" dirty="0" smtClean="0"/>
-              <a:t>url</a:t>
+              <a:rPr lang="en-US" altLang="zh-CN" sz="1200" dirty="0" err="1"/>
+              <a:t>dept</a:t>
             </a:r>
             <a:r>
               <a:rPr lang="en-US" altLang="zh-CN" sz="1200" dirty="0"/>
               <a:t>:</a:t>
             </a:r>
-            <a:endParaRPr lang="en-US" altLang="zh-CN" sz="1200" dirty="0" smtClean="0"/>
-          </a:p>
-          <a:p>
-            <a:r>
-              <a:rPr lang="en-US" altLang="zh-CN" sz="1200" dirty="0" smtClean="0"/>
+          </a:p>
+          <a:p>
+            <a:r>
+              <a:rPr lang="en-US" altLang="zh-CN" sz="1200" dirty="0"/>
+              <a:t>    roles: [{code:</a:t>
+            </a:r>
+          </a:p>
+          <a:p>
+            <a:r>
+              <a:rPr lang="en-US" altLang="zh-CN" sz="1200" dirty="0"/>
+              <a:t>               name:</a:t>
+            </a:r>
+          </a:p>
+          <a:p>
+            <a:r>
+              <a:rPr lang="en-US" altLang="zh-CN" sz="1200" dirty="0"/>
+              <a:t>              }]</a:t>
+            </a:r>
+          </a:p>
+          <a:p>
+            <a:r>
+              <a:rPr lang="en-US" altLang="zh-CN" sz="1200" dirty="0"/>
+              <a:t>    </a:t>
+            </a:r>
+            <a:r>
+              <a:rPr lang="en-US" altLang="zh-CN" sz="1200" dirty="0" err="1"/>
+              <a:t>serviceIds</a:t>
+            </a:r>
+            <a:r>
+              <a:rPr lang="en-US" altLang="zh-CN" sz="1200" dirty="0"/>
+              <a:t>: [“/</a:t>
+            </a:r>
+            <a:r>
+              <a:rPr lang="en-US" altLang="zh-CN" sz="1200" dirty="0" err="1"/>
+              <a:t>scp</a:t>
+            </a:r>
+            <a:r>
+              <a:rPr lang="en-US" altLang="zh-CN" sz="1200" dirty="0"/>
+              <a:t>-xxx/xxx/module/method”, ..] </a:t>
+            </a:r>
+          </a:p>
+          <a:p>
+            <a:r>
+              <a:rPr lang="en-US" altLang="zh-CN" sz="1200" dirty="0"/>
+              <a:t>    apps: [ {  id:</a:t>
+            </a:r>
+          </a:p>
+          <a:p>
+            <a:r>
+              <a:rPr lang="en-US" altLang="zh-CN" sz="1200" dirty="0"/>
+              <a:t>                  title:</a:t>
+            </a:r>
+          </a:p>
+          <a:p>
+            <a:r>
+              <a:rPr lang="en-US" altLang="zh-CN" sz="1200" dirty="0"/>
+              <a:t>                  menus:[{</a:t>
+            </a:r>
+            <a:br>
+              <a:rPr lang="en-US" altLang="zh-CN" sz="1200" dirty="0"/>
+            </a:br>
+            <a:r>
+              <a:rPr lang="en-US" altLang="zh-CN" sz="1200" dirty="0"/>
+              <a:t>                  id:</a:t>
+            </a:r>
+          </a:p>
+          <a:p>
+            <a:r>
+              <a:rPr lang="en-US" altLang="zh-CN" sz="1200" dirty="0"/>
+              <a:t>                  icon:</a:t>
+            </a:r>
+          </a:p>
+          <a:p>
+            <a:r>
+              <a:rPr lang="en-US" altLang="zh-CN" sz="1200" dirty="0"/>
+              <a:t>                  title:</a:t>
+            </a:r>
+          </a:p>
+          <a:p>
+            <a:r>
+              <a:rPr lang="zh-CN" altLang="en-US" sz="1200" dirty="0"/>
+              <a:t>                  </a:t>
+            </a:r>
+            <a:r>
+              <a:rPr lang="en-US" altLang="zh-CN" sz="1200" dirty="0"/>
+              <a:t>url:</a:t>
+            </a:r>
+          </a:p>
+          <a:p>
+            <a:r>
+              <a:rPr lang="en-US" altLang="zh-CN" sz="1200" dirty="0"/>
               <a:t>                  submenus: [{</a:t>
             </a:r>
           </a:p>
           <a:p>
             <a:r>
-              <a:rPr lang="en-US" altLang="zh-CN" sz="1200" dirty="0" smtClean="0"/>
+              <a:rPr lang="en-US" altLang="zh-CN" sz="1200" dirty="0"/>
               <a:t>                        id:</a:t>
             </a:r>
           </a:p>
           <a:p>
             <a:r>
-              <a:rPr lang="en-US" altLang="zh-CN" sz="1200" dirty="0" smtClean="0"/>
+              <a:rPr lang="en-US" altLang="zh-CN" sz="1200" dirty="0"/>
               <a:t>                        title:</a:t>
             </a:r>
           </a:p>
           <a:p>
             <a:r>
-              <a:rPr lang="en-US" altLang="zh-CN" sz="1200" dirty="0" smtClean="0"/>
+              <a:rPr lang="en-US" altLang="zh-CN" sz="1200" dirty="0"/>
               <a:t>                        url:</a:t>
             </a:r>
           </a:p>
           <a:p>
             <a:r>
-              <a:rPr lang="en-US" altLang="zh-CN" sz="1200" dirty="0" smtClean="0"/>
+              <a:rPr lang="en-US" altLang="zh-CN" sz="1200" dirty="0"/>
               <a:t>                        icon:</a:t>
             </a:r>
           </a:p>
           <a:p>
             <a:r>
-              <a:rPr lang="zh-CN" altLang="en-US" sz="1200" dirty="0" smtClean="0"/>
+              <a:rPr lang="zh-CN" altLang="en-US" sz="1200" dirty="0"/>
               <a:t>                        </a:t>
             </a:r>
             <a:r>
-              <a:rPr lang="en-US" altLang="zh-CN" sz="1200" dirty="0" smtClean="0"/>
+              <a:rPr lang="en-US" altLang="zh-CN" sz="1200" dirty="0"/>
               <a:t>submenus:</a:t>
             </a:r>
           </a:p>
           <a:p>
             <a:r>
               <a:rPr lang="zh-CN" altLang="en-US" sz="1200" dirty="0"/>
-              <a:t> </a:t>
-            </a:r>
-            <a:r>
-              <a:rPr lang="zh-CN" altLang="en-US" sz="1200" dirty="0" smtClean="0"/>
-              <a:t>                       </a:t>
-            </a:r>
-            <a:r>
-              <a:rPr lang="en-US" altLang="zh-CN" sz="1200" dirty="0" smtClean="0"/>
+              <a:t>                        </a:t>
+            </a:r>
+            <a:r>
+              <a:rPr lang="en-US" altLang="zh-CN" sz="1200" dirty="0"/>
               <a:t>items: [“”, “”]</a:t>
             </a:r>
           </a:p>
           <a:p>
             <a:r>
-              <a:rPr lang="en-US" altLang="zh-CN" sz="1200" dirty="0" smtClean="0"/>
+              <a:rPr lang="en-US" altLang="zh-CN" sz="1200" dirty="0"/>
               <a:t>                  }]		</a:t>
             </a:r>
           </a:p>
           <a:p>
             <a:r>
-              <a:rPr lang="en-US" altLang="zh-CN" sz="1200" dirty="0" smtClean="0"/>
+              <a:rPr lang="en-US" altLang="zh-CN" sz="1200" dirty="0"/>
               <a:t>            }]               </a:t>
             </a:r>
           </a:p>
           <a:p>
             <a:r>
-              <a:rPr lang="en-US" altLang="zh-CN" sz="1200" dirty="0" smtClean="0"/>
+              <a:rPr lang="en-US" altLang="zh-CN" sz="1200" dirty="0"/>
               <a:t>    }]	</a:t>
             </a:r>
           </a:p>
           <a:p>
             <a:r>
-              <a:rPr lang="en-US" altLang="zh-CN" sz="1200" dirty="0" smtClean="0"/>
+              <a:rPr lang="en-US" altLang="zh-CN" sz="1200" dirty="0"/>
               <a:t>}</a:t>
             </a:r>
             <a:endParaRPr lang="zh-CN" altLang="en-US" sz="1200" dirty="0"/>
@@ -10169,7 +10053,7 @@
           <p:cNvPr id="7" name="TextBox 3">
             <a:extLst>
               <a:ext uri="{FF2B5EF4-FFF2-40B4-BE49-F238E27FC236}">
-                <a16:creationId xmlns="" xmlns:a16="http://schemas.microsoft.com/office/drawing/2014/main" id="{B8BD0AAA-30D6-494D-A3C5-A540307E3E36}"/>
+                <a16:creationId xmlns:a16="http://schemas.microsoft.com/office/drawing/2014/main" id="{B8BD0AAA-30D6-494D-A3C5-A540307E3E36}"/>
               </a:ext>
             </a:extLst>
           </p:cNvPr>
@@ -10200,32 +10084,11 @@
           <a:lstStyle/>
           <a:p>
             <a:r>
-              <a:rPr lang="zh-CN" altLang="en-US" dirty="0" smtClean="0">
-                <a:latin typeface="微软雅黑" panose="020B0503020204020204" pitchFamily="34" charset="-122"/>
-                <a:ea typeface="微软雅黑" panose="020B0503020204020204" pitchFamily="34" charset="-122"/>
-              </a:rPr>
-              <a:t>原方案</a:t>
-            </a:r>
-            <a:r>
               <a:rPr lang="zh-CN" altLang="en-US" dirty="0">
                 <a:latin typeface="微软雅黑" panose="020B0503020204020204" pitchFamily="34" charset="-122"/>
                 <a:ea typeface="微软雅黑" panose="020B0503020204020204" pitchFamily="34" charset="-122"/>
               </a:rPr>
-              <a:t>：</a:t>
-            </a:r>
-            <a:r>
-              <a:rPr lang="zh-CN" altLang="en-US" dirty="0" smtClean="0">
-                <a:latin typeface="微软雅黑" panose="020B0503020204020204" pitchFamily="34" charset="-122"/>
-                <a:ea typeface="微软雅黑" panose="020B0503020204020204" pitchFamily="34" charset="-122"/>
-              </a:rPr>
-              <a:t>返回</a:t>
-            </a:r>
-            <a:r>
-              <a:rPr lang="zh-CN" altLang="en-US" dirty="0">
-                <a:latin typeface="微软雅黑" panose="020B0503020204020204" pitchFamily="34" charset="-122"/>
-                <a:ea typeface="微软雅黑" panose="020B0503020204020204" pitchFamily="34" charset="-122"/>
-              </a:rPr>
-              <a:t>结果：</a:t>
+              <a:t>原方案：返回结果：</a:t>
             </a:r>
             <a:endParaRPr lang="en-US" altLang="zh-CN" dirty="0">
               <a:latin typeface="微软雅黑" panose="020B0503020204020204" pitchFamily="34" charset="-122"/>
@@ -10252,23 +10115,14 @@
           <a:p>
             <a:r>
               <a:rPr lang="en-US" altLang="zh-CN" sz="1200" dirty="0"/>
-              <a:t>    </a:t>
-            </a:r>
-            <a:r>
-              <a:rPr lang="en-US" altLang="zh-CN" sz="1200" dirty="0" smtClean="0"/>
-              <a:t>username</a:t>
+              <a:t>    username</a:t>
             </a:r>
           </a:p>
           <a:p>
             <a:r>
               <a:rPr lang="en-US" altLang="zh-CN" sz="1200" dirty="0"/>
-              <a:t> </a:t>
-            </a:r>
-            <a:r>
-              <a:rPr lang="en-US" altLang="zh-CN" sz="1200" dirty="0" smtClean="0"/>
-              <a:t>   …</a:t>
-            </a:r>
-            <a:endParaRPr lang="en-US" altLang="zh-CN" sz="1200" dirty="0"/>
+              <a:t>    …</a:t>
+            </a:r>
           </a:p>
           <a:p>
             <a:r>
@@ -10285,23 +10139,15 @@
           <a:p>
             <a:r>
               <a:rPr lang="en-US" altLang="zh-CN" sz="1200" dirty="0"/>
-              <a:t>       Ids: </a:t>
-            </a:r>
-            <a:r>
-              <a:rPr lang="en-US" altLang="zh-CN" sz="1200" dirty="0" smtClean="0"/>
-              <a:t>[“App/Menu/</a:t>
-            </a:r>
-            <a:r>
-              <a:rPr lang="en-US" altLang="zh-CN" sz="1200" dirty="0" err="1" smtClean="0"/>
+              <a:t>       Ids: [“App/Menu/</a:t>
+            </a:r>
+            <a:r>
+              <a:rPr lang="en-US" altLang="zh-CN" sz="1200" dirty="0" err="1"/>
               <a:t>SubMenu</a:t>
             </a:r>
             <a:r>
-              <a:rPr lang="en-US" altLang="zh-CN" sz="1200" dirty="0" smtClean="0"/>
-              <a:t>/Button</a:t>
-            </a:r>
-            <a:r>
               <a:rPr lang="en-US" altLang="zh-CN" sz="1200" dirty="0"/>
-              <a:t>”,</a:t>
+              <a:t>/Button”,</a:t>
             </a:r>
           </a:p>
           <a:p>
@@ -10309,32 +10155,22 @@
               <a:rPr lang="en-US" altLang="zh-CN" sz="1200" dirty="0"/>
               <a:t>              …]   </a:t>
             </a:r>
-            <a:endParaRPr lang="en-US" altLang="zh-CN" sz="1200" dirty="0" smtClean="0"/>
           </a:p>
           <a:p>
             <a:r>
               <a:rPr lang="en-US" altLang="zh-CN" sz="1200" dirty="0"/>
-              <a:t> </a:t>
-            </a:r>
-            <a:r>
-              <a:rPr lang="en-US" altLang="zh-CN" sz="1200" dirty="0" smtClean="0"/>
-              <a:t>      </a:t>
-            </a:r>
-            <a:endParaRPr lang="en-US" altLang="zh-CN" sz="1200" dirty="0"/>
+              <a:t>       </a:t>
+            </a:r>
           </a:p>
           <a:p>
             <a:r>
               <a:rPr lang="en-US" altLang="zh-CN" sz="1200" dirty="0"/>
-              <a:t>    </a:t>
-            </a:r>
-            <a:r>
-              <a:rPr lang="en-US" altLang="zh-CN" sz="1200" dirty="0" smtClean="0"/>
-              <a:t>}</a:t>
-            </a:r>
-          </a:p>
-          <a:p>
-            <a:r>
-              <a:rPr lang="en-US" altLang="zh-CN" sz="1200" dirty="0" smtClean="0"/>
+              <a:t>    }</a:t>
+            </a:r>
+          </a:p>
+          <a:p>
+            <a:r>
+              <a:rPr lang="en-US" altLang="zh-CN" sz="1200" dirty="0"/>
               <a:t>    </a:t>
             </a:r>
             <a:endParaRPr lang="zh-CN" altLang="en-US" sz="1200" dirty="0"/>
@@ -10351,13 +10187,6 @@
   <p:clrMapOvr>
     <a:masterClrMapping/>
   </p:clrMapOvr>
-  <p:timing>
-    <p:tnLst>
-      <p:par>
-        <p:cTn id="1" dur="indefinite" restart="never" nodeType="tmRoot"/>
-      </p:par>
-    </p:tnLst>
-  </p:timing>
 </p:sld>
 </file>
 
@@ -10396,7 +10225,7 @@
           <a:lstStyle/>
           <a:p>
             <a:r>
-              <a:rPr lang="zh-CN" altLang="en-US" dirty="0" smtClean="0">
+              <a:rPr lang="zh-CN" altLang="en-US" dirty="0">
                 <a:latin typeface="微软雅黑" panose="020B0503020204020204" pitchFamily="34" charset="-122"/>
                 <a:ea typeface="微软雅黑" panose="020B0503020204020204" pitchFamily="34" charset="-122"/>
               </a:rPr>
@@ -10421,7 +10250,7 @@
           <p:cNvPr id="4" name="Rectangle 3">
             <a:extLst>
               <a:ext uri="{FF2B5EF4-FFF2-40B4-BE49-F238E27FC236}">
-                <a16:creationId xmlns="" xmlns:a16="http://schemas.microsoft.com/office/drawing/2014/main" id="{326B8D9A-F0AE-4FBD-8631-A13A2C13540A}"/>
+                <a16:creationId xmlns:a16="http://schemas.microsoft.com/office/drawing/2014/main" id="{326B8D9A-F0AE-4FBD-8631-A13A2C13540A}"/>
               </a:ext>
             </a:extLst>
           </p:cNvPr>
@@ -10501,7 +10330,7 @@
           <p:cNvPr id="5" name="Rectangle 4">
             <a:extLst>
               <a:ext uri="{FF2B5EF4-FFF2-40B4-BE49-F238E27FC236}">
-                <a16:creationId xmlns="" xmlns:a16="http://schemas.microsoft.com/office/drawing/2014/main" id="{351BFB24-C0A4-4A7E-8DFE-E266408C0246}"/>
+                <a16:creationId xmlns:a16="http://schemas.microsoft.com/office/drawing/2014/main" id="{351BFB24-C0A4-4A7E-8DFE-E266408C0246}"/>
               </a:ext>
             </a:extLst>
           </p:cNvPr>
@@ -10544,16 +10373,6 @@
           <a:p>
             <a:pPr algn="ctr"/>
             <a:r>
-              <a:rPr lang="zh-CN" altLang="en-US" dirty="0" smtClean="0">
-                <a:solidFill>
-                  <a:schemeClr val="tx1"/>
-                </a:solidFill>
-                <a:latin typeface="微软雅黑" panose="020B0503020204020204" pitchFamily="34" charset="-122"/>
-                <a:ea typeface="微软雅黑" panose="020B0503020204020204" pitchFamily="34" charset="-122"/>
-              </a:rPr>
-              <a:t>移动</a:t>
-            </a:r>
-            <a:r>
               <a:rPr lang="zh-CN" altLang="en-US" dirty="0">
                 <a:solidFill>
                   <a:schemeClr val="tx1"/>
@@ -10561,7 +10380,7 @@
                 <a:latin typeface="微软雅黑" panose="020B0503020204020204" pitchFamily="34" charset="-122"/>
                 <a:ea typeface="微软雅黑" panose="020B0503020204020204" pitchFamily="34" charset="-122"/>
               </a:rPr>
-              <a:t>端</a:t>
+              <a:t>移动端</a:t>
             </a:r>
             <a:r>
               <a:rPr lang="en-US" altLang="zh-CN" dirty="0">
@@ -10588,7 +10407,7 @@
           <p:cNvPr id="6" name="Rectangle 6">
             <a:extLst>
               <a:ext uri="{FF2B5EF4-FFF2-40B4-BE49-F238E27FC236}">
-                <a16:creationId xmlns="" xmlns:a16="http://schemas.microsoft.com/office/drawing/2014/main" id="{3208D77B-6D48-41EC-A155-5AC333462D5A}"/>
+                <a16:creationId xmlns:a16="http://schemas.microsoft.com/office/drawing/2014/main" id="{3208D77B-6D48-41EC-A155-5AC333462D5A}"/>
               </a:ext>
             </a:extLst>
           </p:cNvPr>
@@ -10668,7 +10487,7 @@
           <p:cNvPr id="7" name="Rectangle 7">
             <a:extLst>
               <a:ext uri="{FF2B5EF4-FFF2-40B4-BE49-F238E27FC236}">
-                <a16:creationId xmlns="" xmlns:a16="http://schemas.microsoft.com/office/drawing/2014/main" id="{EA7C22B2-7AB0-4E5B-9987-88D7DF4DD3C2}"/>
+                <a16:creationId xmlns:a16="http://schemas.microsoft.com/office/drawing/2014/main" id="{EA7C22B2-7AB0-4E5B-9987-88D7DF4DD3C2}"/>
               </a:ext>
             </a:extLst>
           </p:cNvPr>
@@ -10770,7 +10589,7 @@
           <p:cNvPr id="8" name="Rectangle 8">
             <a:extLst>
               <a:ext uri="{FF2B5EF4-FFF2-40B4-BE49-F238E27FC236}">
-                <a16:creationId xmlns="" xmlns:a16="http://schemas.microsoft.com/office/drawing/2014/main" id="{F5BF2FD4-8D34-4DAB-AF15-7B8EAA4C8D69}"/>
+                <a16:creationId xmlns:a16="http://schemas.microsoft.com/office/drawing/2014/main" id="{F5BF2FD4-8D34-4DAB-AF15-7B8EAA4C8D69}"/>
               </a:ext>
             </a:extLst>
           </p:cNvPr>
@@ -10859,7 +10678,7 @@
           <p:cNvPr id="9" name="Rectangle 9">
             <a:extLst>
               <a:ext uri="{FF2B5EF4-FFF2-40B4-BE49-F238E27FC236}">
-                <a16:creationId xmlns="" xmlns:a16="http://schemas.microsoft.com/office/drawing/2014/main" id="{24420C7F-7A80-4196-B788-D8E6AF7291C4}"/>
+                <a16:creationId xmlns:a16="http://schemas.microsoft.com/office/drawing/2014/main" id="{24420C7F-7A80-4196-B788-D8E6AF7291C4}"/>
               </a:ext>
             </a:extLst>
           </p:cNvPr>
@@ -10943,7 +10762,7 @@
           <p:cNvPr id="10" name="Straight Arrow Connector 11">
             <a:extLst>
               <a:ext uri="{FF2B5EF4-FFF2-40B4-BE49-F238E27FC236}">
-                <a16:creationId xmlns="" xmlns:a16="http://schemas.microsoft.com/office/drawing/2014/main" id="{DE60CE4F-E248-4C27-9E02-6F26CA2DBDCF}"/>
+                <a16:creationId xmlns:a16="http://schemas.microsoft.com/office/drawing/2014/main" id="{DE60CE4F-E248-4C27-9E02-6F26CA2DBDCF}"/>
               </a:ext>
             </a:extLst>
           </p:cNvPr>
@@ -10986,7 +10805,7 @@
           <p:cNvPr id="11" name="Straight Arrow Connector 14">
             <a:extLst>
               <a:ext uri="{FF2B5EF4-FFF2-40B4-BE49-F238E27FC236}">
-                <a16:creationId xmlns="" xmlns:a16="http://schemas.microsoft.com/office/drawing/2014/main" id="{FBE76EEF-1E39-4C4E-85EC-0145A135B2CB}"/>
+                <a16:creationId xmlns:a16="http://schemas.microsoft.com/office/drawing/2014/main" id="{FBE76EEF-1E39-4C4E-85EC-0145A135B2CB}"/>
               </a:ext>
             </a:extLst>
           </p:cNvPr>
@@ -11029,7 +10848,7 @@
           <p:cNvPr id="12" name="Straight Arrow Connector 18">
             <a:extLst>
               <a:ext uri="{FF2B5EF4-FFF2-40B4-BE49-F238E27FC236}">
-                <a16:creationId xmlns="" xmlns:a16="http://schemas.microsoft.com/office/drawing/2014/main" id="{67AF3129-8C7A-48DF-A288-E64284A34613}"/>
+                <a16:creationId xmlns:a16="http://schemas.microsoft.com/office/drawing/2014/main" id="{67AF3129-8C7A-48DF-A288-E64284A34613}"/>
               </a:ext>
             </a:extLst>
           </p:cNvPr>
@@ -11072,7 +10891,7 @@
           <p:cNvPr id="13" name="Straight Arrow Connector 20">
             <a:extLst>
               <a:ext uri="{FF2B5EF4-FFF2-40B4-BE49-F238E27FC236}">
-                <a16:creationId xmlns="" xmlns:a16="http://schemas.microsoft.com/office/drawing/2014/main" id="{343D89C8-DF0C-4FF2-B619-7E6450244B29}"/>
+                <a16:creationId xmlns:a16="http://schemas.microsoft.com/office/drawing/2014/main" id="{343D89C8-DF0C-4FF2-B619-7E6450244B29}"/>
               </a:ext>
             </a:extLst>
           </p:cNvPr>
@@ -11115,7 +10934,7 @@
           <p:cNvPr id="14" name="Rectangle: Rounded Corners 28">
             <a:extLst>
               <a:ext uri="{FF2B5EF4-FFF2-40B4-BE49-F238E27FC236}">
-                <a16:creationId xmlns="" xmlns:a16="http://schemas.microsoft.com/office/drawing/2014/main" id="{23BEDED2-A99A-44C8-BA39-0E22367F2A72}"/>
+                <a16:creationId xmlns:a16="http://schemas.microsoft.com/office/drawing/2014/main" id="{23BEDED2-A99A-44C8-BA39-0E22367F2A72}"/>
               </a:ext>
             </a:extLst>
           </p:cNvPr>
@@ -11172,7 +10991,7 @@
           <p:cNvPr id="16" name="Rectangle: Rounded Corners 29">
             <a:extLst>
               <a:ext uri="{FF2B5EF4-FFF2-40B4-BE49-F238E27FC236}">
-                <a16:creationId xmlns="" xmlns:a16="http://schemas.microsoft.com/office/drawing/2014/main" id="{C2CA9F8F-51F0-457F-8CC0-89328CB6221D}"/>
+                <a16:creationId xmlns:a16="http://schemas.microsoft.com/office/drawing/2014/main" id="{C2CA9F8F-51F0-457F-8CC0-89328CB6221D}"/>
               </a:ext>
             </a:extLst>
           </p:cNvPr>
@@ -11222,7 +11041,7 @@
           <p:cNvPr id="17" name="Rectangle: Rounded Corners 34">
             <a:extLst>
               <a:ext uri="{FF2B5EF4-FFF2-40B4-BE49-F238E27FC236}">
-                <a16:creationId xmlns="" xmlns:a16="http://schemas.microsoft.com/office/drawing/2014/main" id="{45093CA0-C46C-40F6-B3BD-DBBD5E41F1BD}"/>
+                <a16:creationId xmlns:a16="http://schemas.microsoft.com/office/drawing/2014/main" id="{45093CA0-C46C-40F6-B3BD-DBBD5E41F1BD}"/>
               </a:ext>
             </a:extLst>
           </p:cNvPr>
@@ -11272,7 +11091,7 @@
           <p:cNvPr id="18" name="Connector: Curved 36">
             <a:extLst>
               <a:ext uri="{FF2B5EF4-FFF2-40B4-BE49-F238E27FC236}">
-                <a16:creationId xmlns="" xmlns:a16="http://schemas.microsoft.com/office/drawing/2014/main" id="{9B89D0F4-CC30-43CA-A880-BC571216972E}"/>
+                <a16:creationId xmlns:a16="http://schemas.microsoft.com/office/drawing/2014/main" id="{9B89D0F4-CC30-43CA-A880-BC571216972E}"/>
               </a:ext>
             </a:extLst>
           </p:cNvPr>
@@ -11315,7 +11134,7 @@
           <p:cNvPr id="19" name="Flowchart: Connector 46">
             <a:extLst>
               <a:ext uri="{FF2B5EF4-FFF2-40B4-BE49-F238E27FC236}">
-                <a16:creationId xmlns="" xmlns:a16="http://schemas.microsoft.com/office/drawing/2014/main" id="{C4FF6B04-E210-4AED-8D10-EB351DA5E9CB}"/>
+                <a16:creationId xmlns:a16="http://schemas.microsoft.com/office/drawing/2014/main" id="{C4FF6B04-E210-4AED-8D10-EB351DA5E9CB}"/>
               </a:ext>
             </a:extLst>
           </p:cNvPr>
@@ -11365,7 +11184,7 @@
           <p:cNvPr id="20" name="Flowchart: Connector 47">
             <a:extLst>
               <a:ext uri="{FF2B5EF4-FFF2-40B4-BE49-F238E27FC236}">
-                <a16:creationId xmlns="" xmlns:a16="http://schemas.microsoft.com/office/drawing/2014/main" id="{73151C4C-5305-4E51-9DDC-5BF2D0623546}"/>
+                <a16:creationId xmlns:a16="http://schemas.microsoft.com/office/drawing/2014/main" id="{73151C4C-5305-4E51-9DDC-5BF2D0623546}"/>
               </a:ext>
             </a:extLst>
           </p:cNvPr>
@@ -11415,7 +11234,7 @@
           <p:cNvPr id="21" name="Flowchart: Connector 48">
             <a:extLst>
               <a:ext uri="{FF2B5EF4-FFF2-40B4-BE49-F238E27FC236}">
-                <a16:creationId xmlns="" xmlns:a16="http://schemas.microsoft.com/office/drawing/2014/main" id="{B36D41AA-D565-4856-A213-68F23773D501}"/>
+                <a16:creationId xmlns:a16="http://schemas.microsoft.com/office/drawing/2014/main" id="{B36D41AA-D565-4856-A213-68F23773D501}"/>
               </a:ext>
             </a:extLst>
           </p:cNvPr>
@@ -11465,7 +11284,7 @@
           <p:cNvPr id="22" name="Connector: Curved 53">
             <a:extLst>
               <a:ext uri="{FF2B5EF4-FFF2-40B4-BE49-F238E27FC236}">
-                <a16:creationId xmlns="" xmlns:a16="http://schemas.microsoft.com/office/drawing/2014/main" id="{ED0A541E-8D30-4E92-A423-BB6012D85EEE}"/>
+                <a16:creationId xmlns:a16="http://schemas.microsoft.com/office/drawing/2014/main" id="{ED0A541E-8D30-4E92-A423-BB6012D85EEE}"/>
               </a:ext>
             </a:extLst>
           </p:cNvPr>
@@ -11510,7 +11329,7 @@
           <p:cNvPr id="23" name="Connector: Curved 56">
             <a:extLst>
               <a:ext uri="{FF2B5EF4-FFF2-40B4-BE49-F238E27FC236}">
-                <a16:creationId xmlns="" xmlns:a16="http://schemas.microsoft.com/office/drawing/2014/main" id="{2F472560-C161-4B6F-9E68-AF57C45ECF7F}"/>
+                <a16:creationId xmlns:a16="http://schemas.microsoft.com/office/drawing/2014/main" id="{2F472560-C161-4B6F-9E68-AF57C45ECF7F}"/>
               </a:ext>
             </a:extLst>
           </p:cNvPr>
@@ -11554,7 +11373,7 @@
           <p:cNvPr id="24" name="Arrow: Curved Up 77">
             <a:extLst>
               <a:ext uri="{FF2B5EF4-FFF2-40B4-BE49-F238E27FC236}">
-                <a16:creationId xmlns="" xmlns:a16="http://schemas.microsoft.com/office/drawing/2014/main" id="{5ACA65DF-E62F-4D96-97E5-F76C9AEE0E16}"/>
+                <a16:creationId xmlns:a16="http://schemas.microsoft.com/office/drawing/2014/main" id="{5ACA65DF-E62F-4D96-97E5-F76C9AEE0E16}"/>
               </a:ext>
             </a:extLst>
           </p:cNvPr>
@@ -11604,7 +11423,7 @@
           <p:cNvPr id="25" name="Arrow: Curved Up 78">
             <a:extLst>
               <a:ext uri="{FF2B5EF4-FFF2-40B4-BE49-F238E27FC236}">
-                <a16:creationId xmlns="" xmlns:a16="http://schemas.microsoft.com/office/drawing/2014/main" id="{B85EFB3B-7A6A-40AF-B2F8-443B7BCB3D9F}"/>
+                <a16:creationId xmlns:a16="http://schemas.microsoft.com/office/drawing/2014/main" id="{B85EFB3B-7A6A-40AF-B2F8-443B7BCB3D9F}"/>
               </a:ext>
             </a:extLst>
           </p:cNvPr>
@@ -11658,7 +11477,7 @@
           <p:cNvPr id="26" name="Flowchart: Connector 82">
             <a:extLst>
               <a:ext uri="{FF2B5EF4-FFF2-40B4-BE49-F238E27FC236}">
-                <a16:creationId xmlns="" xmlns:a16="http://schemas.microsoft.com/office/drawing/2014/main" id="{217E79F9-64C8-4DAD-B6A5-1C8B264FBBBD}"/>
+                <a16:creationId xmlns:a16="http://schemas.microsoft.com/office/drawing/2014/main" id="{217E79F9-64C8-4DAD-B6A5-1C8B264FBBBD}"/>
               </a:ext>
             </a:extLst>
           </p:cNvPr>
@@ -11708,7 +11527,7 @@
           <p:cNvPr id="27" name="Flowchart: Magnetic Disk 110">
             <a:extLst>
               <a:ext uri="{FF2B5EF4-FFF2-40B4-BE49-F238E27FC236}">
-                <a16:creationId xmlns="" xmlns:a16="http://schemas.microsoft.com/office/drawing/2014/main" id="{EE9E2943-3510-46EE-AA51-91BAB922604F}"/>
+                <a16:creationId xmlns:a16="http://schemas.microsoft.com/office/drawing/2014/main" id="{EE9E2943-3510-46EE-AA51-91BAB922604F}"/>
               </a:ext>
             </a:extLst>
           </p:cNvPr>
@@ -11757,7 +11576,7 @@
           <p:cNvPr id="28" name="Straight Arrow Connector 112">
             <a:extLst>
               <a:ext uri="{FF2B5EF4-FFF2-40B4-BE49-F238E27FC236}">
-                <a16:creationId xmlns="" xmlns:a16="http://schemas.microsoft.com/office/drawing/2014/main" id="{3C7A15F1-22B4-4B8F-8CBE-AB3E71ED84C0}"/>
+                <a16:creationId xmlns:a16="http://schemas.microsoft.com/office/drawing/2014/main" id="{3C7A15F1-22B4-4B8F-8CBE-AB3E71ED84C0}"/>
               </a:ext>
             </a:extLst>
           </p:cNvPr>
@@ -11799,7 +11618,7 @@
           <p:cNvPr id="29" name="Flowchart: Magnetic Disk 113">
             <a:extLst>
               <a:ext uri="{FF2B5EF4-FFF2-40B4-BE49-F238E27FC236}">
-                <a16:creationId xmlns="" xmlns:a16="http://schemas.microsoft.com/office/drawing/2014/main" id="{2B704D7F-EFF5-4D39-AA2B-B5BDBFB9EE66}"/>
+                <a16:creationId xmlns:a16="http://schemas.microsoft.com/office/drawing/2014/main" id="{2B704D7F-EFF5-4D39-AA2B-B5BDBFB9EE66}"/>
               </a:ext>
             </a:extLst>
           </p:cNvPr>
@@ -11852,7 +11671,7 @@
           <p:cNvPr id="30" name="Straight Arrow Connector 134">
             <a:extLst>
               <a:ext uri="{FF2B5EF4-FFF2-40B4-BE49-F238E27FC236}">
-                <a16:creationId xmlns="" xmlns:a16="http://schemas.microsoft.com/office/drawing/2014/main" id="{A12FEF9A-4A65-4401-93E3-41F5316D26F7}"/>
+                <a16:creationId xmlns:a16="http://schemas.microsoft.com/office/drawing/2014/main" id="{A12FEF9A-4A65-4401-93E3-41F5316D26F7}"/>
               </a:ext>
             </a:extLst>
           </p:cNvPr>
@@ -11894,7 +11713,7 @@
           <p:cNvPr id="31" name="Straight Connector 136">
             <a:extLst>
               <a:ext uri="{FF2B5EF4-FFF2-40B4-BE49-F238E27FC236}">
-                <a16:creationId xmlns="" xmlns:a16="http://schemas.microsoft.com/office/drawing/2014/main" id="{1BB00E47-99B5-4AF0-AE10-492AE6CA73D9}"/>
+                <a16:creationId xmlns:a16="http://schemas.microsoft.com/office/drawing/2014/main" id="{1BB00E47-99B5-4AF0-AE10-492AE6CA73D9}"/>
               </a:ext>
             </a:extLst>
           </p:cNvPr>
@@ -11933,7 +11752,7 @@
           <p:cNvPr id="32" name="Straight Arrow Connector 138">
             <a:extLst>
               <a:ext uri="{FF2B5EF4-FFF2-40B4-BE49-F238E27FC236}">
-                <a16:creationId xmlns="" xmlns:a16="http://schemas.microsoft.com/office/drawing/2014/main" id="{12DCE346-E1A6-4689-98D0-61DD334B0068}"/>
+                <a16:creationId xmlns:a16="http://schemas.microsoft.com/office/drawing/2014/main" id="{12DCE346-E1A6-4689-98D0-61DD334B0068}"/>
               </a:ext>
             </a:extLst>
           </p:cNvPr>
@@ -11975,7 +11794,7 @@
           <p:cNvPr id="33" name="TextBox 142">
             <a:extLst>
               <a:ext uri="{FF2B5EF4-FFF2-40B4-BE49-F238E27FC236}">
-                <a16:creationId xmlns="" xmlns:a16="http://schemas.microsoft.com/office/drawing/2014/main" id="{31A20C56-68B5-4855-BBCA-2E27F7C9E256}"/>
+                <a16:creationId xmlns:a16="http://schemas.microsoft.com/office/drawing/2014/main" id="{31A20C56-68B5-4855-BBCA-2E27F7C9E256}"/>
               </a:ext>
             </a:extLst>
           </p:cNvPr>
@@ -12030,7 +11849,7 @@
           <p:cNvPr id="34" name="TextBox 2">
             <a:extLst>
               <a:ext uri="{FF2B5EF4-FFF2-40B4-BE49-F238E27FC236}">
-                <a16:creationId xmlns="" xmlns:a16="http://schemas.microsoft.com/office/drawing/2014/main" id="{32904B79-D116-4727-908C-18DA18E6C491}"/>
+                <a16:creationId xmlns:a16="http://schemas.microsoft.com/office/drawing/2014/main" id="{32904B79-D116-4727-908C-18DA18E6C491}"/>
               </a:ext>
             </a:extLst>
           </p:cNvPr>
@@ -12173,14 +11992,7 @@
                 <a:latin typeface="微软雅黑" panose="020B0503020204020204" pitchFamily="34" charset="-122"/>
                 <a:ea typeface="微软雅黑" panose="020B0503020204020204" pitchFamily="34" charset="-122"/>
               </a:rPr>
-              <a:t>认证</a:t>
-            </a:r>
-            <a:r>
-              <a:rPr lang="zh-CN" altLang="en-US" sz="1600" dirty="0" smtClean="0">
-                <a:latin typeface="微软雅黑" panose="020B0503020204020204" pitchFamily="34" charset="-122"/>
-                <a:ea typeface="微软雅黑" panose="020B0503020204020204" pitchFamily="34" charset="-122"/>
-              </a:rPr>
-              <a:t>，通过</a:t>
+              <a:t>认证，通过</a:t>
             </a:r>
             <a:endParaRPr lang="en-US" altLang="zh-CN" sz="1600" dirty="0">
               <a:latin typeface="微软雅黑" panose="020B0503020204020204" pitchFamily="34" charset="-122"/>
@@ -12210,7 +12022,7 @@
           <p:cNvPr id="35" name="Picture 13">
             <a:extLst>
               <a:ext uri="{FF2B5EF4-FFF2-40B4-BE49-F238E27FC236}">
-                <a16:creationId xmlns="" xmlns:a16="http://schemas.microsoft.com/office/drawing/2014/main" id="{8CEF47DE-5DBE-48DF-8BA3-B991EE105EF5}"/>
+                <a16:creationId xmlns:a16="http://schemas.microsoft.com/office/drawing/2014/main" id="{8CEF47DE-5DBE-48DF-8BA3-B991EE105EF5}"/>
               </a:ext>
             </a:extLst>
           </p:cNvPr>
@@ -12240,7 +12052,7 @@
           <p:cNvPr id="36" name="Straight Arrow Connector 16">
             <a:extLst>
               <a:ext uri="{FF2B5EF4-FFF2-40B4-BE49-F238E27FC236}">
-                <a16:creationId xmlns="" xmlns:a16="http://schemas.microsoft.com/office/drawing/2014/main" id="{74772B8E-6133-4B5F-9B19-A34052BFBA9B}"/>
+                <a16:creationId xmlns:a16="http://schemas.microsoft.com/office/drawing/2014/main" id="{74772B8E-6133-4B5F-9B19-A34052BFBA9B}"/>
               </a:ext>
             </a:extLst>
           </p:cNvPr>
@@ -12282,7 +12094,7 @@
           <p:cNvPr id="37" name="Flowchart: Connector 49">
             <a:extLst>
               <a:ext uri="{FF2B5EF4-FFF2-40B4-BE49-F238E27FC236}">
-                <a16:creationId xmlns="" xmlns:a16="http://schemas.microsoft.com/office/drawing/2014/main" id="{6691528D-29AE-418B-B26B-AD1925475E80}"/>
+                <a16:creationId xmlns:a16="http://schemas.microsoft.com/office/drawing/2014/main" id="{6691528D-29AE-418B-B26B-AD1925475E80}"/>
               </a:ext>
             </a:extLst>
           </p:cNvPr>
@@ -12332,7 +12144,7 @@
           <p:cNvPr id="38" name="Rectangle 4">
             <a:extLst>
               <a:ext uri="{FF2B5EF4-FFF2-40B4-BE49-F238E27FC236}">
-                <a16:creationId xmlns="" xmlns:a16="http://schemas.microsoft.com/office/drawing/2014/main" id="{351BFB24-C0A4-4A7E-8DFE-E266408C0246}"/>
+                <a16:creationId xmlns:a16="http://schemas.microsoft.com/office/drawing/2014/main" id="{351BFB24-C0A4-4A7E-8DFE-E266408C0246}"/>
               </a:ext>
             </a:extLst>
           </p:cNvPr>
@@ -12341,7 +12153,7 @@
         </p:nvSpPr>
         <p:spPr>
           <a:xfrm>
-            <a:off x="485692" y="5273741"/>
+            <a:off x="485692" y="5146612"/>
             <a:ext cx="1394637" cy="499339"/>
           </a:xfrm>
           <a:prstGeom prst="rect">
@@ -12375,32 +12187,35 @@
           <a:p>
             <a:pPr algn="ctr"/>
             <a:r>
-              <a:rPr lang="en-US" altLang="zh-CN" dirty="0" smtClean="0">
+              <a:rPr lang="zh-CN" altLang="en-US" dirty="0">
                 <a:solidFill>
                   <a:schemeClr val="tx1"/>
                 </a:solidFill>
                 <a:latin typeface="微软雅黑" panose="020B0503020204020204" pitchFamily="34" charset="-122"/>
                 <a:ea typeface="微软雅黑" panose="020B0503020204020204" pitchFamily="34" charset="-122"/>
               </a:rPr>
-              <a:t>Open </a:t>
-            </a:r>
-            <a:r>
-              <a:rPr lang="en-US" altLang="zh-CN" dirty="0" err="1" smtClean="0">
+              <a:t>云端外部</a:t>
+            </a:r>
+            <a:endParaRPr lang="en-US" altLang="zh-CN" dirty="0">
+              <a:solidFill>
+                <a:schemeClr val="tx1"/>
+              </a:solidFill>
+              <a:latin typeface="微软雅黑" panose="020B0503020204020204" pitchFamily="34" charset="-122"/>
+              <a:ea typeface="微软雅黑" panose="020B0503020204020204" pitchFamily="34" charset="-122"/>
+            </a:endParaRPr>
+          </a:p>
+          <a:p>
+            <a:pPr algn="ctr"/>
+            <a:r>
+              <a:rPr lang="zh-CN" altLang="en-US" dirty="0">
                 <a:solidFill>
                   <a:schemeClr val="tx1"/>
                 </a:solidFill>
                 <a:latin typeface="微软雅黑" panose="020B0503020204020204" pitchFamily="34" charset="-122"/>
                 <a:ea typeface="微软雅黑" panose="020B0503020204020204" pitchFamily="34" charset="-122"/>
               </a:rPr>
-              <a:t>Api</a:t>
-            </a:r>
-            <a:endParaRPr lang="zh-CN" altLang="en-US" dirty="0">
-              <a:solidFill>
-                <a:schemeClr val="tx1"/>
-              </a:solidFill>
-              <a:latin typeface="微软雅黑" panose="020B0503020204020204" pitchFamily="34" charset="-122"/>
-              <a:ea typeface="微软雅黑" panose="020B0503020204020204" pitchFamily="34" charset="-122"/>
-            </a:endParaRPr>
+              <a:t>接口</a:t>
+            </a:r>
           </a:p>
         </p:txBody>
       </p:sp>
@@ -12416,7 +12231,110 @@
         <p:spPr>
           <a:xfrm flipV="1">
             <a:off x="1880329" y="4511525"/>
-            <a:ext cx="519674" cy="1011886"/>
+            <a:ext cx="519674" cy="884757"/>
+          </a:xfrm>
+          <a:prstGeom prst="straightConnector1">
+            <a:avLst/>
+          </a:prstGeom>
+          <a:ln>
+            <a:tailEnd type="triangle"/>
+          </a:ln>
+        </p:spPr>
+        <p:style>
+          <a:lnRef idx="1">
+            <a:schemeClr val="accent1"/>
+          </a:lnRef>
+          <a:fillRef idx="0">
+            <a:schemeClr val="accent1"/>
+          </a:fillRef>
+          <a:effectRef idx="0">
+            <a:schemeClr val="accent1"/>
+          </a:effectRef>
+          <a:fontRef idx="minor">
+            <a:schemeClr val="tx1"/>
+          </a:fontRef>
+        </p:style>
+      </p:cxnSp>
+      <p:sp>
+        <p:nvSpPr>
+          <p:cNvPr id="40" name="Rectangle 4">
+            <a:extLst>
+              <a:ext uri="{FF2B5EF4-FFF2-40B4-BE49-F238E27FC236}">
+                <a16:creationId xmlns:a16="http://schemas.microsoft.com/office/drawing/2014/main" id="{1F4D63AE-597D-465F-B5B2-2CC3593D6B17}"/>
+              </a:ext>
+            </a:extLst>
+          </p:cNvPr>
+          <p:cNvSpPr/>
+          <p:nvPr/>
+        </p:nvSpPr>
+        <p:spPr>
+          <a:xfrm>
+            <a:off x="464730" y="5798383"/>
+            <a:ext cx="1394637" cy="499339"/>
+          </a:xfrm>
+          <a:prstGeom prst="rect">
+            <a:avLst/>
+          </a:prstGeom>
+          <a:solidFill>
+            <a:schemeClr val="bg1">
+              <a:lumMod val="75000"/>
+            </a:schemeClr>
+          </a:solidFill>
+        </p:spPr>
+        <p:style>
+          <a:lnRef idx="2">
+            <a:schemeClr val="accent1">
+              <a:shade val="50000"/>
+            </a:schemeClr>
+          </a:lnRef>
+          <a:fillRef idx="1">
+            <a:schemeClr val="accent1"/>
+          </a:fillRef>
+          <a:effectRef idx="0">
+            <a:schemeClr val="accent1"/>
+          </a:effectRef>
+          <a:fontRef idx="minor">
+            <a:schemeClr val="lt1"/>
+          </a:fontRef>
+        </p:style>
+        <p:txBody>
+          <a:bodyPr rtlCol="0" anchor="ctr"/>
+          <a:lstStyle/>
+          <a:p>
+            <a:pPr algn="ctr"/>
+            <a:r>
+              <a:rPr lang="zh-CN" altLang="en-US" dirty="0">
+                <a:solidFill>
+                  <a:schemeClr val="tx1"/>
+                </a:solidFill>
+                <a:latin typeface="微软雅黑" panose="020B0503020204020204" pitchFamily="34" charset="-122"/>
+                <a:ea typeface="微软雅黑" panose="020B0503020204020204" pitchFamily="34" charset="-122"/>
+              </a:rPr>
+              <a:t>云端调用小区平台接口</a:t>
+            </a:r>
+          </a:p>
+        </p:txBody>
+      </p:sp>
+      <p:cxnSp>
+        <p:nvCxnSpPr>
+          <p:cNvPr id="41" name="Straight Arrow Connector 40">
+            <a:extLst>
+              <a:ext uri="{FF2B5EF4-FFF2-40B4-BE49-F238E27FC236}">
+                <a16:creationId xmlns:a16="http://schemas.microsoft.com/office/drawing/2014/main" id="{DB147E27-687C-4F38-B336-E7067B4C2549}"/>
+              </a:ext>
+            </a:extLst>
+          </p:cNvPr>
+          <p:cNvCxnSpPr>
+            <a:cxnSpLocks/>
+            <a:stCxn id="40" idx="3"/>
+            <a:endCxn id="6" idx="1"/>
+          </p:cNvCxnSpPr>
+          <p:nvPr/>
+        </p:nvCxnSpPr>
+        <p:spPr>
+          <a:xfrm flipV="1">
+            <a:off x="1859367" y="4511525"/>
+            <a:ext cx="540636" cy="1536528"/>
           </a:xfrm>
           <a:prstGeom prst="straightConnector1">
             <a:avLst/>
@@ -12488,25 +12406,18 @@
           <a:lstStyle/>
           <a:p>
             <a:r>
-              <a:rPr lang="zh-CN" altLang="en-US" dirty="0" smtClean="0">
+              <a:rPr lang="zh-CN" altLang="en-US" dirty="0">
                 <a:latin typeface="微软雅黑" panose="020B0503020204020204" pitchFamily="34" charset="-122"/>
                 <a:ea typeface="微软雅黑" panose="020B0503020204020204" pitchFamily="34" charset="-122"/>
               </a:rPr>
               <a:t>方案</a:t>
             </a:r>
             <a:r>
-              <a:rPr lang="en-US" altLang="zh-CN" dirty="0" smtClean="0">
-                <a:latin typeface="微软雅黑" panose="020B0503020204020204" pitchFamily="34" charset="-122"/>
-                <a:ea typeface="微软雅黑" panose="020B0503020204020204" pitchFamily="34" charset="-122"/>
-              </a:rPr>
-              <a:t> </a:t>
-            </a:r>
-            <a:r>
               <a:rPr lang="en-US" altLang="zh-CN" dirty="0">
                 <a:latin typeface="微软雅黑" panose="020B0503020204020204" pitchFamily="34" charset="-122"/>
                 <a:ea typeface="微软雅黑" panose="020B0503020204020204" pitchFamily="34" charset="-122"/>
               </a:rPr>
-              <a:t>2 - JWT</a:t>
+              <a:t> 2 - JWT</a:t>
             </a:r>
             <a:endParaRPr lang="zh-CN" altLang="en-US" dirty="0">
               <a:latin typeface="微软雅黑" panose="020B0503020204020204" pitchFamily="34" charset="-122"/>
@@ -12520,7 +12431,7 @@
           <p:cNvPr id="4" name="Rectangle 3">
             <a:extLst>
               <a:ext uri="{FF2B5EF4-FFF2-40B4-BE49-F238E27FC236}">
-                <a16:creationId xmlns="" xmlns:a16="http://schemas.microsoft.com/office/drawing/2014/main" id="{326B8D9A-F0AE-4FBD-8631-A13A2C13540A}"/>
+                <a16:creationId xmlns:a16="http://schemas.microsoft.com/office/drawing/2014/main" id="{326B8D9A-F0AE-4FBD-8631-A13A2C13540A}"/>
               </a:ext>
             </a:extLst>
           </p:cNvPr>
@@ -12597,10 +12508,10 @@
       </p:sp>
       <p:sp>
         <p:nvSpPr>
-          <p:cNvPr id="5" name="Rectangle 4">
+          <p:cNvPr id="6" name="Rectangle 6">
             <a:extLst>
               <a:ext uri="{FF2B5EF4-FFF2-40B4-BE49-F238E27FC236}">
-                <a16:creationId xmlns="" xmlns:a16="http://schemas.microsoft.com/office/drawing/2014/main" id="{351BFB24-C0A4-4A7E-8DFE-E266408C0246}"/>
+                <a16:creationId xmlns:a16="http://schemas.microsoft.com/office/drawing/2014/main" id="{3208D77B-6D48-41EC-A155-5AC333462D5A}"/>
               </a:ext>
             </a:extLst>
           </p:cNvPr>
@@ -12609,8 +12520,8 @@
         </p:nvSpPr>
         <p:spPr>
           <a:xfrm>
-            <a:off x="485692" y="4782578"/>
-            <a:ext cx="1394637" cy="499339"/>
+            <a:off x="2400003" y="4194102"/>
+            <a:ext cx="1394637" cy="634845"/>
           </a:xfrm>
           <a:prstGeom prst="rect">
             <a:avLst/>
@@ -12620,6 +12531,13 @@
               <a:lumMod val="75000"/>
             </a:schemeClr>
           </a:solidFill>
+          <a:effectLst>
+            <a:outerShdw blurRad="50800" dist="38100" dir="2700000" algn="tl" rotWithShape="0">
+              <a:prstClr val="black">
+                <a:alpha val="40000"/>
+              </a:prstClr>
+            </a:outerShdw>
+          </a:effectLst>
         </p:spPr>
         <p:style>
           <a:lnRef idx="2">
@@ -12643,15 +12561,18 @@
           <a:p>
             <a:pPr algn="ctr"/>
             <a:r>
-              <a:rPr lang="zh-CN" altLang="en-US" dirty="0" smtClean="0">
+              <a:rPr lang="en-US" altLang="zh-CN" dirty="0">
                 <a:solidFill>
                   <a:schemeClr val="tx1"/>
                 </a:solidFill>
                 <a:latin typeface="微软雅黑" panose="020B0503020204020204" pitchFamily="34" charset="-122"/>
                 <a:ea typeface="微软雅黑" panose="020B0503020204020204" pitchFamily="34" charset="-122"/>
               </a:rPr>
-              <a:t>移动</a:t>
-            </a:r>
+              <a:t>Nginx</a:t>
+            </a:r>
+          </a:p>
+          <a:p>
+            <a:pPr algn="ctr"/>
             <a:r>
               <a:rPr lang="zh-CN" altLang="en-US" dirty="0">
                 <a:solidFill>
@@ -12660,34 +12581,17 @@
                 <a:latin typeface="微软雅黑" panose="020B0503020204020204" pitchFamily="34" charset="-122"/>
                 <a:ea typeface="微软雅黑" panose="020B0503020204020204" pitchFamily="34" charset="-122"/>
               </a:rPr>
-              <a:t>端</a:t>
-            </a:r>
-            <a:r>
-              <a:rPr lang="en-US" altLang="zh-CN" dirty="0">
-                <a:solidFill>
-                  <a:schemeClr val="tx1"/>
-                </a:solidFill>
-                <a:latin typeface="微软雅黑" panose="020B0503020204020204" pitchFamily="34" charset="-122"/>
-                <a:ea typeface="微软雅黑" panose="020B0503020204020204" pitchFamily="34" charset="-122"/>
-              </a:rPr>
-              <a:t>APP</a:t>
-            </a:r>
-            <a:endParaRPr lang="zh-CN" altLang="en-US" dirty="0">
-              <a:solidFill>
-                <a:schemeClr val="tx1"/>
-              </a:solidFill>
-              <a:latin typeface="微软雅黑" panose="020B0503020204020204" pitchFamily="34" charset="-122"/>
-              <a:ea typeface="微软雅黑" panose="020B0503020204020204" pitchFamily="34" charset="-122"/>
-            </a:endParaRPr>
-          </a:p>
-        </p:txBody>
-      </p:sp>
-      <p:sp>
-        <p:nvSpPr>
-          <p:cNvPr id="6" name="Rectangle 6">
+              <a:t>（负载均衡）</a:t>
+            </a:r>
+          </a:p>
+        </p:txBody>
+      </p:sp>
+      <p:sp>
+        <p:nvSpPr>
+          <p:cNvPr id="7" name="Rectangle 7">
             <a:extLst>
               <a:ext uri="{FF2B5EF4-FFF2-40B4-BE49-F238E27FC236}">
-                <a16:creationId xmlns="" xmlns:a16="http://schemas.microsoft.com/office/drawing/2014/main" id="{3208D77B-6D48-41EC-A155-5AC333462D5A}"/>
+                <a16:creationId xmlns:a16="http://schemas.microsoft.com/office/drawing/2014/main" id="{EA7C22B2-7AB0-4E5B-9987-88D7DF4DD3C2}"/>
               </a:ext>
             </a:extLst>
           </p:cNvPr>
@@ -12696,8 +12600,8 @@
         </p:nvSpPr>
         <p:spPr>
           <a:xfrm>
-            <a:off x="2400003" y="4194102"/>
-            <a:ext cx="1394637" cy="634845"/>
+            <a:off x="4115981" y="4206802"/>
+            <a:ext cx="1394637" cy="618338"/>
           </a:xfrm>
           <a:prstGeom prst="rect">
             <a:avLst/>
@@ -12732,8 +12636,33 @@
           </a:fontRef>
         </p:style>
         <p:txBody>
-          <a:bodyPr rtlCol="0" anchor="ctr"/>
-          <a:lstStyle/>
+          <a:bodyPr rot="0" spcFirstLastPara="0" vertOverflow="overflow" horzOverflow="overflow" vert="horz" wrap="square" lIns="91440" tIns="45720" rIns="91440" bIns="45720" numCol="1" spcCol="0" rtlCol="0" fromWordArt="0" anchor="ctr" anchorCtr="0" forceAA="0" compatLnSpc="1">
+            <a:prstTxWarp prst="textNoShape">
+              <a:avLst/>
+            </a:prstTxWarp>
+            <a:noAutofit/>
+          </a:bodyPr>
+          <a:lstStyle/>
+          <a:p>
+            <a:pPr algn="ctr"/>
+            <a:r>
+              <a:rPr lang="en-US" altLang="zh-CN" dirty="0" err="1">
+                <a:solidFill>
+                  <a:schemeClr val="tx1"/>
+                </a:solidFill>
+                <a:latin typeface="微软雅黑" panose="020B0503020204020204" pitchFamily="34" charset="-122"/>
+                <a:ea typeface="微软雅黑" panose="020B0503020204020204" pitchFamily="34" charset="-122"/>
+              </a:rPr>
+              <a:t>Zuul</a:t>
+            </a:r>
+            <a:endParaRPr lang="en-US" altLang="zh-CN" dirty="0">
+              <a:solidFill>
+                <a:schemeClr val="tx1"/>
+              </a:solidFill>
+              <a:latin typeface="微软雅黑" panose="020B0503020204020204" pitchFamily="34" charset="-122"/>
+              <a:ea typeface="微软雅黑" panose="020B0503020204020204" pitchFamily="34" charset="-122"/>
+            </a:endParaRPr>
+          </a:p>
           <a:p>
             <a:pPr algn="ctr"/>
             <a:r>
@@ -12744,11 +12673,8 @@
                 <a:latin typeface="微软雅黑" panose="020B0503020204020204" pitchFamily="34" charset="-122"/>
                 <a:ea typeface="微软雅黑" panose="020B0503020204020204" pitchFamily="34" charset="-122"/>
               </a:rPr>
-              <a:t>Nginx</a:t>
-            </a:r>
-          </a:p>
-          <a:p>
-            <a:pPr algn="ctr"/>
+              <a:t>(</a:t>
+            </a:r>
             <a:r>
               <a:rPr lang="zh-CN" altLang="en-US" dirty="0">
                 <a:solidFill>
@@ -12757,17 +12683,17 @@
                 <a:latin typeface="微软雅黑" panose="020B0503020204020204" pitchFamily="34" charset="-122"/>
                 <a:ea typeface="微软雅黑" panose="020B0503020204020204" pitchFamily="34" charset="-122"/>
               </a:rPr>
-              <a:t>（负载均衡）</a:t>
-            </a:r>
-          </a:p>
-        </p:txBody>
-      </p:sp>
-      <p:sp>
-        <p:nvSpPr>
-          <p:cNvPr id="7" name="Rectangle 7">
+              <a:t>服务网关）</a:t>
+            </a:r>
+          </a:p>
+        </p:txBody>
+      </p:sp>
+      <p:sp>
+        <p:nvSpPr>
+          <p:cNvPr id="8" name="Rectangle 8">
             <a:extLst>
               <a:ext uri="{FF2B5EF4-FFF2-40B4-BE49-F238E27FC236}">
-                <a16:creationId xmlns="" xmlns:a16="http://schemas.microsoft.com/office/drawing/2014/main" id="{EA7C22B2-7AB0-4E5B-9987-88D7DF4DD3C2}"/>
+                <a16:creationId xmlns:a16="http://schemas.microsoft.com/office/drawing/2014/main" id="{F5BF2FD4-8D34-4DAB-AF15-7B8EAA4C8D69}"/>
               </a:ext>
             </a:extLst>
           </p:cNvPr>
@@ -12776,8 +12702,8 @@
         </p:nvSpPr>
         <p:spPr>
           <a:xfrm>
-            <a:off x="4115981" y="4206802"/>
-            <a:ext cx="1394637" cy="618338"/>
+            <a:off x="5871534" y="3490460"/>
+            <a:ext cx="1528578" cy="829228"/>
           </a:xfrm>
           <a:prstGeom prst="rect">
             <a:avLst/>
@@ -12822,25 +12748,15 @@
           <a:p>
             <a:pPr algn="ctr"/>
             <a:r>
-              <a:rPr lang="en-US" altLang="zh-CN" dirty="0" err="1">
+              <a:rPr lang="zh-CN" altLang="en-US" dirty="0">
                 <a:solidFill>
                   <a:schemeClr val="tx1"/>
                 </a:solidFill>
                 <a:latin typeface="微软雅黑" panose="020B0503020204020204" pitchFamily="34" charset="-122"/>
                 <a:ea typeface="微软雅黑" panose="020B0503020204020204" pitchFamily="34" charset="-122"/>
               </a:rPr>
-              <a:t>Zuul</a:t>
-            </a:r>
-            <a:endParaRPr lang="en-US" altLang="zh-CN" dirty="0">
-              <a:solidFill>
-                <a:schemeClr val="tx1"/>
-              </a:solidFill>
-              <a:latin typeface="微软雅黑" panose="020B0503020204020204" pitchFamily="34" charset="-122"/>
-              <a:ea typeface="微软雅黑" panose="020B0503020204020204" pitchFamily="34" charset="-122"/>
-            </a:endParaRPr>
-          </a:p>
-          <a:p>
-            <a:pPr algn="ctr"/>
+              <a:t>  应用组件</a:t>
+            </a:r>
             <a:r>
               <a:rPr lang="en-US" altLang="zh-CN" dirty="0">
                 <a:solidFill>
@@ -12849,27 +12765,24 @@
                 <a:latin typeface="微软雅黑" panose="020B0503020204020204" pitchFamily="34" charset="-122"/>
                 <a:ea typeface="微软雅黑" panose="020B0503020204020204" pitchFamily="34" charset="-122"/>
               </a:rPr>
-              <a:t>(</a:t>
-            </a:r>
-            <a:r>
-              <a:rPr lang="zh-CN" altLang="en-US" dirty="0">
-                <a:solidFill>
-                  <a:schemeClr val="tx1"/>
-                </a:solidFill>
-                <a:latin typeface="微软雅黑" panose="020B0503020204020204" pitchFamily="34" charset="-122"/>
-                <a:ea typeface="微软雅黑" panose="020B0503020204020204" pitchFamily="34" charset="-122"/>
-              </a:rPr>
-              <a:t>服务网关）</a:t>
-            </a:r>
-          </a:p>
-        </p:txBody>
-      </p:sp>
-      <p:sp>
-        <p:nvSpPr>
-          <p:cNvPr id="8" name="Rectangle 8">
+              <a:t>1</a:t>
+            </a:r>
+            <a:endParaRPr lang="zh-CN" altLang="en-US" dirty="0">
+              <a:solidFill>
+                <a:schemeClr val="tx1"/>
+              </a:solidFill>
+              <a:latin typeface="微软雅黑" panose="020B0503020204020204" pitchFamily="34" charset="-122"/>
+              <a:ea typeface="微软雅黑" panose="020B0503020204020204" pitchFamily="34" charset="-122"/>
+            </a:endParaRPr>
+          </a:p>
+        </p:txBody>
+      </p:sp>
+      <p:sp>
+        <p:nvSpPr>
+          <p:cNvPr id="9" name="Rectangle 9">
             <a:extLst>
               <a:ext uri="{FF2B5EF4-FFF2-40B4-BE49-F238E27FC236}">
-                <a16:creationId xmlns="" xmlns:a16="http://schemas.microsoft.com/office/drawing/2014/main" id="{F5BF2FD4-8D34-4DAB-AF15-7B8EAA4C8D69}"/>
+                <a16:creationId xmlns:a16="http://schemas.microsoft.com/office/drawing/2014/main" id="{24420C7F-7A80-4196-B788-D8E6AF7291C4}"/>
               </a:ext>
             </a:extLst>
           </p:cNvPr>
@@ -12878,7 +12791,7 @@
         </p:nvSpPr>
         <p:spPr>
           <a:xfrm>
-            <a:off x="5871534" y="3490460"/>
+            <a:off x="5871534" y="4816023"/>
             <a:ext cx="1528578" cy="829228"/>
           </a:xfrm>
           <a:prstGeom prst="rect">
@@ -12914,95 +12827,6 @@
           </a:fontRef>
         </p:style>
         <p:txBody>
-          <a:bodyPr rot="0" spcFirstLastPara="0" vertOverflow="overflow" horzOverflow="overflow" vert="horz" wrap="square" lIns="91440" tIns="45720" rIns="91440" bIns="45720" numCol="1" spcCol="0" rtlCol="0" fromWordArt="0" anchor="ctr" anchorCtr="0" forceAA="0" compatLnSpc="1">
-            <a:prstTxWarp prst="textNoShape">
-              <a:avLst/>
-            </a:prstTxWarp>
-            <a:noAutofit/>
-          </a:bodyPr>
-          <a:lstStyle/>
-          <a:p>
-            <a:pPr algn="ctr"/>
-            <a:r>
-              <a:rPr lang="zh-CN" altLang="en-US" dirty="0">
-                <a:solidFill>
-                  <a:schemeClr val="tx1"/>
-                </a:solidFill>
-                <a:latin typeface="微软雅黑" panose="020B0503020204020204" pitchFamily="34" charset="-122"/>
-                <a:ea typeface="微软雅黑" panose="020B0503020204020204" pitchFamily="34" charset="-122"/>
-              </a:rPr>
-              <a:t>  应用组件</a:t>
-            </a:r>
-            <a:r>
-              <a:rPr lang="en-US" altLang="zh-CN" dirty="0">
-                <a:solidFill>
-                  <a:schemeClr val="tx1"/>
-                </a:solidFill>
-                <a:latin typeface="微软雅黑" panose="020B0503020204020204" pitchFamily="34" charset="-122"/>
-                <a:ea typeface="微软雅黑" panose="020B0503020204020204" pitchFamily="34" charset="-122"/>
-              </a:rPr>
-              <a:t>1</a:t>
-            </a:r>
-            <a:endParaRPr lang="zh-CN" altLang="en-US" dirty="0">
-              <a:solidFill>
-                <a:schemeClr val="tx1"/>
-              </a:solidFill>
-              <a:latin typeface="微软雅黑" panose="020B0503020204020204" pitchFamily="34" charset="-122"/>
-              <a:ea typeface="微软雅黑" panose="020B0503020204020204" pitchFamily="34" charset="-122"/>
-            </a:endParaRPr>
-          </a:p>
-        </p:txBody>
-      </p:sp>
-      <p:sp>
-        <p:nvSpPr>
-          <p:cNvPr id="9" name="Rectangle 9">
-            <a:extLst>
-              <a:ext uri="{FF2B5EF4-FFF2-40B4-BE49-F238E27FC236}">
-                <a16:creationId xmlns="" xmlns:a16="http://schemas.microsoft.com/office/drawing/2014/main" id="{24420C7F-7A80-4196-B788-D8E6AF7291C4}"/>
-              </a:ext>
-            </a:extLst>
-          </p:cNvPr>
-          <p:cNvSpPr/>
-          <p:nvPr/>
-        </p:nvSpPr>
-        <p:spPr>
-          <a:xfrm>
-            <a:off x="5871534" y="4816023"/>
-            <a:ext cx="1528578" cy="829228"/>
-          </a:xfrm>
-          <a:prstGeom prst="rect">
-            <a:avLst/>
-          </a:prstGeom>
-          <a:solidFill>
-            <a:schemeClr val="bg1">
-              <a:lumMod val="75000"/>
-            </a:schemeClr>
-          </a:solidFill>
-          <a:effectLst>
-            <a:outerShdw blurRad="50800" dist="38100" dir="2700000" algn="tl" rotWithShape="0">
-              <a:prstClr val="black">
-                <a:alpha val="40000"/>
-              </a:prstClr>
-            </a:outerShdw>
-          </a:effectLst>
-        </p:spPr>
-        <p:style>
-          <a:lnRef idx="2">
-            <a:schemeClr val="accent1">
-              <a:shade val="50000"/>
-            </a:schemeClr>
-          </a:lnRef>
-          <a:fillRef idx="1">
-            <a:schemeClr val="accent1"/>
-          </a:fillRef>
-          <a:effectRef idx="0">
-            <a:schemeClr val="accent1"/>
-          </a:effectRef>
-          <a:fontRef idx="minor">
-            <a:schemeClr val="lt1"/>
-          </a:fontRef>
-        </p:style>
-        <p:txBody>
           <a:bodyPr rtlCol="0" anchor="ctr"/>
           <a:lstStyle/>
           <a:p>
@@ -13042,7 +12866,7 @@
           <p:cNvPr id="10" name="Straight Arrow Connector 11">
             <a:extLst>
               <a:ext uri="{FF2B5EF4-FFF2-40B4-BE49-F238E27FC236}">
-                <a16:creationId xmlns="" xmlns:a16="http://schemas.microsoft.com/office/drawing/2014/main" id="{DE60CE4F-E248-4C27-9E02-6F26CA2DBDCF}"/>
+                <a16:creationId xmlns:a16="http://schemas.microsoft.com/office/drawing/2014/main" id="{DE60CE4F-E248-4C27-9E02-6F26CA2DBDCF}"/>
               </a:ext>
             </a:extLst>
           </p:cNvPr>
@@ -13085,7 +12909,7 @@
           <p:cNvPr id="11" name="Straight Arrow Connector 14">
             <a:extLst>
               <a:ext uri="{FF2B5EF4-FFF2-40B4-BE49-F238E27FC236}">
-                <a16:creationId xmlns="" xmlns:a16="http://schemas.microsoft.com/office/drawing/2014/main" id="{FBE76EEF-1E39-4C4E-85EC-0145A135B2CB}"/>
+                <a16:creationId xmlns:a16="http://schemas.microsoft.com/office/drawing/2014/main" id="{FBE76EEF-1E39-4C4E-85EC-0145A135B2CB}"/>
               </a:ext>
             </a:extLst>
           </p:cNvPr>
@@ -13128,7 +12952,7 @@
           <p:cNvPr id="12" name="Straight Arrow Connector 18">
             <a:extLst>
               <a:ext uri="{FF2B5EF4-FFF2-40B4-BE49-F238E27FC236}">
-                <a16:creationId xmlns="" xmlns:a16="http://schemas.microsoft.com/office/drawing/2014/main" id="{67AF3129-8C7A-48DF-A288-E64284A34613}"/>
+                <a16:creationId xmlns:a16="http://schemas.microsoft.com/office/drawing/2014/main" id="{67AF3129-8C7A-48DF-A288-E64284A34613}"/>
               </a:ext>
             </a:extLst>
           </p:cNvPr>
@@ -13171,7 +12995,7 @@
           <p:cNvPr id="13" name="Straight Arrow Connector 20">
             <a:extLst>
               <a:ext uri="{FF2B5EF4-FFF2-40B4-BE49-F238E27FC236}">
-                <a16:creationId xmlns="" xmlns:a16="http://schemas.microsoft.com/office/drawing/2014/main" id="{343D89C8-DF0C-4FF2-B619-7E6450244B29}"/>
+                <a16:creationId xmlns:a16="http://schemas.microsoft.com/office/drawing/2014/main" id="{343D89C8-DF0C-4FF2-B619-7E6450244B29}"/>
               </a:ext>
             </a:extLst>
           </p:cNvPr>
@@ -13211,10 +13035,10 @@
       </p:cxnSp>
       <p:sp>
         <p:nvSpPr>
-          <p:cNvPr id="14" name="Rectangle: Rounded Corners 28">
+          <p:cNvPr id="16" name="Rectangle: Rounded Corners 29">
             <a:extLst>
               <a:ext uri="{FF2B5EF4-FFF2-40B4-BE49-F238E27FC236}">
-                <a16:creationId xmlns="" xmlns:a16="http://schemas.microsoft.com/office/drawing/2014/main" id="{23BEDED2-A99A-44C8-BA39-0E22367F2A72}"/>
+                <a16:creationId xmlns:a16="http://schemas.microsoft.com/office/drawing/2014/main" id="{C2CA9F8F-51F0-457F-8CC0-89328CB6221D}"/>
               </a:ext>
             </a:extLst>
           </p:cNvPr>
@@ -13223,19 +13047,12 @@
         </p:nvSpPr>
         <p:spPr>
           <a:xfrm>
-            <a:off x="7591939" y="1681454"/>
-            <a:ext cx="1196163" cy="637376"/>
+            <a:off x="4090873" y="4096910"/>
+            <a:ext cx="255180" cy="829228"/>
           </a:xfrm>
           <a:prstGeom prst="roundRect">
             <a:avLst/>
           </a:prstGeom>
-          <a:effectLst>
-            <a:outerShdw blurRad="50800" dist="38100" dir="2700000" algn="tl" rotWithShape="0">
-              <a:prstClr val="black">
-                <a:alpha val="40000"/>
-              </a:prstClr>
-            </a:outerShdw>
-          </a:effectLst>
         </p:spPr>
         <p:style>
           <a:lnRef idx="2">
@@ -13254,24 +13071,24 @@
           </a:fontRef>
         </p:style>
         <p:txBody>
-          <a:bodyPr rtlCol="0" anchor="ctr"/>
+          <a:bodyPr vert="eaVert" rtlCol="0" anchor="ctr"/>
           <a:lstStyle/>
           <a:p>
             <a:pPr algn="ctr"/>
             <a:r>
-              <a:rPr lang="en-US" altLang="zh-CN" dirty="0"/>
-              <a:t>CAS Server</a:t>
-            </a:r>
-            <a:endParaRPr lang="zh-CN" altLang="en-US" dirty="0"/>
-          </a:p>
-        </p:txBody>
-      </p:sp>
-      <p:sp>
-        <p:nvSpPr>
-          <p:cNvPr id="16" name="Rectangle: Rounded Corners 29">
+              <a:rPr lang="en-US" altLang="zh-CN" sz="1100" dirty="0"/>
+              <a:t>JWT</a:t>
+            </a:r>
+            <a:endParaRPr lang="zh-CN" altLang="en-US" sz="1100" dirty="0"/>
+          </a:p>
+        </p:txBody>
+      </p:sp>
+      <p:sp>
+        <p:nvSpPr>
+          <p:cNvPr id="19" name="Flowchart: Connector 46">
             <a:extLst>
               <a:ext uri="{FF2B5EF4-FFF2-40B4-BE49-F238E27FC236}">
-                <a16:creationId xmlns="" xmlns:a16="http://schemas.microsoft.com/office/drawing/2014/main" id="{C2CA9F8F-51F0-457F-8CC0-89328CB6221D}"/>
+                <a16:creationId xmlns:a16="http://schemas.microsoft.com/office/drawing/2014/main" id="{C4FF6B04-E210-4AED-8D10-EB351DA5E9CB}"/>
               </a:ext>
             </a:extLst>
           </p:cNvPr>
@@ -13280,10 +13097,10 @@
         </p:nvSpPr>
         <p:spPr>
           <a:xfrm>
-            <a:off x="5871534" y="3490461"/>
-            <a:ext cx="255180" cy="829228"/>
-          </a:xfrm>
-          <a:prstGeom prst="roundRect">
+            <a:off x="546542" y="2836460"/>
+            <a:ext cx="255181" cy="231173"/>
+          </a:xfrm>
+          <a:prstGeom prst="flowChartConnector">
             <a:avLst/>
           </a:prstGeom>
         </p:spPr>
@@ -13304,24 +13121,24 @@
           </a:fontRef>
         </p:style>
         <p:txBody>
-          <a:bodyPr vert="eaVert" rtlCol="0" anchor="ctr"/>
+          <a:bodyPr rtlCol="0" anchor="ctr"/>
           <a:lstStyle/>
           <a:p>
             <a:pPr algn="ctr"/>
             <a:r>
-              <a:rPr lang="en-US" altLang="zh-CN" sz="1100" dirty="0"/>
-              <a:t>CAS client</a:t>
-            </a:r>
-            <a:endParaRPr lang="zh-CN" altLang="en-US" sz="1100" dirty="0"/>
-          </a:p>
-        </p:txBody>
-      </p:sp>
-      <p:sp>
-        <p:nvSpPr>
-          <p:cNvPr id="17" name="Rectangle: Rounded Corners 34">
+              <a:rPr lang="en-US" altLang="zh-CN" dirty="0"/>
+              <a:t>1</a:t>
+            </a:r>
+            <a:endParaRPr lang="zh-CN" altLang="en-US" dirty="0"/>
+          </a:p>
+        </p:txBody>
+      </p:sp>
+      <p:sp>
+        <p:nvSpPr>
+          <p:cNvPr id="20" name="Flowchart: Connector 47">
             <a:extLst>
               <a:ext uri="{FF2B5EF4-FFF2-40B4-BE49-F238E27FC236}">
-                <a16:creationId xmlns="" xmlns:a16="http://schemas.microsoft.com/office/drawing/2014/main" id="{45093CA0-C46C-40F6-B3BD-DBBD5E41F1BD}"/>
+                <a16:creationId xmlns:a16="http://schemas.microsoft.com/office/drawing/2014/main" id="{73151C4C-5305-4E51-9DDC-5BF2D0623546}"/>
               </a:ext>
             </a:extLst>
           </p:cNvPr>
@@ -13330,10 +13147,10 @@
         </p:nvSpPr>
         <p:spPr>
           <a:xfrm>
-            <a:off x="5871535" y="4812440"/>
-            <a:ext cx="258722" cy="829228"/>
-          </a:xfrm>
-          <a:prstGeom prst="roundRect">
+            <a:off x="2044134" y="3882232"/>
+            <a:ext cx="255181" cy="231173"/>
+          </a:xfrm>
+          <a:prstGeom prst="flowChartConnector">
             <a:avLst/>
           </a:prstGeom>
         </p:spPr>
@@ -13354,67 +13171,24 @@
           </a:fontRef>
         </p:style>
         <p:txBody>
-          <a:bodyPr vert="eaVert" rtlCol="0" anchor="ctr"/>
+          <a:bodyPr rtlCol="0" anchor="ctr"/>
           <a:lstStyle/>
           <a:p>
             <a:pPr algn="ctr"/>
             <a:r>
-              <a:rPr lang="en-US" altLang="zh-CN" sz="1100" dirty="0"/>
-              <a:t>CAS client</a:t>
-            </a:r>
-            <a:endParaRPr lang="zh-CN" altLang="en-US" sz="1100" dirty="0"/>
-          </a:p>
-        </p:txBody>
-      </p:sp>
-      <p:cxnSp>
-        <p:nvCxnSpPr>
-          <p:cNvPr id="18" name="Connector: Curved 36">
+              <a:rPr lang="en-US" altLang="zh-CN" dirty="0"/>
+              <a:t>2</a:t>
+            </a:r>
+            <a:endParaRPr lang="zh-CN" altLang="en-US" dirty="0"/>
+          </a:p>
+        </p:txBody>
+      </p:sp>
+      <p:sp>
+        <p:nvSpPr>
+          <p:cNvPr id="21" name="Flowchart: Connector 48">
             <a:extLst>
               <a:ext uri="{FF2B5EF4-FFF2-40B4-BE49-F238E27FC236}">
-                <a16:creationId xmlns="" xmlns:a16="http://schemas.microsoft.com/office/drawing/2014/main" id="{9B89D0F4-CC30-43CA-A880-BC571216972E}"/>
-              </a:ext>
-            </a:extLst>
-          </p:cNvPr>
-          <p:cNvCxnSpPr>
-            <a:cxnSpLocks/>
-            <a:stCxn id="16" idx="0"/>
-            <a:endCxn id="14" idx="1"/>
-          </p:cNvCxnSpPr>
-          <p:nvPr/>
-        </p:nvCxnSpPr>
-        <p:spPr>
-          <a:xfrm rot="5400000" flipH="1" flipV="1">
-            <a:off x="6050372" y="1948895"/>
-            <a:ext cx="1490319" cy="1592815"/>
-          </a:xfrm>
-          <a:prstGeom prst="curvedConnector2">
-            <a:avLst/>
-          </a:prstGeom>
-          <a:ln>
-            <a:tailEnd type="triangle"/>
-          </a:ln>
-        </p:spPr>
-        <p:style>
-          <a:lnRef idx="1">
-            <a:schemeClr val="accent1"/>
-          </a:lnRef>
-          <a:fillRef idx="0">
-            <a:schemeClr val="accent1"/>
-          </a:fillRef>
-          <a:effectRef idx="0">
-            <a:schemeClr val="accent1"/>
-          </a:effectRef>
-          <a:fontRef idx="minor">
-            <a:schemeClr val="tx1"/>
-          </a:fontRef>
-        </p:style>
-      </p:cxnSp>
-      <p:sp>
-        <p:nvSpPr>
-          <p:cNvPr id="19" name="Flowchart: Connector 46">
-            <a:extLst>
-              <a:ext uri="{FF2B5EF4-FFF2-40B4-BE49-F238E27FC236}">
-                <a16:creationId xmlns="" xmlns:a16="http://schemas.microsoft.com/office/drawing/2014/main" id="{C4FF6B04-E210-4AED-8D10-EB351DA5E9CB}"/>
+                <a16:creationId xmlns:a16="http://schemas.microsoft.com/office/drawing/2014/main" id="{B36D41AA-D565-4856-A213-68F23773D501}"/>
               </a:ext>
             </a:extLst>
           </p:cNvPr>
@@ -13423,7 +13197,7 @@
         </p:nvSpPr>
         <p:spPr>
           <a:xfrm>
-            <a:off x="546542" y="2836460"/>
+            <a:off x="3835692" y="4254213"/>
             <a:ext cx="255181" cy="231173"/>
           </a:xfrm>
           <a:prstGeom prst="flowChartConnector">
@@ -13453,18 +13227,63 @@
             <a:pPr algn="ctr"/>
             <a:r>
               <a:rPr lang="en-US" altLang="zh-CN" dirty="0"/>
-              <a:t>1</a:t>
+              <a:t>3</a:t>
             </a:r>
             <a:endParaRPr lang="zh-CN" altLang="en-US" dirty="0"/>
           </a:p>
         </p:txBody>
       </p:sp>
-      <p:sp>
-        <p:nvSpPr>
-          <p:cNvPr id="20" name="Flowchart: Connector 47">
+      <p:cxnSp>
+        <p:nvCxnSpPr>
+          <p:cNvPr id="22" name="Connector: Curved 53">
             <a:extLst>
               <a:ext uri="{FF2B5EF4-FFF2-40B4-BE49-F238E27FC236}">
-                <a16:creationId xmlns="" xmlns:a16="http://schemas.microsoft.com/office/drawing/2014/main" id="{73151C4C-5305-4E51-9DDC-5BF2D0623546}"/>
+                <a16:creationId xmlns:a16="http://schemas.microsoft.com/office/drawing/2014/main" id="{ED0A541E-8D30-4E92-A423-BB6012D85EEE}"/>
+              </a:ext>
+            </a:extLst>
+          </p:cNvPr>
+          <p:cNvCxnSpPr>
+            <a:cxnSpLocks/>
+            <a:stCxn id="16" idx="0"/>
+            <a:endCxn id="4" idx="0"/>
+          </p:cNvCxnSpPr>
+          <p:nvPr/>
+        </p:nvCxnSpPr>
+        <p:spPr>
+          <a:xfrm rot="16200000" flipV="1">
+            <a:off x="2383857" y="2262304"/>
+            <a:ext cx="606449" cy="3062764"/>
+          </a:xfrm>
+          <a:prstGeom prst="curvedConnector3">
+            <a:avLst>
+              <a:gd name="adj1" fmla="val 267312"/>
+            </a:avLst>
+          </a:prstGeom>
+          <a:ln>
+            <a:tailEnd type="triangle"/>
+          </a:ln>
+        </p:spPr>
+        <p:style>
+          <a:lnRef idx="1">
+            <a:schemeClr val="accent1"/>
+          </a:lnRef>
+          <a:fillRef idx="0">
+            <a:schemeClr val="accent1"/>
+          </a:fillRef>
+          <a:effectRef idx="0">
+            <a:schemeClr val="accent1"/>
+          </a:effectRef>
+          <a:fontRef idx="minor">
+            <a:schemeClr val="tx1"/>
+          </a:fontRef>
+        </p:style>
+      </p:cxnSp>
+      <p:sp>
+        <p:nvSpPr>
+          <p:cNvPr id="24" name="Arrow: Curved Up 77">
+            <a:extLst>
+              <a:ext uri="{FF2B5EF4-FFF2-40B4-BE49-F238E27FC236}">
+                <a16:creationId xmlns:a16="http://schemas.microsoft.com/office/drawing/2014/main" id="{5ACA65DF-E62F-4D96-97E5-F76C9AEE0E16}"/>
               </a:ext>
             </a:extLst>
           </p:cNvPr>
@@ -13473,10 +13292,10 @@
         </p:nvSpPr>
         <p:spPr>
           <a:xfrm>
-            <a:off x="2044134" y="3882232"/>
-            <a:ext cx="255181" cy="231173"/>
-          </a:xfrm>
-          <a:prstGeom prst="flowChartConnector">
+            <a:off x="2009036" y="3268461"/>
+            <a:ext cx="1701208" cy="380485"/>
+          </a:xfrm>
+          <a:prstGeom prst="curvedUpArrow">
             <a:avLst/>
           </a:prstGeom>
         </p:spPr>
@@ -13501,20 +13320,20 @@
           <a:lstStyle/>
           <a:p>
             <a:pPr algn="ctr"/>
-            <a:r>
-              <a:rPr lang="en-US" altLang="zh-CN" dirty="0"/>
-              <a:t>2</a:t>
-            </a:r>
-            <a:endParaRPr lang="zh-CN" altLang="en-US" dirty="0"/>
-          </a:p>
-        </p:txBody>
-      </p:sp>
-      <p:sp>
-        <p:nvSpPr>
-          <p:cNvPr id="21" name="Flowchart: Connector 48">
+            <a:endParaRPr lang="zh-CN" altLang="en-US">
+              <a:solidFill>
+                <a:schemeClr val="tx1"/>
+              </a:solidFill>
+            </a:endParaRPr>
+          </a:p>
+        </p:txBody>
+      </p:sp>
+      <p:sp>
+        <p:nvSpPr>
+          <p:cNvPr id="25" name="Arrow: Curved Up 78">
             <a:extLst>
               <a:ext uri="{FF2B5EF4-FFF2-40B4-BE49-F238E27FC236}">
-                <a16:creationId xmlns="" xmlns:a16="http://schemas.microsoft.com/office/drawing/2014/main" id="{B36D41AA-D565-4856-A213-68F23773D501}"/>
+                <a16:creationId xmlns:a16="http://schemas.microsoft.com/office/drawing/2014/main" id="{B85EFB3B-7A6A-40AF-B2F8-443B7BCB3D9F}"/>
               </a:ext>
             </a:extLst>
           </p:cNvPr>
@@ -13522,12 +13341,16 @@
           <p:nvPr/>
         </p:nvSpPr>
         <p:spPr>
-          <a:xfrm>
-            <a:off x="3835692" y="4254213"/>
-            <a:ext cx="255181" cy="231173"/>
-          </a:xfrm>
-          <a:prstGeom prst="flowChartConnector">
-            <a:avLst/>
+          <a:xfrm flipH="1" flipV="1">
+            <a:off x="1946128" y="2739533"/>
+            <a:ext cx="1701208" cy="380484"/>
+          </a:xfrm>
+          <a:prstGeom prst="curvedUpArrow">
+            <a:avLst>
+              <a:gd name="adj1" fmla="val 25000"/>
+              <a:gd name="adj2" fmla="val 50000"/>
+              <a:gd name="adj3" fmla="val 41299"/>
+            </a:avLst>
           </a:prstGeom>
         </p:spPr>
         <p:style>
@@ -13551,109 +13374,20 @@
           <a:lstStyle/>
           <a:p>
             <a:pPr algn="ctr"/>
-            <a:r>
-              <a:rPr lang="en-US" altLang="zh-CN" dirty="0"/>
-              <a:t>3</a:t>
-            </a:r>
-            <a:endParaRPr lang="zh-CN" altLang="en-US" dirty="0"/>
-          </a:p>
-        </p:txBody>
-      </p:sp>
-      <p:cxnSp>
-        <p:nvCxnSpPr>
-          <p:cNvPr id="22" name="Connector: Curved 53">
+            <a:endParaRPr lang="zh-CN" altLang="en-US">
+              <a:solidFill>
+                <a:schemeClr val="tx1"/>
+              </a:solidFill>
+            </a:endParaRPr>
+          </a:p>
+        </p:txBody>
+      </p:sp>
+      <p:sp>
+        <p:nvSpPr>
+          <p:cNvPr id="26" name="Flowchart: Connector 82">
             <a:extLst>
               <a:ext uri="{FF2B5EF4-FFF2-40B4-BE49-F238E27FC236}">
-                <a16:creationId xmlns="" xmlns:a16="http://schemas.microsoft.com/office/drawing/2014/main" id="{ED0A541E-8D30-4E92-A423-BB6012D85EEE}"/>
-              </a:ext>
-            </a:extLst>
-          </p:cNvPr>
-          <p:cNvCxnSpPr>
-            <a:cxnSpLocks/>
-            <a:stCxn id="16" idx="0"/>
-            <a:endCxn id="4" idx="0"/>
-          </p:cNvCxnSpPr>
-          <p:nvPr/>
-        </p:nvCxnSpPr>
-        <p:spPr>
-          <a:xfrm rot="16200000" flipV="1">
-            <a:off x="3577412" y="1068748"/>
-            <a:ext cx="12700" cy="4843425"/>
-          </a:xfrm>
-          <a:prstGeom prst="curvedConnector3">
-            <a:avLst>
-              <a:gd name="adj1" fmla="val 1800000"/>
-            </a:avLst>
-          </a:prstGeom>
-          <a:ln>
-            <a:tailEnd type="triangle"/>
-          </a:ln>
-        </p:spPr>
-        <p:style>
-          <a:lnRef idx="1">
-            <a:schemeClr val="accent1"/>
-          </a:lnRef>
-          <a:fillRef idx="0">
-            <a:schemeClr val="accent1"/>
-          </a:fillRef>
-          <a:effectRef idx="0">
-            <a:schemeClr val="accent1"/>
-          </a:effectRef>
-          <a:fontRef idx="minor">
-            <a:schemeClr val="tx1"/>
-          </a:fontRef>
-        </p:style>
-      </p:cxnSp>
-      <p:cxnSp>
-        <p:nvCxnSpPr>
-          <p:cNvPr id="23" name="Connector: Curved 56">
-            <a:extLst>
-              <a:ext uri="{FF2B5EF4-FFF2-40B4-BE49-F238E27FC236}">
-                <a16:creationId xmlns="" xmlns:a16="http://schemas.microsoft.com/office/drawing/2014/main" id="{2F472560-C161-4B6F-9E68-AF57C45ECF7F}"/>
-              </a:ext>
-            </a:extLst>
-          </p:cNvPr>
-          <p:cNvCxnSpPr>
-            <a:cxnSpLocks/>
-            <a:stCxn id="4" idx="0"/>
-            <a:endCxn id="14" idx="1"/>
-          </p:cNvCxnSpPr>
-          <p:nvPr/>
-        </p:nvCxnSpPr>
-        <p:spPr>
-          <a:xfrm rot="5400000" flipH="1" flipV="1">
-            <a:off x="3628660" y="-472818"/>
-            <a:ext cx="1490319" cy="6436240"/>
-          </a:xfrm>
-          <a:prstGeom prst="curvedConnector2">
-            <a:avLst/>
-          </a:prstGeom>
-          <a:ln>
-            <a:headEnd type="triangle"/>
-            <a:tailEnd type="triangle"/>
-          </a:ln>
-        </p:spPr>
-        <p:style>
-          <a:lnRef idx="1">
-            <a:schemeClr val="accent1"/>
-          </a:lnRef>
-          <a:fillRef idx="0">
-            <a:schemeClr val="accent1"/>
-          </a:fillRef>
-          <a:effectRef idx="0">
-            <a:schemeClr val="accent1"/>
-          </a:effectRef>
-          <a:fontRef idx="minor">
-            <a:schemeClr val="tx1"/>
-          </a:fontRef>
-        </p:style>
-      </p:cxnSp>
-      <p:sp>
-        <p:nvSpPr>
-          <p:cNvPr id="24" name="Arrow: Curved Up 77">
-            <a:extLst>
-              <a:ext uri="{FF2B5EF4-FFF2-40B4-BE49-F238E27FC236}">
-                <a16:creationId xmlns="" xmlns:a16="http://schemas.microsoft.com/office/drawing/2014/main" id="{5ACA65DF-E62F-4D96-97E5-F76C9AEE0E16}"/>
+                <a16:creationId xmlns:a16="http://schemas.microsoft.com/office/drawing/2014/main" id="{217E79F9-64C8-4DAD-B6A5-1C8B264FBBBD}"/>
               </a:ext>
             </a:extLst>
           </p:cNvPr>
@@ -13662,10 +13396,10 @@
         </p:nvSpPr>
         <p:spPr>
           <a:xfrm>
-            <a:off x="4297914" y="2847758"/>
-            <a:ext cx="1701208" cy="380485"/>
-          </a:xfrm>
-          <a:prstGeom prst="curvedUpArrow">
+            <a:off x="2654080" y="3095786"/>
+            <a:ext cx="255181" cy="231173"/>
+          </a:xfrm>
+          <a:prstGeom prst="flowChartConnector">
             <a:avLst/>
           </a:prstGeom>
         </p:spPr>
@@ -13690,20 +13424,20 @@
           <a:lstStyle/>
           <a:p>
             <a:pPr algn="ctr"/>
-            <a:endParaRPr lang="zh-CN" altLang="en-US">
-              <a:solidFill>
-                <a:schemeClr val="tx1"/>
-              </a:solidFill>
-            </a:endParaRPr>
-          </a:p>
-        </p:txBody>
-      </p:sp>
-      <p:sp>
-        <p:nvSpPr>
-          <p:cNvPr id="25" name="Arrow: Curved Up 78">
+            <a:r>
+              <a:rPr lang="en-US" altLang="zh-CN" dirty="0"/>
+              <a:t>4</a:t>
+            </a:r>
+            <a:endParaRPr lang="zh-CN" altLang="en-US" dirty="0"/>
+          </a:p>
+        </p:txBody>
+      </p:sp>
+      <p:sp>
+        <p:nvSpPr>
+          <p:cNvPr id="27" name="Flowchart: Magnetic Disk 110">
             <a:extLst>
               <a:ext uri="{FF2B5EF4-FFF2-40B4-BE49-F238E27FC236}">
-                <a16:creationId xmlns="" xmlns:a16="http://schemas.microsoft.com/office/drawing/2014/main" id="{B85EFB3B-7A6A-40AF-B2F8-443B7BCB3D9F}"/>
+                <a16:creationId xmlns:a16="http://schemas.microsoft.com/office/drawing/2014/main" id="{EE9E2943-3510-46EE-AA51-91BAB922604F}"/>
               </a:ext>
             </a:extLst>
           </p:cNvPr>
@@ -13711,16 +13445,12 @@
           <p:nvPr/>
         </p:nvSpPr>
         <p:spPr>
-          <a:xfrm flipH="1" flipV="1">
-            <a:off x="4235006" y="2318830"/>
-            <a:ext cx="1701208" cy="380484"/>
-          </a:xfrm>
-          <a:prstGeom prst="curvedUpArrow">
-            <a:avLst>
-              <a:gd name="adj1" fmla="val 25000"/>
-              <a:gd name="adj2" fmla="val 50000"/>
-              <a:gd name="adj3" fmla="val 41299"/>
-            </a:avLst>
+          <a:xfrm>
+            <a:off x="3481125" y="5651534"/>
+            <a:ext cx="1257300" cy="577854"/>
+          </a:xfrm>
+          <a:prstGeom prst="flowChartMagneticDisk">
+            <a:avLst/>
           </a:prstGeom>
         </p:spPr>
         <p:style>
@@ -13744,20 +13474,62 @@
           <a:lstStyle/>
           <a:p>
             <a:pPr algn="ctr"/>
-            <a:endParaRPr lang="zh-CN" altLang="en-US">
-              <a:solidFill>
-                <a:schemeClr val="tx1"/>
-              </a:solidFill>
-            </a:endParaRPr>
-          </a:p>
-        </p:txBody>
-      </p:sp>
-      <p:sp>
-        <p:nvSpPr>
-          <p:cNvPr id="26" name="Flowchart: Connector 82">
+            <a:r>
+              <a:rPr lang="zh-CN" altLang="en-US" dirty="0"/>
+              <a:t>用户管理</a:t>
+            </a:r>
+          </a:p>
+        </p:txBody>
+      </p:sp>
+      <p:cxnSp>
+        <p:nvCxnSpPr>
+          <p:cNvPr id="28" name="Straight Arrow Connector 112">
             <a:extLst>
               <a:ext uri="{FF2B5EF4-FFF2-40B4-BE49-F238E27FC236}">
-                <a16:creationId xmlns="" xmlns:a16="http://schemas.microsoft.com/office/drawing/2014/main" id="{217E79F9-64C8-4DAD-B6A5-1C8B264FBBBD}"/>
+                <a16:creationId xmlns:a16="http://schemas.microsoft.com/office/drawing/2014/main" id="{3C7A15F1-22B4-4B8F-8CBE-AB3E71ED84C0}"/>
+              </a:ext>
+            </a:extLst>
+          </p:cNvPr>
+          <p:cNvCxnSpPr>
+            <a:cxnSpLocks/>
+            <a:stCxn id="16" idx="2"/>
+            <a:endCxn id="27" idx="1"/>
+          </p:cNvCxnSpPr>
+          <p:nvPr/>
+        </p:nvCxnSpPr>
+        <p:spPr>
+          <a:xfrm flipH="1">
+            <a:off x="4109775" y="4926138"/>
+            <a:ext cx="108688" cy="725396"/>
+          </a:xfrm>
+          <a:prstGeom prst="straightConnector1">
+            <a:avLst/>
+          </a:prstGeom>
+          <a:ln>
+            <a:tailEnd type="triangle"/>
+          </a:ln>
+        </p:spPr>
+        <p:style>
+          <a:lnRef idx="1">
+            <a:schemeClr val="accent1"/>
+          </a:lnRef>
+          <a:fillRef idx="0">
+            <a:schemeClr val="accent1"/>
+          </a:fillRef>
+          <a:effectRef idx="0">
+            <a:schemeClr val="accent1"/>
+          </a:effectRef>
+          <a:fontRef idx="minor">
+            <a:schemeClr val="tx1"/>
+          </a:fontRef>
+        </p:style>
+      </p:cxnSp>
+      <p:sp>
+        <p:nvSpPr>
+          <p:cNvPr id="29" name="Flowchart: Magnetic Disk 113">
+            <a:extLst>
+              <a:ext uri="{FF2B5EF4-FFF2-40B4-BE49-F238E27FC236}">
+                <a16:creationId xmlns:a16="http://schemas.microsoft.com/office/drawing/2014/main" id="{2B704D7F-EFF5-4D39-AA2B-B5BDBFB9EE66}"/>
               </a:ext>
             </a:extLst>
           </p:cNvPr>
@@ -13766,12 +13538,15 @@
         </p:nvSpPr>
         <p:spPr>
           <a:xfrm>
-            <a:off x="4942958" y="2675083"/>
-            <a:ext cx="255181" cy="231173"/>
-          </a:xfrm>
-          <a:prstGeom prst="flowChartConnector">
+            <a:off x="4586393" y="5163308"/>
+            <a:ext cx="792717" cy="378107"/>
+          </a:xfrm>
+          <a:prstGeom prst="flowChartMagneticDisk">
             <a:avLst/>
           </a:prstGeom>
+          <a:solidFill>
+            <a:srgbClr val="92D050"/>
+          </a:solidFill>
         </p:spPr>
         <p:style>
           <a:lnRef idx="2">
@@ -13795,81 +13570,33 @@
           <a:p>
             <a:pPr algn="ctr"/>
             <a:r>
-              <a:rPr lang="en-US" altLang="zh-CN" dirty="0"/>
-              <a:t>5</a:t>
+              <a:rPr lang="en-US" altLang="zh-CN" dirty="0" err="1"/>
+              <a:t>redis</a:t>
             </a:r>
             <a:endParaRPr lang="zh-CN" altLang="en-US" dirty="0"/>
           </a:p>
         </p:txBody>
       </p:sp>
-      <p:sp>
-        <p:nvSpPr>
-          <p:cNvPr id="27" name="Flowchart: Magnetic Disk 110">
+      <p:cxnSp>
+        <p:nvCxnSpPr>
+          <p:cNvPr id="30" name="Straight Arrow Connector 134">
             <a:extLst>
               <a:ext uri="{FF2B5EF4-FFF2-40B4-BE49-F238E27FC236}">
-                <a16:creationId xmlns="" xmlns:a16="http://schemas.microsoft.com/office/drawing/2014/main" id="{EE9E2943-3510-46EE-AA51-91BAB922604F}"/>
-              </a:ext>
-            </a:extLst>
-          </p:cNvPr>
-          <p:cNvSpPr/>
-          <p:nvPr/>
-        </p:nvSpPr>
-        <p:spPr>
-          <a:xfrm>
-            <a:off x="7568755" y="2745302"/>
-            <a:ext cx="1257300" cy="577854"/>
-          </a:xfrm>
-          <a:prstGeom prst="flowChartMagneticDisk">
-            <a:avLst/>
-          </a:prstGeom>
-        </p:spPr>
-        <p:style>
-          <a:lnRef idx="2">
-            <a:schemeClr val="accent1">
-              <a:shade val="50000"/>
-            </a:schemeClr>
-          </a:lnRef>
-          <a:fillRef idx="1">
-            <a:schemeClr val="accent1"/>
-          </a:fillRef>
-          <a:effectRef idx="0">
-            <a:schemeClr val="accent1"/>
-          </a:effectRef>
-          <a:fontRef idx="minor">
-            <a:schemeClr val="lt1"/>
-          </a:fontRef>
-        </p:style>
-        <p:txBody>
-          <a:bodyPr rtlCol="0" anchor="ctr"/>
-          <a:lstStyle/>
-          <a:p>
-            <a:pPr algn="ctr"/>
-            <a:r>
-              <a:rPr lang="zh-CN" altLang="en-US" dirty="0"/>
-              <a:t>用户管理</a:t>
-            </a:r>
-          </a:p>
-        </p:txBody>
-      </p:sp>
-      <p:cxnSp>
-        <p:nvCxnSpPr>
-          <p:cNvPr id="28" name="Straight Arrow Connector 112">
-            <a:extLst>
-              <a:ext uri="{FF2B5EF4-FFF2-40B4-BE49-F238E27FC236}">
-                <a16:creationId xmlns="" xmlns:a16="http://schemas.microsoft.com/office/drawing/2014/main" id="{3C7A15F1-22B4-4B8F-8CBE-AB3E71ED84C0}"/>
+                <a16:creationId xmlns:a16="http://schemas.microsoft.com/office/drawing/2014/main" id="{A12FEF9A-4A65-4401-93E3-41F5316D26F7}"/>
               </a:ext>
             </a:extLst>
           </p:cNvPr>
           <p:cNvCxnSpPr>
-            <a:stCxn id="14" idx="2"/>
-            <a:endCxn id="27" idx="1"/>
+            <a:cxnSpLocks/>
+            <a:stCxn id="40" idx="3"/>
+            <a:endCxn id="6" idx="1"/>
           </p:cNvCxnSpPr>
           <p:nvPr/>
         </p:nvCxnSpPr>
         <p:spPr>
-          <a:xfrm>
-            <a:off x="8190021" y="2318830"/>
-            <a:ext cx="7384" cy="426472"/>
+          <a:xfrm flipV="1">
+            <a:off x="1880329" y="4511525"/>
+            <a:ext cx="519674" cy="153169"/>
           </a:xfrm>
           <a:prstGeom prst="straightConnector1">
             <a:avLst/>
@@ -13877,140 +13604,6 @@
           <a:ln>
             <a:tailEnd type="triangle"/>
           </a:ln>
-        </p:spPr>
-        <p:style>
-          <a:lnRef idx="1">
-            <a:schemeClr val="accent1"/>
-          </a:lnRef>
-          <a:fillRef idx="0">
-            <a:schemeClr val="accent1"/>
-          </a:fillRef>
-          <a:effectRef idx="0">
-            <a:schemeClr val="accent1"/>
-          </a:effectRef>
-          <a:fontRef idx="minor">
-            <a:schemeClr val="tx1"/>
-          </a:fontRef>
-        </p:style>
-      </p:cxnSp>
-      <p:sp>
-        <p:nvSpPr>
-          <p:cNvPr id="29" name="Flowchart: Magnetic Disk 113">
-            <a:extLst>
-              <a:ext uri="{FF2B5EF4-FFF2-40B4-BE49-F238E27FC236}">
-                <a16:creationId xmlns="" xmlns:a16="http://schemas.microsoft.com/office/drawing/2014/main" id="{2B704D7F-EFF5-4D39-AA2B-B5BDBFB9EE66}"/>
-              </a:ext>
-            </a:extLst>
-          </p:cNvPr>
-          <p:cNvSpPr/>
-          <p:nvPr/>
-        </p:nvSpPr>
-        <p:spPr>
-          <a:xfrm>
-            <a:off x="7568755" y="4375219"/>
-            <a:ext cx="792717" cy="378107"/>
-          </a:xfrm>
-          <a:prstGeom prst="flowChartMagneticDisk">
-            <a:avLst/>
-          </a:prstGeom>
-          <a:solidFill>
-            <a:srgbClr val="92D050"/>
-          </a:solidFill>
-        </p:spPr>
-        <p:style>
-          <a:lnRef idx="2">
-            <a:schemeClr val="accent1">
-              <a:shade val="50000"/>
-            </a:schemeClr>
-          </a:lnRef>
-          <a:fillRef idx="1">
-            <a:schemeClr val="accent1"/>
-          </a:fillRef>
-          <a:effectRef idx="0">
-            <a:schemeClr val="accent1"/>
-          </a:effectRef>
-          <a:fontRef idx="minor">
-            <a:schemeClr val="lt1"/>
-          </a:fontRef>
-        </p:style>
-        <p:txBody>
-          <a:bodyPr rtlCol="0" anchor="ctr"/>
-          <a:lstStyle/>
-          <a:p>
-            <a:pPr algn="ctr"/>
-            <a:r>
-              <a:rPr lang="en-US" altLang="zh-CN" dirty="0" err="1"/>
-              <a:t>redis</a:t>
-            </a:r>
-            <a:endParaRPr lang="zh-CN" altLang="en-US" dirty="0"/>
-          </a:p>
-        </p:txBody>
-      </p:sp>
-      <p:cxnSp>
-        <p:nvCxnSpPr>
-          <p:cNvPr id="30" name="Straight Arrow Connector 134">
-            <a:extLst>
-              <a:ext uri="{FF2B5EF4-FFF2-40B4-BE49-F238E27FC236}">
-                <a16:creationId xmlns="" xmlns:a16="http://schemas.microsoft.com/office/drawing/2014/main" id="{A12FEF9A-4A65-4401-93E3-41F5316D26F7}"/>
-              </a:ext>
-            </a:extLst>
-          </p:cNvPr>
-          <p:cNvCxnSpPr>
-            <a:stCxn id="5" idx="3"/>
-            <a:endCxn id="6" idx="1"/>
-          </p:cNvCxnSpPr>
-          <p:nvPr/>
-        </p:nvCxnSpPr>
-        <p:spPr>
-          <a:xfrm flipV="1">
-            <a:off x="1880329" y="4511525"/>
-            <a:ext cx="519674" cy="520723"/>
-          </a:xfrm>
-          <a:prstGeom prst="straightConnector1">
-            <a:avLst/>
-          </a:prstGeom>
-          <a:ln>
-            <a:tailEnd type="triangle"/>
-          </a:ln>
-        </p:spPr>
-        <p:style>
-          <a:lnRef idx="1">
-            <a:schemeClr val="accent1"/>
-          </a:lnRef>
-          <a:fillRef idx="0">
-            <a:schemeClr val="accent1"/>
-          </a:fillRef>
-          <a:effectRef idx="0">
-            <a:schemeClr val="accent1"/>
-          </a:effectRef>
-          <a:fontRef idx="minor">
-            <a:schemeClr val="tx1"/>
-          </a:fontRef>
-        </p:style>
-      </p:cxnSp>
-      <p:cxnSp>
-        <p:nvCxnSpPr>
-          <p:cNvPr id="31" name="Straight Connector 136">
-            <a:extLst>
-              <a:ext uri="{FF2B5EF4-FFF2-40B4-BE49-F238E27FC236}">
-                <a16:creationId xmlns="" xmlns:a16="http://schemas.microsoft.com/office/drawing/2014/main" id="{1BB00E47-99B5-4AF0-AE10-492AE6CA73D9}"/>
-              </a:ext>
-            </a:extLst>
-          </p:cNvPr>
-          <p:cNvCxnSpPr>
-            <a:stCxn id="16" idx="2"/>
-            <a:endCxn id="17" idx="0"/>
-          </p:cNvCxnSpPr>
-          <p:nvPr/>
-        </p:nvCxnSpPr>
-        <p:spPr>
-          <a:xfrm>
-            <a:off x="5999124" y="4319689"/>
-            <a:ext cx="1772" cy="492751"/>
-          </a:xfrm>
-          <a:prstGeom prst="line">
-            <a:avLst/>
-          </a:prstGeom>
         </p:spPr>
         <p:style>
           <a:lnRef idx="1">
@@ -14032,20 +13625,21 @@
           <p:cNvPr id="32" name="Straight Arrow Connector 138">
             <a:extLst>
               <a:ext uri="{FF2B5EF4-FFF2-40B4-BE49-F238E27FC236}">
-                <a16:creationId xmlns="" xmlns:a16="http://schemas.microsoft.com/office/drawing/2014/main" id="{12DCE346-E1A6-4689-98D0-61DD334B0068}"/>
+                <a16:creationId xmlns:a16="http://schemas.microsoft.com/office/drawing/2014/main" id="{12DCE346-E1A6-4689-98D0-61DD334B0068}"/>
               </a:ext>
             </a:extLst>
           </p:cNvPr>
           <p:cNvCxnSpPr>
             <a:cxnSpLocks/>
+            <a:stCxn id="16" idx="2"/>
             <a:endCxn id="29" idx="2"/>
           </p:cNvCxnSpPr>
           <p:nvPr/>
         </p:nvCxnSpPr>
         <p:spPr>
           <a:xfrm>
-            <a:off x="6005475" y="4564273"/>
-            <a:ext cx="1563280" cy="0"/>
+            <a:off x="4218463" y="4926138"/>
+            <a:ext cx="367930" cy="426224"/>
           </a:xfrm>
           <a:prstGeom prst="straightConnector1">
             <a:avLst/>
@@ -14074,7 +13668,7 @@
           <p:cNvPr id="33" name="TextBox 142">
             <a:extLst>
               <a:ext uri="{FF2B5EF4-FFF2-40B4-BE49-F238E27FC236}">
-                <a16:creationId xmlns="" xmlns:a16="http://schemas.microsoft.com/office/drawing/2014/main" id="{31A20C56-68B5-4855-BBCA-2E27F7C9E256}"/>
+                <a16:creationId xmlns:a16="http://schemas.microsoft.com/office/drawing/2014/main" id="{31A20C56-68B5-4855-BBCA-2E27F7C9E256}"/>
               </a:ext>
             </a:extLst>
           </p:cNvPr>
@@ -14129,7 +13723,7 @@
           <p:cNvPr id="34" name="TextBox 2">
             <a:extLst>
               <a:ext uri="{FF2B5EF4-FFF2-40B4-BE49-F238E27FC236}">
-                <a16:creationId xmlns="" xmlns:a16="http://schemas.microsoft.com/office/drawing/2014/main" id="{32904B79-D116-4727-908C-18DA18E6C491}"/>
+                <a16:creationId xmlns:a16="http://schemas.microsoft.com/office/drawing/2014/main" id="{32904B79-D116-4727-908C-18DA18E6C491}"/>
               </a:ext>
             </a:extLst>
           </p:cNvPr>
@@ -14139,7 +13733,7 @@
         <p:spPr>
           <a:xfrm>
             <a:off x="9165265" y="1670526"/>
-            <a:ext cx="2764465" cy="1569660"/>
+            <a:ext cx="2764465" cy="1323439"/>
           </a:xfrm>
           <a:prstGeom prst="rect">
             <a:avLst/>
@@ -14245,14 +13839,14 @@
                 <a:latin typeface="微软雅黑" panose="020B0503020204020204" pitchFamily="34" charset="-122"/>
                 <a:ea typeface="微软雅黑" panose="020B0503020204020204" pitchFamily="34" charset="-122"/>
               </a:rPr>
-              <a:t>CAS client </a:t>
+              <a:t>JWT</a:t>
             </a:r>
             <a:r>
               <a:rPr lang="zh-CN" altLang="en-US" sz="1600" dirty="0">
                 <a:latin typeface="微软雅黑" panose="020B0503020204020204" pitchFamily="34" charset="-122"/>
                 <a:ea typeface="微软雅黑" panose="020B0503020204020204" pitchFamily="34" charset="-122"/>
               </a:rPr>
-              <a:t>检查</a:t>
+              <a:t>认证检查</a:t>
             </a:r>
             <a:endParaRPr lang="en-US" altLang="zh-CN" sz="1600" dirty="0">
               <a:latin typeface="微软雅黑" panose="020B0503020204020204" pitchFamily="34" charset="-122"/>
@@ -14265,41 +13859,14 @@
                 <a:latin typeface="微软雅黑" panose="020B0503020204020204" pitchFamily="34" charset="-122"/>
                 <a:ea typeface="微软雅黑" panose="020B0503020204020204" pitchFamily="34" charset="-122"/>
               </a:rPr>
-              <a:t>5,   CAS server</a:t>
+              <a:t>5,  </a:t>
             </a:r>
             <a:r>
               <a:rPr lang="zh-CN" altLang="en-US" sz="1600" dirty="0">
                 <a:latin typeface="微软雅黑" panose="020B0503020204020204" pitchFamily="34" charset="-122"/>
                 <a:ea typeface="微软雅黑" panose="020B0503020204020204" pitchFamily="34" charset="-122"/>
               </a:rPr>
-              <a:t>认证</a:t>
-            </a:r>
-            <a:r>
-              <a:rPr lang="zh-CN" altLang="en-US" sz="1600" dirty="0" smtClean="0">
-                <a:latin typeface="微软雅黑" panose="020B0503020204020204" pitchFamily="34" charset="-122"/>
-                <a:ea typeface="微软雅黑" panose="020B0503020204020204" pitchFamily="34" charset="-122"/>
-              </a:rPr>
-              <a:t>，通过</a:t>
-            </a:r>
-            <a:endParaRPr lang="en-US" altLang="zh-CN" sz="1600" dirty="0">
-              <a:latin typeface="微软雅黑" panose="020B0503020204020204" pitchFamily="34" charset="-122"/>
-              <a:ea typeface="微软雅黑" panose="020B0503020204020204" pitchFamily="34" charset="-122"/>
-            </a:endParaRPr>
-          </a:p>
-          <a:p>
-            <a:r>
-              <a:rPr lang="en-US" altLang="zh-CN" sz="1600" dirty="0">
-                <a:latin typeface="微软雅黑" panose="020B0503020204020204" pitchFamily="34" charset="-122"/>
-                <a:ea typeface="微软雅黑" panose="020B0503020204020204" pitchFamily="34" charset="-122"/>
-              </a:rPr>
-              <a:t>      </a:t>
-            </a:r>
-            <a:r>
-              <a:rPr lang="zh-CN" altLang="en-US" sz="1600" dirty="0">
-                <a:latin typeface="微软雅黑" panose="020B0503020204020204" pitchFamily="34" charset="-122"/>
-                <a:ea typeface="微软雅黑" panose="020B0503020204020204" pitchFamily="34" charset="-122"/>
-              </a:rPr>
-              <a:t>认证后访问应用</a:t>
+              <a:t>通过认证后访问应用</a:t>
             </a:r>
           </a:p>
         </p:txBody>
@@ -14309,7 +13876,7 @@
           <p:cNvPr id="35" name="Picture 13">
             <a:extLst>
               <a:ext uri="{FF2B5EF4-FFF2-40B4-BE49-F238E27FC236}">
-                <a16:creationId xmlns="" xmlns:a16="http://schemas.microsoft.com/office/drawing/2014/main" id="{8CEF47DE-5DBE-48DF-8BA3-B991EE105EF5}"/>
+                <a16:creationId xmlns:a16="http://schemas.microsoft.com/office/drawing/2014/main" id="{8CEF47DE-5DBE-48DF-8BA3-B991EE105EF5}"/>
               </a:ext>
             </a:extLst>
           </p:cNvPr>
@@ -14339,7 +13906,7 @@
           <p:cNvPr id="36" name="Straight Arrow Connector 16">
             <a:extLst>
               <a:ext uri="{FF2B5EF4-FFF2-40B4-BE49-F238E27FC236}">
-                <a16:creationId xmlns="" xmlns:a16="http://schemas.microsoft.com/office/drawing/2014/main" id="{74772B8E-6133-4B5F-9B19-A34052BFBA9B}"/>
+                <a16:creationId xmlns:a16="http://schemas.microsoft.com/office/drawing/2014/main" id="{74772B8E-6133-4B5F-9B19-A34052BFBA9B}"/>
               </a:ext>
             </a:extLst>
           </p:cNvPr>
@@ -14381,7 +13948,7 @@
           <p:cNvPr id="37" name="Flowchart: Connector 49">
             <a:extLst>
               <a:ext uri="{FF2B5EF4-FFF2-40B4-BE49-F238E27FC236}">
-                <a16:creationId xmlns="" xmlns:a16="http://schemas.microsoft.com/office/drawing/2014/main" id="{6691528D-29AE-418B-B26B-AD1925475E80}"/>
+                <a16:creationId xmlns:a16="http://schemas.microsoft.com/office/drawing/2014/main" id="{6691528D-29AE-418B-B26B-AD1925475E80}"/>
               </a:ext>
             </a:extLst>
           </p:cNvPr>
@@ -14420,18 +13987,54 @@
             <a:pPr algn="ctr"/>
             <a:r>
               <a:rPr lang="en-US" altLang="zh-CN" dirty="0"/>
-              <a:t>4</a:t>
+              <a:t>5</a:t>
             </a:r>
             <a:endParaRPr lang="zh-CN" altLang="en-US" dirty="0"/>
           </a:p>
         </p:txBody>
       </p:sp>
-      <p:sp>
-        <p:nvSpPr>
-          <p:cNvPr id="38" name="Rectangle 4">
+      <p:cxnSp>
+        <p:nvCxnSpPr>
+          <p:cNvPr id="39" name="直接箭头连接符 38"/>
+          <p:cNvCxnSpPr>
+            <a:cxnSpLocks/>
+            <a:endCxn id="6" idx="1"/>
+          </p:cNvCxnSpPr>
+          <p:nvPr/>
+        </p:nvCxnSpPr>
+        <p:spPr>
+          <a:xfrm flipV="1">
+            <a:off x="1880329" y="4511525"/>
+            <a:ext cx="519674" cy="1639418"/>
+          </a:xfrm>
+          <a:prstGeom prst="straightConnector1">
+            <a:avLst/>
+          </a:prstGeom>
+          <a:ln>
+            <a:tailEnd type="triangle"/>
+          </a:ln>
+        </p:spPr>
+        <p:style>
+          <a:lnRef idx="1">
+            <a:schemeClr val="accent1"/>
+          </a:lnRef>
+          <a:fillRef idx="0">
+            <a:schemeClr val="accent1"/>
+          </a:fillRef>
+          <a:effectRef idx="0">
+            <a:schemeClr val="accent1"/>
+          </a:effectRef>
+          <a:fontRef idx="minor">
+            <a:schemeClr val="tx1"/>
+          </a:fontRef>
+        </p:style>
+      </p:cxnSp>
+      <p:sp>
+        <p:nvSpPr>
+          <p:cNvPr id="40" name="Rectangle 39">
             <a:extLst>
               <a:ext uri="{FF2B5EF4-FFF2-40B4-BE49-F238E27FC236}">
-                <a16:creationId xmlns="" xmlns:a16="http://schemas.microsoft.com/office/drawing/2014/main" id="{351BFB24-C0A4-4A7E-8DFE-E266408C0246}"/>
+                <a16:creationId xmlns:a16="http://schemas.microsoft.com/office/drawing/2014/main" id="{8E7FB375-FBCA-4A16-A12F-558CDD793733}"/>
               </a:ext>
             </a:extLst>
           </p:cNvPr>
@@ -14440,7 +14043,7 @@
         </p:nvSpPr>
         <p:spPr>
           <a:xfrm>
-            <a:off x="485692" y="5901273"/>
+            <a:off x="485692" y="4415024"/>
             <a:ext cx="1394637" cy="499339"/>
           </a:xfrm>
           <a:prstGeom prst="rect">
@@ -14474,24 +14077,24 @@
           <a:p>
             <a:pPr algn="ctr"/>
             <a:r>
-              <a:rPr lang="en-US" altLang="zh-CN" dirty="0" smtClean="0">
+              <a:rPr lang="zh-CN" altLang="en-US" dirty="0">
                 <a:solidFill>
                   <a:schemeClr val="tx1"/>
                 </a:solidFill>
                 <a:latin typeface="微软雅黑" panose="020B0503020204020204" pitchFamily="34" charset="-122"/>
                 <a:ea typeface="微软雅黑" panose="020B0503020204020204" pitchFamily="34" charset="-122"/>
               </a:rPr>
-              <a:t>Open </a:t>
-            </a:r>
-            <a:r>
-              <a:rPr lang="en-US" altLang="zh-CN" dirty="0" err="1" smtClean="0">
+              <a:t>移动端</a:t>
+            </a:r>
+            <a:r>
+              <a:rPr lang="en-US" altLang="zh-CN" dirty="0">
                 <a:solidFill>
                   <a:schemeClr val="tx1"/>
                 </a:solidFill>
                 <a:latin typeface="微软雅黑" panose="020B0503020204020204" pitchFamily="34" charset="-122"/>
                 <a:ea typeface="微软雅黑" panose="020B0503020204020204" pitchFamily="34" charset="-122"/>
               </a:rPr>
-              <a:t>Api</a:t>
+              <a:t>APP</a:t>
             </a:r>
             <a:endParaRPr lang="zh-CN" altLang="en-US" dirty="0">
               <a:solidFill>
@@ -14503,11 +14106,157 @@
           </a:p>
         </p:txBody>
       </p:sp>
+      <p:sp>
+        <p:nvSpPr>
+          <p:cNvPr id="41" name="Rectangle 4">
+            <a:extLst>
+              <a:ext uri="{FF2B5EF4-FFF2-40B4-BE49-F238E27FC236}">
+                <a16:creationId xmlns:a16="http://schemas.microsoft.com/office/drawing/2014/main" id="{07218A5B-7615-4FEA-AAF7-F00A9DB9E09B}"/>
+              </a:ext>
+            </a:extLst>
+          </p:cNvPr>
+          <p:cNvSpPr/>
+          <p:nvPr/>
+        </p:nvSpPr>
+        <p:spPr>
+          <a:xfrm>
+            <a:off x="485692" y="5146612"/>
+            <a:ext cx="1394637" cy="499339"/>
+          </a:xfrm>
+          <a:prstGeom prst="rect">
+            <a:avLst/>
+          </a:prstGeom>
+          <a:solidFill>
+            <a:schemeClr val="bg1">
+              <a:lumMod val="75000"/>
+            </a:schemeClr>
+          </a:solidFill>
+        </p:spPr>
+        <p:style>
+          <a:lnRef idx="2">
+            <a:schemeClr val="accent1">
+              <a:shade val="50000"/>
+            </a:schemeClr>
+          </a:lnRef>
+          <a:fillRef idx="1">
+            <a:schemeClr val="accent1"/>
+          </a:fillRef>
+          <a:effectRef idx="0">
+            <a:schemeClr val="accent1"/>
+          </a:effectRef>
+          <a:fontRef idx="minor">
+            <a:schemeClr val="lt1"/>
+          </a:fontRef>
+        </p:style>
+        <p:txBody>
+          <a:bodyPr rtlCol="0" anchor="ctr"/>
+          <a:lstStyle/>
+          <a:p>
+            <a:pPr algn="ctr"/>
+            <a:r>
+              <a:rPr lang="zh-CN" altLang="en-US" dirty="0">
+                <a:solidFill>
+                  <a:schemeClr val="tx1"/>
+                </a:solidFill>
+                <a:latin typeface="微软雅黑" panose="020B0503020204020204" pitchFamily="34" charset="-122"/>
+                <a:ea typeface="微软雅黑" panose="020B0503020204020204" pitchFamily="34" charset="-122"/>
+              </a:rPr>
+              <a:t>云端外部</a:t>
+            </a:r>
+            <a:endParaRPr lang="en-US" altLang="zh-CN" dirty="0">
+              <a:solidFill>
+                <a:schemeClr val="tx1"/>
+              </a:solidFill>
+              <a:latin typeface="微软雅黑" panose="020B0503020204020204" pitchFamily="34" charset="-122"/>
+              <a:ea typeface="微软雅黑" panose="020B0503020204020204" pitchFamily="34" charset="-122"/>
+            </a:endParaRPr>
+          </a:p>
+          <a:p>
+            <a:pPr algn="ctr"/>
+            <a:r>
+              <a:rPr lang="zh-CN" altLang="en-US" dirty="0">
+                <a:solidFill>
+                  <a:schemeClr val="tx1"/>
+                </a:solidFill>
+                <a:latin typeface="微软雅黑" panose="020B0503020204020204" pitchFamily="34" charset="-122"/>
+                <a:ea typeface="微软雅黑" panose="020B0503020204020204" pitchFamily="34" charset="-122"/>
+              </a:rPr>
+              <a:t>接口</a:t>
+            </a:r>
+          </a:p>
+        </p:txBody>
+      </p:sp>
+      <p:sp>
+        <p:nvSpPr>
+          <p:cNvPr id="42" name="Rectangle 4">
+            <a:extLst>
+              <a:ext uri="{FF2B5EF4-FFF2-40B4-BE49-F238E27FC236}">
+                <a16:creationId xmlns:a16="http://schemas.microsoft.com/office/drawing/2014/main" id="{05C50ADA-4B4D-406C-876B-98B34FDC5729}"/>
+              </a:ext>
+            </a:extLst>
+          </p:cNvPr>
+          <p:cNvSpPr/>
+          <p:nvPr/>
+        </p:nvSpPr>
+        <p:spPr>
+          <a:xfrm>
+            <a:off x="464730" y="5798383"/>
+            <a:ext cx="1394637" cy="499339"/>
+          </a:xfrm>
+          <a:prstGeom prst="rect">
+            <a:avLst/>
+          </a:prstGeom>
+          <a:solidFill>
+            <a:schemeClr val="bg1">
+              <a:lumMod val="75000"/>
+            </a:schemeClr>
+          </a:solidFill>
+        </p:spPr>
+        <p:style>
+          <a:lnRef idx="2">
+            <a:schemeClr val="accent1">
+              <a:shade val="50000"/>
+            </a:schemeClr>
+          </a:lnRef>
+          <a:fillRef idx="1">
+            <a:schemeClr val="accent1"/>
+          </a:fillRef>
+          <a:effectRef idx="0">
+            <a:schemeClr val="accent1"/>
+          </a:effectRef>
+          <a:fontRef idx="minor">
+            <a:schemeClr val="lt1"/>
+          </a:fontRef>
+        </p:style>
+        <p:txBody>
+          <a:bodyPr rtlCol="0" anchor="ctr"/>
+          <a:lstStyle/>
+          <a:p>
+            <a:pPr algn="ctr"/>
+            <a:r>
+              <a:rPr lang="zh-CN" altLang="en-US" dirty="0">
+                <a:solidFill>
+                  <a:schemeClr val="tx1"/>
+                </a:solidFill>
+                <a:latin typeface="微软雅黑" panose="020B0503020204020204" pitchFamily="34" charset="-122"/>
+                <a:ea typeface="微软雅黑" panose="020B0503020204020204" pitchFamily="34" charset="-122"/>
+              </a:rPr>
+              <a:t>云端调用小区平台接口</a:t>
+            </a:r>
+          </a:p>
+        </p:txBody>
+      </p:sp>
       <p:cxnSp>
         <p:nvCxnSpPr>
-          <p:cNvPr id="39" name="直接箭头连接符 38"/>
+          <p:cNvPr id="15" name="Straight Arrow Connector 14">
+            <a:extLst>
+              <a:ext uri="{FF2B5EF4-FFF2-40B4-BE49-F238E27FC236}">
+                <a16:creationId xmlns:a16="http://schemas.microsoft.com/office/drawing/2014/main" id="{761847BD-7BFD-43D1-A94C-AC57A939F59F}"/>
+              </a:ext>
+            </a:extLst>
+          </p:cNvPr>
           <p:cNvCxnSpPr>
-            <a:stCxn id="38" idx="3"/>
+            <a:stCxn id="41" idx="3"/>
             <a:endCxn id="6" idx="1"/>
           </p:cNvCxnSpPr>
           <p:nvPr/>
@@ -14515,7 +14264,7 @@
         <p:spPr>
           <a:xfrm flipV="1">
             <a:off x="1880329" y="4511525"/>
-            <a:ext cx="519674" cy="1639418"/>
+            <a:ext cx="519674" cy="884757"/>
           </a:xfrm>
           <a:prstGeom prst="straightConnector1">
             <a:avLst/>
@@ -14585,14 +14334,59 @@
         </p:blipFill>
         <p:spPr>
           <a:xfrm>
-            <a:off x="1553591" y="115411"/>
-            <a:ext cx="8327255" cy="6742590"/>
+            <a:off x="361001" y="-850232"/>
+            <a:ext cx="9519846" cy="8293769"/>
           </a:xfrm>
           <a:prstGeom prst="rect">
             <a:avLst/>
           </a:prstGeom>
         </p:spPr>
       </p:pic>
+      <p:sp>
+        <p:nvSpPr>
+          <p:cNvPr id="2" name="TextBox 1">
+            <a:extLst>
+              <a:ext uri="{FF2B5EF4-FFF2-40B4-BE49-F238E27FC236}">
+                <a16:creationId xmlns:a16="http://schemas.microsoft.com/office/drawing/2014/main" id="{29252B94-BF27-4DFF-9741-EBCCDC47F31D}"/>
+              </a:ext>
+            </a:extLst>
+          </p:cNvPr>
+          <p:cNvSpPr txBox="1"/>
+          <p:nvPr/>
+        </p:nvSpPr>
+        <p:spPr>
+          <a:xfrm>
+            <a:off x="10122568" y="1363579"/>
+            <a:ext cx="2610421" cy="646331"/>
+          </a:xfrm>
+          <a:prstGeom prst="rect">
+            <a:avLst/>
+          </a:prstGeom>
+          <a:noFill/>
+        </p:spPr>
+        <p:txBody>
+          <a:bodyPr wrap="square" rtlCol="0">
+            <a:spAutoFit/>
+          </a:bodyPr>
+          <a:lstStyle/>
+          <a:p>
+            <a:r>
+              <a:rPr lang="en-US" altLang="zh-CN" dirty="0"/>
+              <a:t>CAS</a:t>
+            </a:r>
+          </a:p>
+          <a:p>
+            <a:r>
+              <a:rPr lang="en-US" altLang="zh-CN" dirty="0"/>
+              <a:t>Demo1</a:t>
+            </a:r>
+            <a:r>
+              <a:rPr lang="zh-CN" altLang="en-US" dirty="0"/>
+              <a:t>第一次请求</a:t>
+            </a:r>
+          </a:p>
+        </p:txBody>
+      </p:sp>
     </p:spTree>
     <p:extLst>
       <p:ext uri="{BB962C8B-B14F-4D97-AF65-F5344CB8AC3E}">
@@ -14623,9 +14417,28 @@
           <a:chExt cx="0" cy="0"/>
         </a:xfrm>
       </p:grpSpPr>
+      <p:sp>
+        <p:nvSpPr>
+          <p:cNvPr id="2" name="标题 1"/>
+          <p:cNvSpPr>
+            <a:spLocks noGrp="1"/>
+          </p:cNvSpPr>
+          <p:nvPr>
+            <p:ph type="title"/>
+          </p:nvPr>
+        </p:nvSpPr>
+        <p:spPr/>
+        <p:txBody>
+          <a:bodyPr/>
+          <a:lstStyle/>
+          <a:p>
+            <a:endParaRPr lang="zh-CN" altLang="en-US"/>
+          </a:p>
+        </p:txBody>
+      </p:sp>
       <p:pic>
         <p:nvPicPr>
-          <p:cNvPr id="4" name="图片 3"/>
+          <p:cNvPr id="5" name="图片 4"/>
           <p:cNvPicPr>
             <a:picLocks noChangeAspect="1"/>
           </p:cNvPicPr>
@@ -14639,8 +14452,8 @@
         </p:blipFill>
         <p:spPr>
           <a:xfrm>
-            <a:off x="1384916" y="0"/>
-            <a:ext cx="8993080" cy="6858000"/>
+            <a:off x="494333" y="380075"/>
+            <a:ext cx="11203333" cy="6097850"/>
           </a:xfrm>
           <a:prstGeom prst="rect">
             <a:avLst/>
@@ -14650,7 +14463,7 @@
     </p:spTree>
     <p:extLst>
       <p:ext uri="{BB962C8B-B14F-4D97-AF65-F5344CB8AC3E}">
-        <p14:creationId xmlns:p14="http://schemas.microsoft.com/office/powerpoint/2010/main" val="2373511640"/>
+        <p14:creationId xmlns:p14="http://schemas.microsoft.com/office/powerpoint/2010/main" val="3589518750"/>
       </p:ext>
     </p:extLst>
   </p:cSld>
@@ -14677,28 +14490,9 @@
           <a:chExt cx="0" cy="0"/>
         </a:xfrm>
       </p:grpSpPr>
-      <p:sp>
-        <p:nvSpPr>
-          <p:cNvPr id="2" name="标题 1"/>
-          <p:cNvSpPr>
-            <a:spLocks noGrp="1"/>
-          </p:cNvSpPr>
-          <p:nvPr>
-            <p:ph type="title"/>
-          </p:nvPr>
-        </p:nvSpPr>
-        <p:spPr/>
-        <p:txBody>
-          <a:bodyPr/>
-          <a:lstStyle/>
-          <a:p>
-            <a:endParaRPr lang="zh-CN" altLang="en-US"/>
-          </a:p>
-        </p:txBody>
-      </p:sp>
       <p:pic>
         <p:nvPicPr>
-          <p:cNvPr id="5" name="图片 4"/>
+          <p:cNvPr id="4" name="图片 3"/>
           <p:cNvPicPr>
             <a:picLocks noChangeAspect="1"/>
           </p:cNvPicPr>
@@ -14712,8 +14506,8 @@
         </p:blipFill>
         <p:spPr>
           <a:xfrm>
-            <a:off x="1017452" y="1297249"/>
-            <a:ext cx="9659945" cy="5257801"/>
+            <a:off x="880041" y="-385011"/>
+            <a:ext cx="9497955" cy="7243011"/>
           </a:xfrm>
           <a:prstGeom prst="rect">
             <a:avLst/>
@@ -14723,7 +14517,7 @@
     </p:spTree>
     <p:extLst>
       <p:ext uri="{BB962C8B-B14F-4D97-AF65-F5344CB8AC3E}">
-        <p14:creationId xmlns:p14="http://schemas.microsoft.com/office/powerpoint/2010/main" val="3589518750"/>
+        <p14:creationId xmlns:p14="http://schemas.microsoft.com/office/powerpoint/2010/main" val="2373511640"/>
       </p:ext>
     </p:extLst>
   </p:cSld>

--- a/认证和鉴权.pptx
+++ b/认证和鉴权.pptx
@@ -1731,7 +1731,7 @@
           <p:cNvPr id="2" name="Title 1">
             <a:extLst>
               <a:ext uri="{FF2B5EF4-FFF2-40B4-BE49-F238E27FC236}">
-                <a16:creationId xmlns:a16="http://schemas.microsoft.com/office/drawing/2014/main" id="{5EB0512B-EE7A-44D3-9E56-E388C5DBFD88}"/>
+                <a16:creationId xmlns:a16="http://schemas.microsoft.com/office/drawing/2014/main" xmlns="" id="{5EB0512B-EE7A-44D3-9E56-E388C5DBFD88}"/>
               </a:ext>
             </a:extLst>
           </p:cNvPr>
@@ -1769,7 +1769,7 @@
           <p:cNvPr id="3" name="Subtitle 2">
             <a:extLst>
               <a:ext uri="{FF2B5EF4-FFF2-40B4-BE49-F238E27FC236}">
-                <a16:creationId xmlns:a16="http://schemas.microsoft.com/office/drawing/2014/main" id="{F922958E-A224-4558-B153-C34315AF3A34}"/>
+                <a16:creationId xmlns:a16="http://schemas.microsoft.com/office/drawing/2014/main" xmlns="" id="{F922958E-A224-4558-B153-C34315AF3A34}"/>
               </a:ext>
             </a:extLst>
           </p:cNvPr>
@@ -1840,7 +1840,7 @@
           <p:cNvPr id="4" name="Date Placeholder 3">
             <a:extLst>
               <a:ext uri="{FF2B5EF4-FFF2-40B4-BE49-F238E27FC236}">
-                <a16:creationId xmlns:a16="http://schemas.microsoft.com/office/drawing/2014/main" id="{FF832150-DA3B-457D-8639-3F714DBCE626}"/>
+                <a16:creationId xmlns:a16="http://schemas.microsoft.com/office/drawing/2014/main" xmlns="" id="{FF832150-DA3B-457D-8639-3F714DBCE626}"/>
               </a:ext>
             </a:extLst>
           </p:cNvPr>
@@ -1869,7 +1869,7 @@
           <p:cNvPr id="5" name="Footer Placeholder 4">
             <a:extLst>
               <a:ext uri="{FF2B5EF4-FFF2-40B4-BE49-F238E27FC236}">
-                <a16:creationId xmlns:a16="http://schemas.microsoft.com/office/drawing/2014/main" id="{50088A55-0B46-493A-BC02-7FE12FC88A3F}"/>
+                <a16:creationId xmlns:a16="http://schemas.microsoft.com/office/drawing/2014/main" xmlns="" id="{50088A55-0B46-493A-BC02-7FE12FC88A3F}"/>
               </a:ext>
             </a:extLst>
           </p:cNvPr>
@@ -1894,7 +1894,7 @@
           <p:cNvPr id="6" name="Slide Number Placeholder 5">
             <a:extLst>
               <a:ext uri="{FF2B5EF4-FFF2-40B4-BE49-F238E27FC236}">
-                <a16:creationId xmlns:a16="http://schemas.microsoft.com/office/drawing/2014/main" id="{D241077A-CBB1-475C-A54C-07140A9CD3A4}"/>
+                <a16:creationId xmlns:a16="http://schemas.microsoft.com/office/drawing/2014/main" xmlns="" id="{D241077A-CBB1-475C-A54C-07140A9CD3A4}"/>
               </a:ext>
             </a:extLst>
           </p:cNvPr>
@@ -1953,7 +1953,7 @@
           <p:cNvPr id="2" name="Title 1">
             <a:extLst>
               <a:ext uri="{FF2B5EF4-FFF2-40B4-BE49-F238E27FC236}">
-                <a16:creationId xmlns:a16="http://schemas.microsoft.com/office/drawing/2014/main" id="{C0481650-B5E9-46F3-8A6C-02CF073BCCEA}"/>
+                <a16:creationId xmlns:a16="http://schemas.microsoft.com/office/drawing/2014/main" xmlns="" id="{C0481650-B5E9-46F3-8A6C-02CF073BCCEA}"/>
               </a:ext>
             </a:extLst>
           </p:cNvPr>
@@ -1982,7 +1982,7 @@
           <p:cNvPr id="3" name="Content Placeholder 2">
             <a:extLst>
               <a:ext uri="{FF2B5EF4-FFF2-40B4-BE49-F238E27FC236}">
-                <a16:creationId xmlns:a16="http://schemas.microsoft.com/office/drawing/2014/main" id="{E10BADC1-B555-4995-9355-8399B85EFDFC}"/>
+                <a16:creationId xmlns:a16="http://schemas.microsoft.com/office/drawing/2014/main" xmlns="" id="{E10BADC1-B555-4995-9355-8399B85EFDFC}"/>
               </a:ext>
             </a:extLst>
           </p:cNvPr>
@@ -2040,7 +2040,7 @@
           <p:cNvPr id="4" name="Date Placeholder 3">
             <a:extLst>
               <a:ext uri="{FF2B5EF4-FFF2-40B4-BE49-F238E27FC236}">
-                <a16:creationId xmlns:a16="http://schemas.microsoft.com/office/drawing/2014/main" id="{845C2A4B-F9EF-464A-B829-6D18EC846E15}"/>
+                <a16:creationId xmlns:a16="http://schemas.microsoft.com/office/drawing/2014/main" xmlns="" id="{845C2A4B-F9EF-464A-B829-6D18EC846E15}"/>
               </a:ext>
             </a:extLst>
           </p:cNvPr>
@@ -2069,7 +2069,7 @@
           <p:cNvPr id="5" name="Footer Placeholder 4">
             <a:extLst>
               <a:ext uri="{FF2B5EF4-FFF2-40B4-BE49-F238E27FC236}">
-                <a16:creationId xmlns:a16="http://schemas.microsoft.com/office/drawing/2014/main" id="{9DA5A6E9-3093-4A84-AE1F-6C397975566B}"/>
+                <a16:creationId xmlns:a16="http://schemas.microsoft.com/office/drawing/2014/main" xmlns="" id="{9DA5A6E9-3093-4A84-AE1F-6C397975566B}"/>
               </a:ext>
             </a:extLst>
           </p:cNvPr>
@@ -2094,7 +2094,7 @@
           <p:cNvPr id="6" name="Slide Number Placeholder 5">
             <a:extLst>
               <a:ext uri="{FF2B5EF4-FFF2-40B4-BE49-F238E27FC236}">
-                <a16:creationId xmlns:a16="http://schemas.microsoft.com/office/drawing/2014/main" id="{A8A7216D-17A9-4AA8-B2AA-9393D1AC659F}"/>
+                <a16:creationId xmlns:a16="http://schemas.microsoft.com/office/drawing/2014/main" xmlns="" id="{A8A7216D-17A9-4AA8-B2AA-9393D1AC659F}"/>
               </a:ext>
             </a:extLst>
           </p:cNvPr>
@@ -2153,7 +2153,7 @@
           <p:cNvPr id="2" name="Title 1">
             <a:extLst>
               <a:ext uri="{FF2B5EF4-FFF2-40B4-BE49-F238E27FC236}">
-                <a16:creationId xmlns:a16="http://schemas.microsoft.com/office/drawing/2014/main" id="{1935C3FF-CA23-4D21-BF8F-15A3031C5C65}"/>
+                <a16:creationId xmlns:a16="http://schemas.microsoft.com/office/drawing/2014/main" xmlns="" id="{1935C3FF-CA23-4D21-BF8F-15A3031C5C65}"/>
               </a:ext>
             </a:extLst>
           </p:cNvPr>
@@ -2191,7 +2191,7 @@
           <p:cNvPr id="3" name="Text Placeholder 2">
             <a:extLst>
               <a:ext uri="{FF2B5EF4-FFF2-40B4-BE49-F238E27FC236}">
-                <a16:creationId xmlns:a16="http://schemas.microsoft.com/office/drawing/2014/main" id="{085A9EF3-FA0A-40DB-B69F-F7354C8DD83C}"/>
+                <a16:creationId xmlns:a16="http://schemas.microsoft.com/office/drawing/2014/main" xmlns="" id="{085A9EF3-FA0A-40DB-B69F-F7354C8DD83C}"/>
               </a:ext>
             </a:extLst>
           </p:cNvPr>
@@ -2316,7 +2316,7 @@
           <p:cNvPr id="4" name="Date Placeholder 3">
             <a:extLst>
               <a:ext uri="{FF2B5EF4-FFF2-40B4-BE49-F238E27FC236}">
-                <a16:creationId xmlns:a16="http://schemas.microsoft.com/office/drawing/2014/main" id="{DA103A73-0F09-4A18-9201-E1E2B0350DC0}"/>
+                <a16:creationId xmlns:a16="http://schemas.microsoft.com/office/drawing/2014/main" xmlns="" id="{DA103A73-0F09-4A18-9201-E1E2B0350DC0}"/>
               </a:ext>
             </a:extLst>
           </p:cNvPr>
@@ -2345,7 +2345,7 @@
           <p:cNvPr id="5" name="Footer Placeholder 4">
             <a:extLst>
               <a:ext uri="{FF2B5EF4-FFF2-40B4-BE49-F238E27FC236}">
-                <a16:creationId xmlns:a16="http://schemas.microsoft.com/office/drawing/2014/main" id="{402F828C-5918-4C6F-8FC8-0A6FA7375187}"/>
+                <a16:creationId xmlns:a16="http://schemas.microsoft.com/office/drawing/2014/main" xmlns="" id="{402F828C-5918-4C6F-8FC8-0A6FA7375187}"/>
               </a:ext>
             </a:extLst>
           </p:cNvPr>
@@ -2370,7 +2370,7 @@
           <p:cNvPr id="6" name="Slide Number Placeholder 5">
             <a:extLst>
               <a:ext uri="{FF2B5EF4-FFF2-40B4-BE49-F238E27FC236}">
-                <a16:creationId xmlns:a16="http://schemas.microsoft.com/office/drawing/2014/main" id="{CD9136A1-C461-40BC-B20A-0BAE5C77A0E2}"/>
+                <a16:creationId xmlns:a16="http://schemas.microsoft.com/office/drawing/2014/main" xmlns="" id="{CD9136A1-C461-40BC-B20A-0BAE5C77A0E2}"/>
               </a:ext>
             </a:extLst>
           </p:cNvPr>
@@ -2559,7 +2559,7 @@
           <p:cNvPr id="2" name="Title 1">
             <a:extLst>
               <a:ext uri="{FF2B5EF4-FFF2-40B4-BE49-F238E27FC236}">
-                <a16:creationId xmlns:a16="http://schemas.microsoft.com/office/drawing/2014/main" id="{70039E68-71BF-4D9C-BD79-5E881919F270}"/>
+                <a16:creationId xmlns:a16="http://schemas.microsoft.com/office/drawing/2014/main" xmlns="" id="{70039E68-71BF-4D9C-BD79-5E881919F270}"/>
               </a:ext>
             </a:extLst>
           </p:cNvPr>
@@ -2588,7 +2588,7 @@
           <p:cNvPr id="3" name="Content Placeholder 2">
             <a:extLst>
               <a:ext uri="{FF2B5EF4-FFF2-40B4-BE49-F238E27FC236}">
-                <a16:creationId xmlns:a16="http://schemas.microsoft.com/office/drawing/2014/main" id="{CB9ACF0D-DAE7-40BF-935F-778E3CD41BFD}"/>
+                <a16:creationId xmlns:a16="http://schemas.microsoft.com/office/drawing/2014/main" xmlns="" id="{CB9ACF0D-DAE7-40BF-935F-778E3CD41BFD}"/>
               </a:ext>
             </a:extLst>
           </p:cNvPr>
@@ -2651,7 +2651,7 @@
           <p:cNvPr id="4" name="Content Placeholder 3">
             <a:extLst>
               <a:ext uri="{FF2B5EF4-FFF2-40B4-BE49-F238E27FC236}">
-                <a16:creationId xmlns:a16="http://schemas.microsoft.com/office/drawing/2014/main" id="{1916A04C-FAA7-4DF4-B990-3E01EB25CD63}"/>
+                <a16:creationId xmlns:a16="http://schemas.microsoft.com/office/drawing/2014/main" xmlns="" id="{1916A04C-FAA7-4DF4-B990-3E01EB25CD63}"/>
               </a:ext>
             </a:extLst>
           </p:cNvPr>
@@ -2714,7 +2714,7 @@
           <p:cNvPr id="5" name="Date Placeholder 4">
             <a:extLst>
               <a:ext uri="{FF2B5EF4-FFF2-40B4-BE49-F238E27FC236}">
-                <a16:creationId xmlns:a16="http://schemas.microsoft.com/office/drawing/2014/main" id="{3270E0C0-EA87-4BC4-B278-85742AD00798}"/>
+                <a16:creationId xmlns:a16="http://schemas.microsoft.com/office/drawing/2014/main" xmlns="" id="{3270E0C0-EA87-4BC4-B278-85742AD00798}"/>
               </a:ext>
             </a:extLst>
           </p:cNvPr>
@@ -2743,7 +2743,7 @@
           <p:cNvPr id="6" name="Footer Placeholder 5">
             <a:extLst>
               <a:ext uri="{FF2B5EF4-FFF2-40B4-BE49-F238E27FC236}">
-                <a16:creationId xmlns:a16="http://schemas.microsoft.com/office/drawing/2014/main" id="{24A30CC3-60F7-4DA5-84CA-31E2F90121E7}"/>
+                <a16:creationId xmlns:a16="http://schemas.microsoft.com/office/drawing/2014/main" xmlns="" id="{24A30CC3-60F7-4DA5-84CA-31E2F90121E7}"/>
               </a:ext>
             </a:extLst>
           </p:cNvPr>
@@ -2768,7 +2768,7 @@
           <p:cNvPr id="7" name="Slide Number Placeholder 6">
             <a:extLst>
               <a:ext uri="{FF2B5EF4-FFF2-40B4-BE49-F238E27FC236}">
-                <a16:creationId xmlns:a16="http://schemas.microsoft.com/office/drawing/2014/main" id="{C2B009CD-6A02-42A3-B269-B92301A85FDC}"/>
+                <a16:creationId xmlns:a16="http://schemas.microsoft.com/office/drawing/2014/main" xmlns="" id="{C2B009CD-6A02-42A3-B269-B92301A85FDC}"/>
               </a:ext>
             </a:extLst>
           </p:cNvPr>
@@ -2827,7 +2827,7 @@
           <p:cNvPr id="2" name="Title 1">
             <a:extLst>
               <a:ext uri="{FF2B5EF4-FFF2-40B4-BE49-F238E27FC236}">
-                <a16:creationId xmlns:a16="http://schemas.microsoft.com/office/drawing/2014/main" id="{01AEED17-0ABF-4811-B859-675B8903AFF1}"/>
+                <a16:creationId xmlns:a16="http://schemas.microsoft.com/office/drawing/2014/main" xmlns="" id="{01AEED17-0ABF-4811-B859-675B8903AFF1}"/>
               </a:ext>
             </a:extLst>
           </p:cNvPr>
@@ -2861,7 +2861,7 @@
           <p:cNvPr id="3" name="Text Placeholder 2">
             <a:extLst>
               <a:ext uri="{FF2B5EF4-FFF2-40B4-BE49-F238E27FC236}">
-                <a16:creationId xmlns:a16="http://schemas.microsoft.com/office/drawing/2014/main" id="{40F8E764-3009-42A3-82C0-D270ADEA8615}"/>
+                <a16:creationId xmlns:a16="http://schemas.microsoft.com/office/drawing/2014/main" xmlns="" id="{40F8E764-3009-42A3-82C0-D270ADEA8615}"/>
               </a:ext>
             </a:extLst>
           </p:cNvPr>
@@ -2932,7 +2932,7 @@
           <p:cNvPr id="4" name="Content Placeholder 3">
             <a:extLst>
               <a:ext uri="{FF2B5EF4-FFF2-40B4-BE49-F238E27FC236}">
-                <a16:creationId xmlns:a16="http://schemas.microsoft.com/office/drawing/2014/main" id="{E4DCFEDD-D7D2-42AF-B039-F3360FB90AAD}"/>
+                <a16:creationId xmlns:a16="http://schemas.microsoft.com/office/drawing/2014/main" xmlns="" id="{E4DCFEDD-D7D2-42AF-B039-F3360FB90AAD}"/>
               </a:ext>
             </a:extLst>
           </p:cNvPr>
@@ -2995,7 +2995,7 @@
           <p:cNvPr id="5" name="Text Placeholder 4">
             <a:extLst>
               <a:ext uri="{FF2B5EF4-FFF2-40B4-BE49-F238E27FC236}">
-                <a16:creationId xmlns:a16="http://schemas.microsoft.com/office/drawing/2014/main" id="{EED0B52C-1A13-4A24-A5D1-630A5D1E20FC}"/>
+                <a16:creationId xmlns:a16="http://schemas.microsoft.com/office/drawing/2014/main" xmlns="" id="{EED0B52C-1A13-4A24-A5D1-630A5D1E20FC}"/>
               </a:ext>
             </a:extLst>
           </p:cNvPr>
@@ -3066,7 +3066,7 @@
           <p:cNvPr id="6" name="Content Placeholder 5">
             <a:extLst>
               <a:ext uri="{FF2B5EF4-FFF2-40B4-BE49-F238E27FC236}">
-                <a16:creationId xmlns:a16="http://schemas.microsoft.com/office/drawing/2014/main" id="{B9B47FB2-AE94-4F33-9ABC-AE5316DA2FD1}"/>
+                <a16:creationId xmlns:a16="http://schemas.microsoft.com/office/drawing/2014/main" xmlns="" id="{B9B47FB2-AE94-4F33-9ABC-AE5316DA2FD1}"/>
               </a:ext>
             </a:extLst>
           </p:cNvPr>
@@ -3129,7 +3129,7 @@
           <p:cNvPr id="7" name="Date Placeholder 6">
             <a:extLst>
               <a:ext uri="{FF2B5EF4-FFF2-40B4-BE49-F238E27FC236}">
-                <a16:creationId xmlns:a16="http://schemas.microsoft.com/office/drawing/2014/main" id="{E9FC1841-B6EE-4080-9998-C8CEF71BD1C4}"/>
+                <a16:creationId xmlns:a16="http://schemas.microsoft.com/office/drawing/2014/main" xmlns="" id="{E9FC1841-B6EE-4080-9998-C8CEF71BD1C4}"/>
               </a:ext>
             </a:extLst>
           </p:cNvPr>
@@ -3158,7 +3158,7 @@
           <p:cNvPr id="8" name="Footer Placeholder 7">
             <a:extLst>
               <a:ext uri="{FF2B5EF4-FFF2-40B4-BE49-F238E27FC236}">
-                <a16:creationId xmlns:a16="http://schemas.microsoft.com/office/drawing/2014/main" id="{EDB1B725-E9A9-4474-A657-6825C81BB6D0}"/>
+                <a16:creationId xmlns:a16="http://schemas.microsoft.com/office/drawing/2014/main" xmlns="" id="{EDB1B725-E9A9-4474-A657-6825C81BB6D0}"/>
               </a:ext>
             </a:extLst>
           </p:cNvPr>
@@ -3183,7 +3183,7 @@
           <p:cNvPr id="9" name="Slide Number Placeholder 8">
             <a:extLst>
               <a:ext uri="{FF2B5EF4-FFF2-40B4-BE49-F238E27FC236}">
-                <a16:creationId xmlns:a16="http://schemas.microsoft.com/office/drawing/2014/main" id="{7F3AE495-AF87-477B-B27A-ABA776E6D245}"/>
+                <a16:creationId xmlns:a16="http://schemas.microsoft.com/office/drawing/2014/main" xmlns="" id="{7F3AE495-AF87-477B-B27A-ABA776E6D245}"/>
               </a:ext>
             </a:extLst>
           </p:cNvPr>
@@ -3242,7 +3242,7 @@
           <p:cNvPr id="2" name="Title 1">
             <a:extLst>
               <a:ext uri="{FF2B5EF4-FFF2-40B4-BE49-F238E27FC236}">
-                <a16:creationId xmlns:a16="http://schemas.microsoft.com/office/drawing/2014/main" id="{27E944B0-2B47-4F2B-9ADB-C0FA8835E85F}"/>
+                <a16:creationId xmlns:a16="http://schemas.microsoft.com/office/drawing/2014/main" xmlns="" id="{27E944B0-2B47-4F2B-9ADB-C0FA8835E85F}"/>
               </a:ext>
             </a:extLst>
           </p:cNvPr>
@@ -3271,7 +3271,7 @@
           <p:cNvPr id="3" name="Date Placeholder 2">
             <a:extLst>
               <a:ext uri="{FF2B5EF4-FFF2-40B4-BE49-F238E27FC236}">
-                <a16:creationId xmlns:a16="http://schemas.microsoft.com/office/drawing/2014/main" id="{A1849522-8818-4FCB-9637-7CACCCDD1289}"/>
+                <a16:creationId xmlns:a16="http://schemas.microsoft.com/office/drawing/2014/main" xmlns="" id="{A1849522-8818-4FCB-9637-7CACCCDD1289}"/>
               </a:ext>
             </a:extLst>
           </p:cNvPr>
@@ -3300,7 +3300,7 @@
           <p:cNvPr id="4" name="Footer Placeholder 3">
             <a:extLst>
               <a:ext uri="{FF2B5EF4-FFF2-40B4-BE49-F238E27FC236}">
-                <a16:creationId xmlns:a16="http://schemas.microsoft.com/office/drawing/2014/main" id="{32F5B878-6D5A-4EF8-809A-E2E5A0186865}"/>
+                <a16:creationId xmlns:a16="http://schemas.microsoft.com/office/drawing/2014/main" xmlns="" id="{32F5B878-6D5A-4EF8-809A-E2E5A0186865}"/>
               </a:ext>
             </a:extLst>
           </p:cNvPr>
@@ -3325,7 +3325,7 @@
           <p:cNvPr id="5" name="Slide Number Placeholder 4">
             <a:extLst>
               <a:ext uri="{FF2B5EF4-FFF2-40B4-BE49-F238E27FC236}">
-                <a16:creationId xmlns:a16="http://schemas.microsoft.com/office/drawing/2014/main" id="{5DDDC3DE-9506-4E37-B8FE-6AF544AC94A7}"/>
+                <a16:creationId xmlns:a16="http://schemas.microsoft.com/office/drawing/2014/main" xmlns="" id="{5DDDC3DE-9506-4E37-B8FE-6AF544AC94A7}"/>
               </a:ext>
             </a:extLst>
           </p:cNvPr>
@@ -3384,7 +3384,7 @@
           <p:cNvPr id="2" name="Date Placeholder 1">
             <a:extLst>
               <a:ext uri="{FF2B5EF4-FFF2-40B4-BE49-F238E27FC236}">
-                <a16:creationId xmlns:a16="http://schemas.microsoft.com/office/drawing/2014/main" id="{143BEAEE-7A49-4289-BC6C-A9C57C505B00}"/>
+                <a16:creationId xmlns:a16="http://schemas.microsoft.com/office/drawing/2014/main" xmlns="" id="{143BEAEE-7A49-4289-BC6C-A9C57C505B00}"/>
               </a:ext>
             </a:extLst>
           </p:cNvPr>
@@ -3413,7 +3413,7 @@
           <p:cNvPr id="3" name="Footer Placeholder 2">
             <a:extLst>
               <a:ext uri="{FF2B5EF4-FFF2-40B4-BE49-F238E27FC236}">
-                <a16:creationId xmlns:a16="http://schemas.microsoft.com/office/drawing/2014/main" id="{F55DBDF6-F40D-40F3-AC62-0B0C6000F522}"/>
+                <a16:creationId xmlns:a16="http://schemas.microsoft.com/office/drawing/2014/main" xmlns="" id="{F55DBDF6-F40D-40F3-AC62-0B0C6000F522}"/>
               </a:ext>
             </a:extLst>
           </p:cNvPr>
@@ -3438,7 +3438,7 @@
           <p:cNvPr id="4" name="Slide Number Placeholder 3">
             <a:extLst>
               <a:ext uri="{FF2B5EF4-FFF2-40B4-BE49-F238E27FC236}">
-                <a16:creationId xmlns:a16="http://schemas.microsoft.com/office/drawing/2014/main" id="{81A3293B-DBCA-4D3C-8AA4-DA417003036E}"/>
+                <a16:creationId xmlns:a16="http://schemas.microsoft.com/office/drawing/2014/main" xmlns="" id="{81A3293B-DBCA-4D3C-8AA4-DA417003036E}"/>
               </a:ext>
             </a:extLst>
           </p:cNvPr>
@@ -3497,7 +3497,7 @@
           <p:cNvPr id="2" name="Title 1">
             <a:extLst>
               <a:ext uri="{FF2B5EF4-FFF2-40B4-BE49-F238E27FC236}">
-                <a16:creationId xmlns:a16="http://schemas.microsoft.com/office/drawing/2014/main" id="{7E352EF7-0E4B-43F9-BB5D-ACB581B00CE3}"/>
+                <a16:creationId xmlns:a16="http://schemas.microsoft.com/office/drawing/2014/main" xmlns="" id="{7E352EF7-0E4B-43F9-BB5D-ACB581B00CE3}"/>
               </a:ext>
             </a:extLst>
           </p:cNvPr>
@@ -3535,7 +3535,7 @@
           <p:cNvPr id="3" name="Content Placeholder 2">
             <a:extLst>
               <a:ext uri="{FF2B5EF4-FFF2-40B4-BE49-F238E27FC236}">
-                <a16:creationId xmlns:a16="http://schemas.microsoft.com/office/drawing/2014/main" id="{46FA8D2B-1142-4A59-8587-BD0AD6765344}"/>
+                <a16:creationId xmlns:a16="http://schemas.microsoft.com/office/drawing/2014/main" xmlns="" id="{46FA8D2B-1142-4A59-8587-BD0AD6765344}"/>
               </a:ext>
             </a:extLst>
           </p:cNvPr>
@@ -3626,7 +3626,7 @@
           <p:cNvPr id="4" name="Text Placeholder 3">
             <a:extLst>
               <a:ext uri="{FF2B5EF4-FFF2-40B4-BE49-F238E27FC236}">
-                <a16:creationId xmlns:a16="http://schemas.microsoft.com/office/drawing/2014/main" id="{F83D819B-B6E4-47B7-8220-FB76E566B818}"/>
+                <a16:creationId xmlns:a16="http://schemas.microsoft.com/office/drawing/2014/main" xmlns="" id="{F83D819B-B6E4-47B7-8220-FB76E566B818}"/>
               </a:ext>
             </a:extLst>
           </p:cNvPr>
@@ -3697,7 +3697,7 @@
           <p:cNvPr id="5" name="Date Placeholder 4">
             <a:extLst>
               <a:ext uri="{FF2B5EF4-FFF2-40B4-BE49-F238E27FC236}">
-                <a16:creationId xmlns:a16="http://schemas.microsoft.com/office/drawing/2014/main" id="{0DE6DA15-59D2-4263-90A7-4A4AC19B938F}"/>
+                <a16:creationId xmlns:a16="http://schemas.microsoft.com/office/drawing/2014/main" xmlns="" id="{0DE6DA15-59D2-4263-90A7-4A4AC19B938F}"/>
               </a:ext>
             </a:extLst>
           </p:cNvPr>
@@ -3726,7 +3726,7 @@
           <p:cNvPr id="6" name="Footer Placeholder 5">
             <a:extLst>
               <a:ext uri="{FF2B5EF4-FFF2-40B4-BE49-F238E27FC236}">
-                <a16:creationId xmlns:a16="http://schemas.microsoft.com/office/drawing/2014/main" id="{F398875F-266A-43E0-8077-C082A3ABDCEA}"/>
+                <a16:creationId xmlns:a16="http://schemas.microsoft.com/office/drawing/2014/main" xmlns="" id="{F398875F-266A-43E0-8077-C082A3ABDCEA}"/>
               </a:ext>
             </a:extLst>
           </p:cNvPr>
@@ -3751,7 +3751,7 @@
           <p:cNvPr id="7" name="Slide Number Placeholder 6">
             <a:extLst>
               <a:ext uri="{FF2B5EF4-FFF2-40B4-BE49-F238E27FC236}">
-                <a16:creationId xmlns:a16="http://schemas.microsoft.com/office/drawing/2014/main" id="{A3536064-37ED-46E5-B9F3-6C6B09A37641}"/>
+                <a16:creationId xmlns:a16="http://schemas.microsoft.com/office/drawing/2014/main" xmlns="" id="{A3536064-37ED-46E5-B9F3-6C6B09A37641}"/>
               </a:ext>
             </a:extLst>
           </p:cNvPr>
@@ -3810,7 +3810,7 @@
           <p:cNvPr id="2" name="Title 1">
             <a:extLst>
               <a:ext uri="{FF2B5EF4-FFF2-40B4-BE49-F238E27FC236}">
-                <a16:creationId xmlns:a16="http://schemas.microsoft.com/office/drawing/2014/main" id="{F9E93CDA-DFF0-42DB-AC7D-C1699B5C529C}"/>
+                <a16:creationId xmlns:a16="http://schemas.microsoft.com/office/drawing/2014/main" xmlns="" id="{F9E93CDA-DFF0-42DB-AC7D-C1699B5C529C}"/>
               </a:ext>
             </a:extLst>
           </p:cNvPr>
@@ -3848,7 +3848,7 @@
           <p:cNvPr id="3" name="Picture Placeholder 2">
             <a:extLst>
               <a:ext uri="{FF2B5EF4-FFF2-40B4-BE49-F238E27FC236}">
-                <a16:creationId xmlns:a16="http://schemas.microsoft.com/office/drawing/2014/main" id="{14D5C58A-8C31-433C-84DC-733D538D42A0}"/>
+                <a16:creationId xmlns:a16="http://schemas.microsoft.com/office/drawing/2014/main" xmlns="" id="{14D5C58A-8C31-433C-84DC-733D538D42A0}"/>
               </a:ext>
             </a:extLst>
           </p:cNvPr>
@@ -3915,7 +3915,7 @@
           <p:cNvPr id="4" name="Text Placeholder 3">
             <a:extLst>
               <a:ext uri="{FF2B5EF4-FFF2-40B4-BE49-F238E27FC236}">
-                <a16:creationId xmlns:a16="http://schemas.microsoft.com/office/drawing/2014/main" id="{7CA9AA71-027B-47DF-94FF-5654384CD125}"/>
+                <a16:creationId xmlns:a16="http://schemas.microsoft.com/office/drawing/2014/main" xmlns="" id="{7CA9AA71-027B-47DF-94FF-5654384CD125}"/>
               </a:ext>
             </a:extLst>
           </p:cNvPr>
@@ -3986,7 +3986,7 @@
           <p:cNvPr id="5" name="Date Placeholder 4">
             <a:extLst>
               <a:ext uri="{FF2B5EF4-FFF2-40B4-BE49-F238E27FC236}">
-                <a16:creationId xmlns:a16="http://schemas.microsoft.com/office/drawing/2014/main" id="{8A53601C-ED5E-4337-82FF-A8231C21B137}"/>
+                <a16:creationId xmlns:a16="http://schemas.microsoft.com/office/drawing/2014/main" xmlns="" id="{8A53601C-ED5E-4337-82FF-A8231C21B137}"/>
               </a:ext>
             </a:extLst>
           </p:cNvPr>
@@ -4015,7 +4015,7 @@
           <p:cNvPr id="6" name="Footer Placeholder 5">
             <a:extLst>
               <a:ext uri="{FF2B5EF4-FFF2-40B4-BE49-F238E27FC236}">
-                <a16:creationId xmlns:a16="http://schemas.microsoft.com/office/drawing/2014/main" id="{90C2608A-B36D-4CF6-BA53-4E2B816ABC2A}"/>
+                <a16:creationId xmlns:a16="http://schemas.microsoft.com/office/drawing/2014/main" xmlns="" id="{90C2608A-B36D-4CF6-BA53-4E2B816ABC2A}"/>
               </a:ext>
             </a:extLst>
           </p:cNvPr>
@@ -4040,7 +4040,7 @@
           <p:cNvPr id="7" name="Slide Number Placeholder 6">
             <a:extLst>
               <a:ext uri="{FF2B5EF4-FFF2-40B4-BE49-F238E27FC236}">
-                <a16:creationId xmlns:a16="http://schemas.microsoft.com/office/drawing/2014/main" id="{97B7F04A-0976-49D4-8467-46303F58EA2F}"/>
+                <a16:creationId xmlns:a16="http://schemas.microsoft.com/office/drawing/2014/main" xmlns="" id="{97B7F04A-0976-49D4-8467-46303F58EA2F}"/>
               </a:ext>
             </a:extLst>
           </p:cNvPr>
@@ -4099,7 +4099,7 @@
           <p:cNvPr id="2" name="Title 1">
             <a:extLst>
               <a:ext uri="{FF2B5EF4-FFF2-40B4-BE49-F238E27FC236}">
-                <a16:creationId xmlns:a16="http://schemas.microsoft.com/office/drawing/2014/main" id="{50755600-4CE6-48D8-B850-6B6BE47801B9}"/>
+                <a16:creationId xmlns:a16="http://schemas.microsoft.com/office/drawing/2014/main" xmlns="" id="{50755600-4CE6-48D8-B850-6B6BE47801B9}"/>
               </a:ext>
             </a:extLst>
           </p:cNvPr>
@@ -4128,7 +4128,7 @@
           <p:cNvPr id="3" name="Vertical Text Placeholder 2">
             <a:extLst>
               <a:ext uri="{FF2B5EF4-FFF2-40B4-BE49-F238E27FC236}">
-                <a16:creationId xmlns:a16="http://schemas.microsoft.com/office/drawing/2014/main" id="{05C92C3D-23BE-4FCC-9543-39D8FC388D5E}"/>
+                <a16:creationId xmlns:a16="http://schemas.microsoft.com/office/drawing/2014/main" xmlns="" id="{05C92C3D-23BE-4FCC-9543-39D8FC388D5E}"/>
               </a:ext>
             </a:extLst>
           </p:cNvPr>
@@ -4186,7 +4186,7 @@
           <p:cNvPr id="4" name="Date Placeholder 3">
             <a:extLst>
               <a:ext uri="{FF2B5EF4-FFF2-40B4-BE49-F238E27FC236}">
-                <a16:creationId xmlns:a16="http://schemas.microsoft.com/office/drawing/2014/main" id="{E97D6127-66B8-403F-A70B-3AD1B5C31045}"/>
+                <a16:creationId xmlns:a16="http://schemas.microsoft.com/office/drawing/2014/main" xmlns="" id="{E97D6127-66B8-403F-A70B-3AD1B5C31045}"/>
               </a:ext>
             </a:extLst>
           </p:cNvPr>
@@ -4215,7 +4215,7 @@
           <p:cNvPr id="5" name="Footer Placeholder 4">
             <a:extLst>
               <a:ext uri="{FF2B5EF4-FFF2-40B4-BE49-F238E27FC236}">
-                <a16:creationId xmlns:a16="http://schemas.microsoft.com/office/drawing/2014/main" id="{C73D3A01-335F-4672-A128-BE75B9BBF4BF}"/>
+                <a16:creationId xmlns:a16="http://schemas.microsoft.com/office/drawing/2014/main" xmlns="" id="{C73D3A01-335F-4672-A128-BE75B9BBF4BF}"/>
               </a:ext>
             </a:extLst>
           </p:cNvPr>
@@ -4240,7 +4240,7 @@
           <p:cNvPr id="6" name="Slide Number Placeholder 5">
             <a:extLst>
               <a:ext uri="{FF2B5EF4-FFF2-40B4-BE49-F238E27FC236}">
-                <a16:creationId xmlns:a16="http://schemas.microsoft.com/office/drawing/2014/main" id="{1942E5AE-34D7-4049-BB8D-F5B9A53BFCEA}"/>
+                <a16:creationId xmlns:a16="http://schemas.microsoft.com/office/drawing/2014/main" xmlns="" id="{1942E5AE-34D7-4049-BB8D-F5B9A53BFCEA}"/>
               </a:ext>
             </a:extLst>
           </p:cNvPr>
@@ -4299,7 +4299,7 @@
           <p:cNvPr id="2" name="Vertical Title 1">
             <a:extLst>
               <a:ext uri="{FF2B5EF4-FFF2-40B4-BE49-F238E27FC236}">
-                <a16:creationId xmlns:a16="http://schemas.microsoft.com/office/drawing/2014/main" id="{D61CCF7F-9A8C-4CCB-BF8A-730F7D91FA11}"/>
+                <a16:creationId xmlns:a16="http://schemas.microsoft.com/office/drawing/2014/main" xmlns="" id="{D61CCF7F-9A8C-4CCB-BF8A-730F7D91FA11}"/>
               </a:ext>
             </a:extLst>
           </p:cNvPr>
@@ -4333,7 +4333,7 @@
           <p:cNvPr id="3" name="Vertical Text Placeholder 2">
             <a:extLst>
               <a:ext uri="{FF2B5EF4-FFF2-40B4-BE49-F238E27FC236}">
-                <a16:creationId xmlns:a16="http://schemas.microsoft.com/office/drawing/2014/main" id="{C0651FEB-C548-40A9-B19C-D5D1D4A18858}"/>
+                <a16:creationId xmlns:a16="http://schemas.microsoft.com/office/drawing/2014/main" xmlns="" id="{C0651FEB-C548-40A9-B19C-D5D1D4A18858}"/>
               </a:ext>
             </a:extLst>
           </p:cNvPr>
@@ -4396,7 +4396,7 @@
           <p:cNvPr id="4" name="Date Placeholder 3">
             <a:extLst>
               <a:ext uri="{FF2B5EF4-FFF2-40B4-BE49-F238E27FC236}">
-                <a16:creationId xmlns:a16="http://schemas.microsoft.com/office/drawing/2014/main" id="{B3A8ED2F-37E8-4578-9905-792CD038B6DE}"/>
+                <a16:creationId xmlns:a16="http://schemas.microsoft.com/office/drawing/2014/main" xmlns="" id="{B3A8ED2F-37E8-4578-9905-792CD038B6DE}"/>
               </a:ext>
             </a:extLst>
           </p:cNvPr>
@@ -4425,7 +4425,7 @@
           <p:cNvPr id="5" name="Footer Placeholder 4">
             <a:extLst>
               <a:ext uri="{FF2B5EF4-FFF2-40B4-BE49-F238E27FC236}">
-                <a16:creationId xmlns:a16="http://schemas.microsoft.com/office/drawing/2014/main" id="{FAFAB0A8-D9BC-4586-B60A-8B2BA95665B9}"/>
+                <a16:creationId xmlns:a16="http://schemas.microsoft.com/office/drawing/2014/main" xmlns="" id="{FAFAB0A8-D9BC-4586-B60A-8B2BA95665B9}"/>
               </a:ext>
             </a:extLst>
           </p:cNvPr>
@@ -4450,7 +4450,7 @@
           <p:cNvPr id="6" name="Slide Number Placeholder 5">
             <a:extLst>
               <a:ext uri="{FF2B5EF4-FFF2-40B4-BE49-F238E27FC236}">
-                <a16:creationId xmlns:a16="http://schemas.microsoft.com/office/drawing/2014/main" id="{B3434EB1-B581-4EE5-91E7-B2EC3EAE7B9A}"/>
+                <a16:creationId xmlns:a16="http://schemas.microsoft.com/office/drawing/2014/main" xmlns="" id="{B3434EB1-B581-4EE5-91E7-B2EC3EAE7B9A}"/>
               </a:ext>
             </a:extLst>
           </p:cNvPr>
@@ -4869,7 +4869,7 @@
           <a:graphicData uri="http://schemas.openxmlformats.org/presentationml/2006/ole">
             <mc:AlternateContent xmlns:mc="http://schemas.openxmlformats.org/markup-compatibility/2006">
               <mc:Choice xmlns:v="urn:schemas-microsoft-com:vml" Requires="v">
-                <p:oleObj spid="_x0000_s2106" name="Picture" r:id="rId4" imgW="1746885" imgH="548005" progId="Word.Picture.8">
+                <p:oleObj spid="_x0000_s2107" name="Picture" r:id="rId4" imgW="1746885" imgH="548005" progId="Word.Picture.8">
                   <p:embed/>
                 </p:oleObj>
               </mc:Choice>
@@ -6500,7 +6500,7 @@
           <p:cNvPr id="2" name="Title Placeholder 1">
             <a:extLst>
               <a:ext uri="{FF2B5EF4-FFF2-40B4-BE49-F238E27FC236}">
-                <a16:creationId xmlns:a16="http://schemas.microsoft.com/office/drawing/2014/main" id="{1F3EFEB8-830E-4D51-83DF-54540A78C732}"/>
+                <a16:creationId xmlns:a16="http://schemas.microsoft.com/office/drawing/2014/main" xmlns="" id="{1F3EFEB8-830E-4D51-83DF-54540A78C732}"/>
               </a:ext>
             </a:extLst>
           </p:cNvPr>
@@ -6539,7 +6539,7 @@
           <p:cNvPr id="3" name="Text Placeholder 2">
             <a:extLst>
               <a:ext uri="{FF2B5EF4-FFF2-40B4-BE49-F238E27FC236}">
-                <a16:creationId xmlns:a16="http://schemas.microsoft.com/office/drawing/2014/main" id="{D7494CA2-787E-4A8E-86BC-63884D9AE165}"/>
+                <a16:creationId xmlns:a16="http://schemas.microsoft.com/office/drawing/2014/main" xmlns="" id="{D7494CA2-787E-4A8E-86BC-63884D9AE165}"/>
               </a:ext>
             </a:extLst>
           </p:cNvPr>
@@ -6607,7 +6607,7 @@
           <p:cNvPr id="4" name="Date Placeholder 3">
             <a:extLst>
               <a:ext uri="{FF2B5EF4-FFF2-40B4-BE49-F238E27FC236}">
-                <a16:creationId xmlns:a16="http://schemas.microsoft.com/office/drawing/2014/main" id="{A627B2BF-8C06-473A-A7C3-CABEE0080C64}"/>
+                <a16:creationId xmlns:a16="http://schemas.microsoft.com/office/drawing/2014/main" xmlns="" id="{A627B2BF-8C06-473A-A7C3-CABEE0080C64}"/>
               </a:ext>
             </a:extLst>
           </p:cNvPr>
@@ -6654,7 +6654,7 @@
           <p:cNvPr id="5" name="Footer Placeholder 4">
             <a:extLst>
               <a:ext uri="{FF2B5EF4-FFF2-40B4-BE49-F238E27FC236}">
-                <a16:creationId xmlns:a16="http://schemas.microsoft.com/office/drawing/2014/main" id="{0F147EDE-5A8D-40E5-8366-D29A4AF8FD55}"/>
+                <a16:creationId xmlns:a16="http://schemas.microsoft.com/office/drawing/2014/main" xmlns="" id="{0F147EDE-5A8D-40E5-8366-D29A4AF8FD55}"/>
               </a:ext>
             </a:extLst>
           </p:cNvPr>
@@ -6697,7 +6697,7 @@
           <p:cNvPr id="6" name="Slide Number Placeholder 5">
             <a:extLst>
               <a:ext uri="{FF2B5EF4-FFF2-40B4-BE49-F238E27FC236}">
-                <a16:creationId xmlns:a16="http://schemas.microsoft.com/office/drawing/2014/main" id="{26C0F48B-FAA3-403B-B486-FB04C91E6E2A}"/>
+                <a16:creationId xmlns:a16="http://schemas.microsoft.com/office/drawing/2014/main" xmlns="" id="{26C0F48B-FAA3-403B-B486-FB04C91E6E2A}"/>
               </a:ext>
             </a:extLst>
           </p:cNvPr>
@@ -7659,21 +7659,21 @@
                 <a:gridCol w="2237568">
                   <a:extLst>
                     <a:ext uri="{9D8B030D-6E8A-4147-A177-3AD203B41FA5}">
-                      <a16:colId xmlns:a16="http://schemas.microsoft.com/office/drawing/2014/main" val="3401234340"/>
+                      <a16:colId xmlns:a16="http://schemas.microsoft.com/office/drawing/2014/main" xmlns="" val="3401234340"/>
                     </a:ext>
                   </a:extLst>
                 </a:gridCol>
                 <a:gridCol w="4734024">
                   <a:extLst>
                     <a:ext uri="{9D8B030D-6E8A-4147-A177-3AD203B41FA5}">
-                      <a16:colId xmlns:a16="http://schemas.microsoft.com/office/drawing/2014/main" val="3695358523"/>
+                      <a16:colId xmlns:a16="http://schemas.microsoft.com/office/drawing/2014/main" xmlns="" val="3695358523"/>
                     </a:ext>
                   </a:extLst>
                 </a:gridCol>
                 <a:gridCol w="4044675">
                   <a:extLst>
                     <a:ext uri="{9D8B030D-6E8A-4147-A177-3AD203B41FA5}">
-                      <a16:colId xmlns:a16="http://schemas.microsoft.com/office/drawing/2014/main" val="3415886611"/>
+                      <a16:colId xmlns:a16="http://schemas.microsoft.com/office/drawing/2014/main" xmlns="" val="3415886611"/>
                     </a:ext>
                   </a:extLst>
                 </a:gridCol>
@@ -7860,7 +7860,7 @@
                 </a:tc>
                 <a:extLst>
                   <a:ext uri="{0D108BD9-81ED-4DB2-BD59-A6C34878D82A}">
-                    <a16:rowId xmlns:a16="http://schemas.microsoft.com/office/drawing/2014/main" val="2468360898"/>
+                    <a16:rowId xmlns:a16="http://schemas.microsoft.com/office/drawing/2014/main" xmlns="" val="2468360898"/>
                   </a:ext>
                 </a:extLst>
               </a:tr>
@@ -8065,7 +8065,7 @@
                 </a:tc>
                 <a:extLst>
                   <a:ext uri="{0D108BD9-81ED-4DB2-BD59-A6C34878D82A}">
-                    <a16:rowId xmlns:a16="http://schemas.microsoft.com/office/drawing/2014/main" val="482276122"/>
+                    <a16:rowId xmlns:a16="http://schemas.microsoft.com/office/drawing/2014/main" xmlns="" val="482276122"/>
                   </a:ext>
                 </a:extLst>
               </a:tr>
@@ -8879,7 +8879,7 @@
                 </a:tc>
                 <a:extLst>
                   <a:ext uri="{0D108BD9-81ED-4DB2-BD59-A6C34878D82A}">
-                    <a16:rowId xmlns:a16="http://schemas.microsoft.com/office/drawing/2014/main" val="2326205148"/>
+                    <a16:rowId xmlns:a16="http://schemas.microsoft.com/office/drawing/2014/main" xmlns="" val="2326205148"/>
                   </a:ext>
                 </a:extLst>
               </a:tr>
@@ -9014,7 +9014,7 @@
                 </a:tc>
                 <a:extLst>
                   <a:ext uri="{0D108BD9-81ED-4DB2-BD59-A6C34878D82A}">
-                    <a16:rowId xmlns:a16="http://schemas.microsoft.com/office/drawing/2014/main" val="1612978323"/>
+                    <a16:rowId xmlns:a16="http://schemas.microsoft.com/office/drawing/2014/main" xmlns="" val="1612978323"/>
                   </a:ext>
                 </a:extLst>
               </a:tr>
@@ -9128,7 +9128,7 @@
                 </a:tc>
                 <a:extLst>
                   <a:ext uri="{0D108BD9-81ED-4DB2-BD59-A6C34878D82A}">
-                    <a16:rowId xmlns:a16="http://schemas.microsoft.com/office/drawing/2014/main" val="2349029150"/>
+                    <a16:rowId xmlns:a16="http://schemas.microsoft.com/office/drawing/2014/main" xmlns="" val="2349029150"/>
                   </a:ext>
                 </a:extLst>
               </a:tr>
@@ -9363,7 +9363,7 @@
                 </a:tc>
                 <a:extLst>
                   <a:ext uri="{0D108BD9-81ED-4DB2-BD59-A6C34878D82A}">
-                    <a16:rowId xmlns:a16="http://schemas.microsoft.com/office/drawing/2014/main" val="3755599061"/>
+                    <a16:rowId xmlns:a16="http://schemas.microsoft.com/office/drawing/2014/main" xmlns="" val="3755599061"/>
                   </a:ext>
                 </a:extLst>
               </a:tr>
@@ -9455,7 +9455,7 @@
                 </a:tc>
                 <a:extLst>
                   <a:ext uri="{0D108BD9-81ED-4DB2-BD59-A6C34878D82A}">
-                    <a16:rowId xmlns:a16="http://schemas.microsoft.com/office/drawing/2014/main" val="3582567963"/>
+                    <a16:rowId xmlns:a16="http://schemas.microsoft.com/office/drawing/2014/main" xmlns="" val="3582567963"/>
                   </a:ext>
                 </a:extLst>
               </a:tr>
@@ -9485,7 +9485,7 @@
           <a:graphicData uri="http://schemas.openxmlformats.org/presentationml/2006/ole">
             <mc:AlternateContent xmlns:mc="http://schemas.openxmlformats.org/markup-compatibility/2006">
               <mc:Choice xmlns:v="urn:schemas-microsoft-com:vml" Requires="v">
-                <p:oleObj spid="_x0000_s3129" name="Drawing" r:id="rId3" imgW="1468800" imgH="1173600" progId="">
+                <p:oleObj spid="_x0000_s3130" name="Drawing" r:id="rId3" imgW="1468800" imgH="1173600" progId="">
                   <p:embed/>
                 </p:oleObj>
               </mc:Choice>
@@ -9699,7 +9699,7 @@
           <p:cNvPr id="5" name="TextBox 2">
             <a:extLst>
               <a:ext uri="{FF2B5EF4-FFF2-40B4-BE49-F238E27FC236}">
-                <a16:creationId xmlns:a16="http://schemas.microsoft.com/office/drawing/2014/main" id="{36D9D90E-E44E-4310-8BDA-F2087D885FDF}"/>
+                <a16:creationId xmlns:a16="http://schemas.microsoft.com/office/drawing/2014/main" xmlns="" id="{36D9D90E-E44E-4310-8BDA-F2087D885FDF}"/>
               </a:ext>
             </a:extLst>
           </p:cNvPr>
@@ -9799,7 +9799,7 @@
           <p:cNvPr id="6" name="TextBox 3">
             <a:extLst>
               <a:ext uri="{FF2B5EF4-FFF2-40B4-BE49-F238E27FC236}">
-                <a16:creationId xmlns:a16="http://schemas.microsoft.com/office/drawing/2014/main" id="{B8BD0AAA-30D6-494D-A3C5-A540307E3E36}"/>
+                <a16:creationId xmlns:a16="http://schemas.microsoft.com/office/drawing/2014/main" xmlns="" id="{B8BD0AAA-30D6-494D-A3C5-A540307E3E36}"/>
               </a:ext>
             </a:extLst>
           </p:cNvPr>
@@ -10053,7 +10053,7 @@
           <p:cNvPr id="7" name="TextBox 3">
             <a:extLst>
               <a:ext uri="{FF2B5EF4-FFF2-40B4-BE49-F238E27FC236}">
-                <a16:creationId xmlns:a16="http://schemas.microsoft.com/office/drawing/2014/main" id="{B8BD0AAA-30D6-494D-A3C5-A540307E3E36}"/>
+                <a16:creationId xmlns:a16="http://schemas.microsoft.com/office/drawing/2014/main" xmlns="" id="{B8BD0AAA-30D6-494D-A3C5-A540307E3E36}"/>
               </a:ext>
             </a:extLst>
           </p:cNvPr>
@@ -10250,7 +10250,7 @@
           <p:cNvPr id="4" name="Rectangle 3">
             <a:extLst>
               <a:ext uri="{FF2B5EF4-FFF2-40B4-BE49-F238E27FC236}">
-                <a16:creationId xmlns:a16="http://schemas.microsoft.com/office/drawing/2014/main" id="{326B8D9A-F0AE-4FBD-8631-A13A2C13540A}"/>
+                <a16:creationId xmlns:a16="http://schemas.microsoft.com/office/drawing/2014/main" xmlns="" id="{326B8D9A-F0AE-4FBD-8631-A13A2C13540A}"/>
               </a:ext>
             </a:extLst>
           </p:cNvPr>
@@ -10330,7 +10330,7 @@
           <p:cNvPr id="5" name="Rectangle 4">
             <a:extLst>
               <a:ext uri="{FF2B5EF4-FFF2-40B4-BE49-F238E27FC236}">
-                <a16:creationId xmlns:a16="http://schemas.microsoft.com/office/drawing/2014/main" id="{351BFB24-C0A4-4A7E-8DFE-E266408C0246}"/>
+                <a16:creationId xmlns:a16="http://schemas.microsoft.com/office/drawing/2014/main" xmlns="" id="{351BFB24-C0A4-4A7E-8DFE-E266408C0246}"/>
               </a:ext>
             </a:extLst>
           </p:cNvPr>
@@ -10407,7 +10407,7 @@
           <p:cNvPr id="6" name="Rectangle 6">
             <a:extLst>
               <a:ext uri="{FF2B5EF4-FFF2-40B4-BE49-F238E27FC236}">
-                <a16:creationId xmlns:a16="http://schemas.microsoft.com/office/drawing/2014/main" id="{3208D77B-6D48-41EC-A155-5AC333462D5A}"/>
+                <a16:creationId xmlns:a16="http://schemas.microsoft.com/office/drawing/2014/main" xmlns="" id="{3208D77B-6D48-41EC-A155-5AC333462D5A}"/>
               </a:ext>
             </a:extLst>
           </p:cNvPr>
@@ -10487,7 +10487,7 @@
           <p:cNvPr id="7" name="Rectangle 7">
             <a:extLst>
               <a:ext uri="{FF2B5EF4-FFF2-40B4-BE49-F238E27FC236}">
-                <a16:creationId xmlns:a16="http://schemas.microsoft.com/office/drawing/2014/main" id="{EA7C22B2-7AB0-4E5B-9987-88D7DF4DD3C2}"/>
+                <a16:creationId xmlns:a16="http://schemas.microsoft.com/office/drawing/2014/main" xmlns="" id="{EA7C22B2-7AB0-4E5B-9987-88D7DF4DD3C2}"/>
               </a:ext>
             </a:extLst>
           </p:cNvPr>
@@ -10589,7 +10589,7 @@
           <p:cNvPr id="8" name="Rectangle 8">
             <a:extLst>
               <a:ext uri="{FF2B5EF4-FFF2-40B4-BE49-F238E27FC236}">
-                <a16:creationId xmlns:a16="http://schemas.microsoft.com/office/drawing/2014/main" id="{F5BF2FD4-8D34-4DAB-AF15-7B8EAA4C8D69}"/>
+                <a16:creationId xmlns:a16="http://schemas.microsoft.com/office/drawing/2014/main" xmlns="" id="{F5BF2FD4-8D34-4DAB-AF15-7B8EAA4C8D69}"/>
               </a:ext>
             </a:extLst>
           </p:cNvPr>
@@ -10678,7 +10678,7 @@
           <p:cNvPr id="9" name="Rectangle 9">
             <a:extLst>
               <a:ext uri="{FF2B5EF4-FFF2-40B4-BE49-F238E27FC236}">
-                <a16:creationId xmlns:a16="http://schemas.microsoft.com/office/drawing/2014/main" id="{24420C7F-7A80-4196-B788-D8E6AF7291C4}"/>
+                <a16:creationId xmlns:a16="http://schemas.microsoft.com/office/drawing/2014/main" xmlns="" id="{24420C7F-7A80-4196-B788-D8E6AF7291C4}"/>
               </a:ext>
             </a:extLst>
           </p:cNvPr>
@@ -10762,7 +10762,7 @@
           <p:cNvPr id="10" name="Straight Arrow Connector 11">
             <a:extLst>
               <a:ext uri="{FF2B5EF4-FFF2-40B4-BE49-F238E27FC236}">
-                <a16:creationId xmlns:a16="http://schemas.microsoft.com/office/drawing/2014/main" id="{DE60CE4F-E248-4C27-9E02-6F26CA2DBDCF}"/>
+                <a16:creationId xmlns:a16="http://schemas.microsoft.com/office/drawing/2014/main" xmlns="" id="{DE60CE4F-E248-4C27-9E02-6F26CA2DBDCF}"/>
               </a:ext>
             </a:extLst>
           </p:cNvPr>
@@ -10805,7 +10805,7 @@
           <p:cNvPr id="11" name="Straight Arrow Connector 14">
             <a:extLst>
               <a:ext uri="{FF2B5EF4-FFF2-40B4-BE49-F238E27FC236}">
-                <a16:creationId xmlns:a16="http://schemas.microsoft.com/office/drawing/2014/main" id="{FBE76EEF-1E39-4C4E-85EC-0145A135B2CB}"/>
+                <a16:creationId xmlns:a16="http://schemas.microsoft.com/office/drawing/2014/main" xmlns="" id="{FBE76EEF-1E39-4C4E-85EC-0145A135B2CB}"/>
               </a:ext>
             </a:extLst>
           </p:cNvPr>
@@ -10848,7 +10848,7 @@
           <p:cNvPr id="12" name="Straight Arrow Connector 18">
             <a:extLst>
               <a:ext uri="{FF2B5EF4-FFF2-40B4-BE49-F238E27FC236}">
-                <a16:creationId xmlns:a16="http://schemas.microsoft.com/office/drawing/2014/main" id="{67AF3129-8C7A-48DF-A288-E64284A34613}"/>
+                <a16:creationId xmlns:a16="http://schemas.microsoft.com/office/drawing/2014/main" xmlns="" id="{67AF3129-8C7A-48DF-A288-E64284A34613}"/>
               </a:ext>
             </a:extLst>
           </p:cNvPr>
@@ -10891,7 +10891,7 @@
           <p:cNvPr id="13" name="Straight Arrow Connector 20">
             <a:extLst>
               <a:ext uri="{FF2B5EF4-FFF2-40B4-BE49-F238E27FC236}">
-                <a16:creationId xmlns:a16="http://schemas.microsoft.com/office/drawing/2014/main" id="{343D89C8-DF0C-4FF2-B619-7E6450244B29}"/>
+                <a16:creationId xmlns:a16="http://schemas.microsoft.com/office/drawing/2014/main" xmlns="" id="{343D89C8-DF0C-4FF2-B619-7E6450244B29}"/>
               </a:ext>
             </a:extLst>
           </p:cNvPr>
@@ -10934,7 +10934,7 @@
           <p:cNvPr id="14" name="Rectangle: Rounded Corners 28">
             <a:extLst>
               <a:ext uri="{FF2B5EF4-FFF2-40B4-BE49-F238E27FC236}">
-                <a16:creationId xmlns:a16="http://schemas.microsoft.com/office/drawing/2014/main" id="{23BEDED2-A99A-44C8-BA39-0E22367F2A72}"/>
+                <a16:creationId xmlns:a16="http://schemas.microsoft.com/office/drawing/2014/main" xmlns="" id="{23BEDED2-A99A-44C8-BA39-0E22367F2A72}"/>
               </a:ext>
             </a:extLst>
           </p:cNvPr>
@@ -10991,7 +10991,7 @@
           <p:cNvPr id="16" name="Rectangle: Rounded Corners 29">
             <a:extLst>
               <a:ext uri="{FF2B5EF4-FFF2-40B4-BE49-F238E27FC236}">
-                <a16:creationId xmlns:a16="http://schemas.microsoft.com/office/drawing/2014/main" id="{C2CA9F8F-51F0-457F-8CC0-89328CB6221D}"/>
+                <a16:creationId xmlns:a16="http://schemas.microsoft.com/office/drawing/2014/main" xmlns="" id="{C2CA9F8F-51F0-457F-8CC0-89328CB6221D}"/>
               </a:ext>
             </a:extLst>
           </p:cNvPr>
@@ -11041,7 +11041,7 @@
           <p:cNvPr id="17" name="Rectangle: Rounded Corners 34">
             <a:extLst>
               <a:ext uri="{FF2B5EF4-FFF2-40B4-BE49-F238E27FC236}">
-                <a16:creationId xmlns:a16="http://schemas.microsoft.com/office/drawing/2014/main" id="{45093CA0-C46C-40F6-B3BD-DBBD5E41F1BD}"/>
+                <a16:creationId xmlns:a16="http://schemas.microsoft.com/office/drawing/2014/main" xmlns="" id="{45093CA0-C46C-40F6-B3BD-DBBD5E41F1BD}"/>
               </a:ext>
             </a:extLst>
           </p:cNvPr>
@@ -11091,7 +11091,7 @@
           <p:cNvPr id="18" name="Connector: Curved 36">
             <a:extLst>
               <a:ext uri="{FF2B5EF4-FFF2-40B4-BE49-F238E27FC236}">
-                <a16:creationId xmlns:a16="http://schemas.microsoft.com/office/drawing/2014/main" id="{9B89D0F4-CC30-43CA-A880-BC571216972E}"/>
+                <a16:creationId xmlns:a16="http://schemas.microsoft.com/office/drawing/2014/main" xmlns="" id="{9B89D0F4-CC30-43CA-A880-BC571216972E}"/>
               </a:ext>
             </a:extLst>
           </p:cNvPr>
@@ -11134,7 +11134,7 @@
           <p:cNvPr id="19" name="Flowchart: Connector 46">
             <a:extLst>
               <a:ext uri="{FF2B5EF4-FFF2-40B4-BE49-F238E27FC236}">
-                <a16:creationId xmlns:a16="http://schemas.microsoft.com/office/drawing/2014/main" id="{C4FF6B04-E210-4AED-8D10-EB351DA5E9CB}"/>
+                <a16:creationId xmlns:a16="http://schemas.microsoft.com/office/drawing/2014/main" xmlns="" id="{C4FF6B04-E210-4AED-8D10-EB351DA5E9CB}"/>
               </a:ext>
             </a:extLst>
           </p:cNvPr>
@@ -11184,7 +11184,7 @@
           <p:cNvPr id="20" name="Flowchart: Connector 47">
             <a:extLst>
               <a:ext uri="{FF2B5EF4-FFF2-40B4-BE49-F238E27FC236}">
-                <a16:creationId xmlns:a16="http://schemas.microsoft.com/office/drawing/2014/main" id="{73151C4C-5305-4E51-9DDC-5BF2D0623546}"/>
+                <a16:creationId xmlns:a16="http://schemas.microsoft.com/office/drawing/2014/main" xmlns="" id="{73151C4C-5305-4E51-9DDC-5BF2D0623546}"/>
               </a:ext>
             </a:extLst>
           </p:cNvPr>
@@ -11234,7 +11234,7 @@
           <p:cNvPr id="21" name="Flowchart: Connector 48">
             <a:extLst>
               <a:ext uri="{FF2B5EF4-FFF2-40B4-BE49-F238E27FC236}">
-                <a16:creationId xmlns:a16="http://schemas.microsoft.com/office/drawing/2014/main" id="{B36D41AA-D565-4856-A213-68F23773D501}"/>
+                <a16:creationId xmlns:a16="http://schemas.microsoft.com/office/drawing/2014/main" xmlns="" id="{B36D41AA-D565-4856-A213-68F23773D501}"/>
               </a:ext>
             </a:extLst>
           </p:cNvPr>
@@ -11284,7 +11284,7 @@
           <p:cNvPr id="22" name="Connector: Curved 53">
             <a:extLst>
               <a:ext uri="{FF2B5EF4-FFF2-40B4-BE49-F238E27FC236}">
-                <a16:creationId xmlns:a16="http://schemas.microsoft.com/office/drawing/2014/main" id="{ED0A541E-8D30-4E92-A423-BB6012D85EEE}"/>
+                <a16:creationId xmlns:a16="http://schemas.microsoft.com/office/drawing/2014/main" xmlns="" id="{ED0A541E-8D30-4E92-A423-BB6012D85EEE}"/>
               </a:ext>
             </a:extLst>
           </p:cNvPr>
@@ -11329,7 +11329,7 @@
           <p:cNvPr id="23" name="Connector: Curved 56">
             <a:extLst>
               <a:ext uri="{FF2B5EF4-FFF2-40B4-BE49-F238E27FC236}">
-                <a16:creationId xmlns:a16="http://schemas.microsoft.com/office/drawing/2014/main" id="{2F472560-C161-4B6F-9E68-AF57C45ECF7F}"/>
+                <a16:creationId xmlns:a16="http://schemas.microsoft.com/office/drawing/2014/main" xmlns="" id="{2F472560-C161-4B6F-9E68-AF57C45ECF7F}"/>
               </a:ext>
             </a:extLst>
           </p:cNvPr>
@@ -11373,7 +11373,7 @@
           <p:cNvPr id="24" name="Arrow: Curved Up 77">
             <a:extLst>
               <a:ext uri="{FF2B5EF4-FFF2-40B4-BE49-F238E27FC236}">
-                <a16:creationId xmlns:a16="http://schemas.microsoft.com/office/drawing/2014/main" id="{5ACA65DF-E62F-4D96-97E5-F76C9AEE0E16}"/>
+                <a16:creationId xmlns:a16="http://schemas.microsoft.com/office/drawing/2014/main" xmlns="" id="{5ACA65DF-E62F-4D96-97E5-F76C9AEE0E16}"/>
               </a:ext>
             </a:extLst>
           </p:cNvPr>
@@ -11423,7 +11423,7 @@
           <p:cNvPr id="25" name="Arrow: Curved Up 78">
             <a:extLst>
               <a:ext uri="{FF2B5EF4-FFF2-40B4-BE49-F238E27FC236}">
-                <a16:creationId xmlns:a16="http://schemas.microsoft.com/office/drawing/2014/main" id="{B85EFB3B-7A6A-40AF-B2F8-443B7BCB3D9F}"/>
+                <a16:creationId xmlns:a16="http://schemas.microsoft.com/office/drawing/2014/main" xmlns="" id="{B85EFB3B-7A6A-40AF-B2F8-443B7BCB3D9F}"/>
               </a:ext>
             </a:extLst>
           </p:cNvPr>
@@ -11477,7 +11477,7 @@
           <p:cNvPr id="26" name="Flowchart: Connector 82">
             <a:extLst>
               <a:ext uri="{FF2B5EF4-FFF2-40B4-BE49-F238E27FC236}">
-                <a16:creationId xmlns:a16="http://schemas.microsoft.com/office/drawing/2014/main" id="{217E79F9-64C8-4DAD-B6A5-1C8B264FBBBD}"/>
+                <a16:creationId xmlns:a16="http://schemas.microsoft.com/office/drawing/2014/main" xmlns="" id="{217E79F9-64C8-4DAD-B6A5-1C8B264FBBBD}"/>
               </a:ext>
             </a:extLst>
           </p:cNvPr>
@@ -11527,7 +11527,7 @@
           <p:cNvPr id="27" name="Flowchart: Magnetic Disk 110">
             <a:extLst>
               <a:ext uri="{FF2B5EF4-FFF2-40B4-BE49-F238E27FC236}">
-                <a16:creationId xmlns:a16="http://schemas.microsoft.com/office/drawing/2014/main" id="{EE9E2943-3510-46EE-AA51-91BAB922604F}"/>
+                <a16:creationId xmlns:a16="http://schemas.microsoft.com/office/drawing/2014/main" xmlns="" id="{EE9E2943-3510-46EE-AA51-91BAB922604F}"/>
               </a:ext>
             </a:extLst>
           </p:cNvPr>
@@ -11576,7 +11576,7 @@
           <p:cNvPr id="28" name="Straight Arrow Connector 112">
             <a:extLst>
               <a:ext uri="{FF2B5EF4-FFF2-40B4-BE49-F238E27FC236}">
-                <a16:creationId xmlns:a16="http://schemas.microsoft.com/office/drawing/2014/main" id="{3C7A15F1-22B4-4B8F-8CBE-AB3E71ED84C0}"/>
+                <a16:creationId xmlns:a16="http://schemas.microsoft.com/office/drawing/2014/main" xmlns="" id="{3C7A15F1-22B4-4B8F-8CBE-AB3E71ED84C0}"/>
               </a:ext>
             </a:extLst>
           </p:cNvPr>
@@ -11618,7 +11618,7 @@
           <p:cNvPr id="29" name="Flowchart: Magnetic Disk 113">
             <a:extLst>
               <a:ext uri="{FF2B5EF4-FFF2-40B4-BE49-F238E27FC236}">
-                <a16:creationId xmlns:a16="http://schemas.microsoft.com/office/drawing/2014/main" id="{2B704D7F-EFF5-4D39-AA2B-B5BDBFB9EE66}"/>
+                <a16:creationId xmlns:a16="http://schemas.microsoft.com/office/drawing/2014/main" xmlns="" id="{2B704D7F-EFF5-4D39-AA2B-B5BDBFB9EE66}"/>
               </a:ext>
             </a:extLst>
           </p:cNvPr>
@@ -11671,7 +11671,7 @@
           <p:cNvPr id="30" name="Straight Arrow Connector 134">
             <a:extLst>
               <a:ext uri="{FF2B5EF4-FFF2-40B4-BE49-F238E27FC236}">
-                <a16:creationId xmlns:a16="http://schemas.microsoft.com/office/drawing/2014/main" id="{A12FEF9A-4A65-4401-93E3-41F5316D26F7}"/>
+                <a16:creationId xmlns:a16="http://schemas.microsoft.com/office/drawing/2014/main" xmlns="" id="{A12FEF9A-4A65-4401-93E3-41F5316D26F7}"/>
               </a:ext>
             </a:extLst>
           </p:cNvPr>
@@ -11713,7 +11713,7 @@
           <p:cNvPr id="31" name="Straight Connector 136">
             <a:extLst>
               <a:ext uri="{FF2B5EF4-FFF2-40B4-BE49-F238E27FC236}">
-                <a16:creationId xmlns:a16="http://schemas.microsoft.com/office/drawing/2014/main" id="{1BB00E47-99B5-4AF0-AE10-492AE6CA73D9}"/>
+                <a16:creationId xmlns:a16="http://schemas.microsoft.com/office/drawing/2014/main" xmlns="" id="{1BB00E47-99B5-4AF0-AE10-492AE6CA73D9}"/>
               </a:ext>
             </a:extLst>
           </p:cNvPr>
@@ -11752,7 +11752,7 @@
           <p:cNvPr id="32" name="Straight Arrow Connector 138">
             <a:extLst>
               <a:ext uri="{FF2B5EF4-FFF2-40B4-BE49-F238E27FC236}">
-                <a16:creationId xmlns:a16="http://schemas.microsoft.com/office/drawing/2014/main" id="{12DCE346-E1A6-4689-98D0-61DD334B0068}"/>
+                <a16:creationId xmlns:a16="http://schemas.microsoft.com/office/drawing/2014/main" xmlns="" id="{12DCE346-E1A6-4689-98D0-61DD334B0068}"/>
               </a:ext>
             </a:extLst>
           </p:cNvPr>
@@ -11794,7 +11794,7 @@
           <p:cNvPr id="33" name="TextBox 142">
             <a:extLst>
               <a:ext uri="{FF2B5EF4-FFF2-40B4-BE49-F238E27FC236}">
-                <a16:creationId xmlns:a16="http://schemas.microsoft.com/office/drawing/2014/main" id="{31A20C56-68B5-4855-BBCA-2E27F7C9E256}"/>
+                <a16:creationId xmlns:a16="http://schemas.microsoft.com/office/drawing/2014/main" xmlns="" id="{31A20C56-68B5-4855-BBCA-2E27F7C9E256}"/>
               </a:ext>
             </a:extLst>
           </p:cNvPr>
@@ -11849,7 +11849,7 @@
           <p:cNvPr id="34" name="TextBox 2">
             <a:extLst>
               <a:ext uri="{FF2B5EF4-FFF2-40B4-BE49-F238E27FC236}">
-                <a16:creationId xmlns:a16="http://schemas.microsoft.com/office/drawing/2014/main" id="{32904B79-D116-4727-908C-18DA18E6C491}"/>
+                <a16:creationId xmlns:a16="http://schemas.microsoft.com/office/drawing/2014/main" xmlns="" id="{32904B79-D116-4727-908C-18DA18E6C491}"/>
               </a:ext>
             </a:extLst>
           </p:cNvPr>
@@ -12022,7 +12022,7 @@
           <p:cNvPr id="35" name="Picture 13">
             <a:extLst>
               <a:ext uri="{FF2B5EF4-FFF2-40B4-BE49-F238E27FC236}">
-                <a16:creationId xmlns:a16="http://schemas.microsoft.com/office/drawing/2014/main" id="{8CEF47DE-5DBE-48DF-8BA3-B991EE105EF5}"/>
+                <a16:creationId xmlns:a16="http://schemas.microsoft.com/office/drawing/2014/main" xmlns="" id="{8CEF47DE-5DBE-48DF-8BA3-B991EE105EF5}"/>
               </a:ext>
             </a:extLst>
           </p:cNvPr>
@@ -12052,7 +12052,7 @@
           <p:cNvPr id="36" name="Straight Arrow Connector 16">
             <a:extLst>
               <a:ext uri="{FF2B5EF4-FFF2-40B4-BE49-F238E27FC236}">
-                <a16:creationId xmlns:a16="http://schemas.microsoft.com/office/drawing/2014/main" id="{74772B8E-6133-4B5F-9B19-A34052BFBA9B}"/>
+                <a16:creationId xmlns:a16="http://schemas.microsoft.com/office/drawing/2014/main" xmlns="" id="{74772B8E-6133-4B5F-9B19-A34052BFBA9B}"/>
               </a:ext>
             </a:extLst>
           </p:cNvPr>
@@ -12094,7 +12094,7 @@
           <p:cNvPr id="37" name="Flowchart: Connector 49">
             <a:extLst>
               <a:ext uri="{FF2B5EF4-FFF2-40B4-BE49-F238E27FC236}">
-                <a16:creationId xmlns:a16="http://schemas.microsoft.com/office/drawing/2014/main" id="{6691528D-29AE-418B-B26B-AD1925475E80}"/>
+                <a16:creationId xmlns:a16="http://schemas.microsoft.com/office/drawing/2014/main" xmlns="" id="{6691528D-29AE-418B-B26B-AD1925475E80}"/>
               </a:ext>
             </a:extLst>
           </p:cNvPr>
@@ -12144,7 +12144,7 @@
           <p:cNvPr id="38" name="Rectangle 4">
             <a:extLst>
               <a:ext uri="{FF2B5EF4-FFF2-40B4-BE49-F238E27FC236}">
-                <a16:creationId xmlns:a16="http://schemas.microsoft.com/office/drawing/2014/main" id="{351BFB24-C0A4-4A7E-8DFE-E266408C0246}"/>
+                <a16:creationId xmlns:a16="http://schemas.microsoft.com/office/drawing/2014/main" xmlns="" id="{351BFB24-C0A4-4A7E-8DFE-E266408C0246}"/>
               </a:ext>
             </a:extLst>
           </p:cNvPr>
@@ -12260,7 +12260,7 @@
           <p:cNvPr id="40" name="Rectangle 4">
             <a:extLst>
               <a:ext uri="{FF2B5EF4-FFF2-40B4-BE49-F238E27FC236}">
-                <a16:creationId xmlns:a16="http://schemas.microsoft.com/office/drawing/2014/main" id="{1F4D63AE-597D-465F-B5B2-2CC3593D6B17}"/>
+                <a16:creationId xmlns:a16="http://schemas.microsoft.com/office/drawing/2014/main" xmlns="" id="{1F4D63AE-597D-465F-B5B2-2CC3593D6B17}"/>
               </a:ext>
             </a:extLst>
           </p:cNvPr>
@@ -12320,7 +12320,7 @@
           <p:cNvPr id="41" name="Straight Arrow Connector 40">
             <a:extLst>
               <a:ext uri="{FF2B5EF4-FFF2-40B4-BE49-F238E27FC236}">
-                <a16:creationId xmlns:a16="http://schemas.microsoft.com/office/drawing/2014/main" id="{DB147E27-687C-4F38-B336-E7067B4C2549}"/>
+                <a16:creationId xmlns:a16="http://schemas.microsoft.com/office/drawing/2014/main" xmlns="" id="{DB147E27-687C-4F38-B336-E7067B4C2549}"/>
               </a:ext>
             </a:extLst>
           </p:cNvPr>
@@ -12431,7 +12431,7 @@
           <p:cNvPr id="4" name="Rectangle 3">
             <a:extLst>
               <a:ext uri="{FF2B5EF4-FFF2-40B4-BE49-F238E27FC236}">
-                <a16:creationId xmlns:a16="http://schemas.microsoft.com/office/drawing/2014/main" id="{326B8D9A-F0AE-4FBD-8631-A13A2C13540A}"/>
+                <a16:creationId xmlns:a16="http://schemas.microsoft.com/office/drawing/2014/main" xmlns="" id="{326B8D9A-F0AE-4FBD-8631-A13A2C13540A}"/>
               </a:ext>
             </a:extLst>
           </p:cNvPr>
@@ -12511,7 +12511,7 @@
           <p:cNvPr id="6" name="Rectangle 6">
             <a:extLst>
               <a:ext uri="{FF2B5EF4-FFF2-40B4-BE49-F238E27FC236}">
-                <a16:creationId xmlns:a16="http://schemas.microsoft.com/office/drawing/2014/main" id="{3208D77B-6D48-41EC-A155-5AC333462D5A}"/>
+                <a16:creationId xmlns:a16="http://schemas.microsoft.com/office/drawing/2014/main" xmlns="" id="{3208D77B-6D48-41EC-A155-5AC333462D5A}"/>
               </a:ext>
             </a:extLst>
           </p:cNvPr>
@@ -12591,7 +12591,7 @@
           <p:cNvPr id="7" name="Rectangle 7">
             <a:extLst>
               <a:ext uri="{FF2B5EF4-FFF2-40B4-BE49-F238E27FC236}">
-                <a16:creationId xmlns:a16="http://schemas.microsoft.com/office/drawing/2014/main" id="{EA7C22B2-7AB0-4E5B-9987-88D7DF4DD3C2}"/>
+                <a16:creationId xmlns:a16="http://schemas.microsoft.com/office/drawing/2014/main" xmlns="" id="{EA7C22B2-7AB0-4E5B-9987-88D7DF4DD3C2}"/>
               </a:ext>
             </a:extLst>
           </p:cNvPr>
@@ -12693,7 +12693,7 @@
           <p:cNvPr id="8" name="Rectangle 8">
             <a:extLst>
               <a:ext uri="{FF2B5EF4-FFF2-40B4-BE49-F238E27FC236}">
-                <a16:creationId xmlns:a16="http://schemas.microsoft.com/office/drawing/2014/main" id="{F5BF2FD4-8D34-4DAB-AF15-7B8EAA4C8D69}"/>
+                <a16:creationId xmlns:a16="http://schemas.microsoft.com/office/drawing/2014/main" xmlns="" id="{F5BF2FD4-8D34-4DAB-AF15-7B8EAA4C8D69}"/>
               </a:ext>
             </a:extLst>
           </p:cNvPr>
@@ -12782,7 +12782,7 @@
           <p:cNvPr id="9" name="Rectangle 9">
             <a:extLst>
               <a:ext uri="{FF2B5EF4-FFF2-40B4-BE49-F238E27FC236}">
-                <a16:creationId xmlns:a16="http://schemas.microsoft.com/office/drawing/2014/main" id="{24420C7F-7A80-4196-B788-D8E6AF7291C4}"/>
+                <a16:creationId xmlns:a16="http://schemas.microsoft.com/office/drawing/2014/main" xmlns="" id="{24420C7F-7A80-4196-B788-D8E6AF7291C4}"/>
               </a:ext>
             </a:extLst>
           </p:cNvPr>
@@ -12866,7 +12866,7 @@
           <p:cNvPr id="10" name="Straight Arrow Connector 11">
             <a:extLst>
               <a:ext uri="{FF2B5EF4-FFF2-40B4-BE49-F238E27FC236}">
-                <a16:creationId xmlns:a16="http://schemas.microsoft.com/office/drawing/2014/main" id="{DE60CE4F-E248-4C27-9E02-6F26CA2DBDCF}"/>
+                <a16:creationId xmlns:a16="http://schemas.microsoft.com/office/drawing/2014/main" xmlns="" id="{DE60CE4F-E248-4C27-9E02-6F26CA2DBDCF}"/>
               </a:ext>
             </a:extLst>
           </p:cNvPr>
@@ -12909,7 +12909,7 @@
           <p:cNvPr id="11" name="Straight Arrow Connector 14">
             <a:extLst>
               <a:ext uri="{FF2B5EF4-FFF2-40B4-BE49-F238E27FC236}">
-                <a16:creationId xmlns:a16="http://schemas.microsoft.com/office/drawing/2014/main" id="{FBE76EEF-1E39-4C4E-85EC-0145A135B2CB}"/>
+                <a16:creationId xmlns:a16="http://schemas.microsoft.com/office/drawing/2014/main" xmlns="" id="{FBE76EEF-1E39-4C4E-85EC-0145A135B2CB}"/>
               </a:ext>
             </a:extLst>
           </p:cNvPr>
@@ -12952,7 +12952,7 @@
           <p:cNvPr id="12" name="Straight Arrow Connector 18">
             <a:extLst>
               <a:ext uri="{FF2B5EF4-FFF2-40B4-BE49-F238E27FC236}">
-                <a16:creationId xmlns:a16="http://schemas.microsoft.com/office/drawing/2014/main" id="{67AF3129-8C7A-48DF-A288-E64284A34613}"/>
+                <a16:creationId xmlns:a16="http://schemas.microsoft.com/office/drawing/2014/main" xmlns="" id="{67AF3129-8C7A-48DF-A288-E64284A34613}"/>
               </a:ext>
             </a:extLst>
           </p:cNvPr>
@@ -12995,7 +12995,7 @@
           <p:cNvPr id="13" name="Straight Arrow Connector 20">
             <a:extLst>
               <a:ext uri="{FF2B5EF4-FFF2-40B4-BE49-F238E27FC236}">
-                <a16:creationId xmlns:a16="http://schemas.microsoft.com/office/drawing/2014/main" id="{343D89C8-DF0C-4FF2-B619-7E6450244B29}"/>
+                <a16:creationId xmlns:a16="http://schemas.microsoft.com/office/drawing/2014/main" xmlns="" id="{343D89C8-DF0C-4FF2-B619-7E6450244B29}"/>
               </a:ext>
             </a:extLst>
           </p:cNvPr>
@@ -13038,7 +13038,7 @@
           <p:cNvPr id="16" name="Rectangle: Rounded Corners 29">
             <a:extLst>
               <a:ext uri="{FF2B5EF4-FFF2-40B4-BE49-F238E27FC236}">
-                <a16:creationId xmlns:a16="http://schemas.microsoft.com/office/drawing/2014/main" id="{C2CA9F8F-51F0-457F-8CC0-89328CB6221D}"/>
+                <a16:creationId xmlns:a16="http://schemas.microsoft.com/office/drawing/2014/main" xmlns="" id="{C2CA9F8F-51F0-457F-8CC0-89328CB6221D}"/>
               </a:ext>
             </a:extLst>
           </p:cNvPr>
@@ -13088,7 +13088,7 @@
           <p:cNvPr id="19" name="Flowchart: Connector 46">
             <a:extLst>
               <a:ext uri="{FF2B5EF4-FFF2-40B4-BE49-F238E27FC236}">
-                <a16:creationId xmlns:a16="http://schemas.microsoft.com/office/drawing/2014/main" id="{C4FF6B04-E210-4AED-8D10-EB351DA5E9CB}"/>
+                <a16:creationId xmlns:a16="http://schemas.microsoft.com/office/drawing/2014/main" xmlns="" id="{C4FF6B04-E210-4AED-8D10-EB351DA5E9CB}"/>
               </a:ext>
             </a:extLst>
           </p:cNvPr>
@@ -13138,7 +13138,7 @@
           <p:cNvPr id="20" name="Flowchart: Connector 47">
             <a:extLst>
               <a:ext uri="{FF2B5EF4-FFF2-40B4-BE49-F238E27FC236}">
-                <a16:creationId xmlns:a16="http://schemas.microsoft.com/office/drawing/2014/main" id="{73151C4C-5305-4E51-9DDC-5BF2D0623546}"/>
+                <a16:creationId xmlns:a16="http://schemas.microsoft.com/office/drawing/2014/main" xmlns="" id="{73151C4C-5305-4E51-9DDC-5BF2D0623546}"/>
               </a:ext>
             </a:extLst>
           </p:cNvPr>
@@ -13188,7 +13188,7 @@
           <p:cNvPr id="21" name="Flowchart: Connector 48">
             <a:extLst>
               <a:ext uri="{FF2B5EF4-FFF2-40B4-BE49-F238E27FC236}">
-                <a16:creationId xmlns:a16="http://schemas.microsoft.com/office/drawing/2014/main" id="{B36D41AA-D565-4856-A213-68F23773D501}"/>
+                <a16:creationId xmlns:a16="http://schemas.microsoft.com/office/drawing/2014/main" xmlns="" id="{B36D41AA-D565-4856-A213-68F23773D501}"/>
               </a:ext>
             </a:extLst>
           </p:cNvPr>
@@ -13238,7 +13238,7 @@
           <p:cNvPr id="22" name="Connector: Curved 53">
             <a:extLst>
               <a:ext uri="{FF2B5EF4-FFF2-40B4-BE49-F238E27FC236}">
-                <a16:creationId xmlns:a16="http://schemas.microsoft.com/office/drawing/2014/main" id="{ED0A541E-8D30-4E92-A423-BB6012D85EEE}"/>
+                <a16:creationId xmlns:a16="http://schemas.microsoft.com/office/drawing/2014/main" xmlns="" id="{ED0A541E-8D30-4E92-A423-BB6012D85EEE}"/>
               </a:ext>
             </a:extLst>
           </p:cNvPr>
@@ -13283,7 +13283,7 @@
           <p:cNvPr id="24" name="Arrow: Curved Up 77">
             <a:extLst>
               <a:ext uri="{FF2B5EF4-FFF2-40B4-BE49-F238E27FC236}">
-                <a16:creationId xmlns:a16="http://schemas.microsoft.com/office/drawing/2014/main" id="{5ACA65DF-E62F-4D96-97E5-F76C9AEE0E16}"/>
+                <a16:creationId xmlns:a16="http://schemas.microsoft.com/office/drawing/2014/main" xmlns="" id="{5ACA65DF-E62F-4D96-97E5-F76C9AEE0E16}"/>
               </a:ext>
             </a:extLst>
           </p:cNvPr>
@@ -13333,7 +13333,7 @@
           <p:cNvPr id="25" name="Arrow: Curved Up 78">
             <a:extLst>
               <a:ext uri="{FF2B5EF4-FFF2-40B4-BE49-F238E27FC236}">
-                <a16:creationId xmlns:a16="http://schemas.microsoft.com/office/drawing/2014/main" id="{B85EFB3B-7A6A-40AF-B2F8-443B7BCB3D9F}"/>
+                <a16:creationId xmlns:a16="http://schemas.microsoft.com/office/drawing/2014/main" xmlns="" id="{B85EFB3B-7A6A-40AF-B2F8-443B7BCB3D9F}"/>
               </a:ext>
             </a:extLst>
           </p:cNvPr>
@@ -13387,7 +13387,7 @@
           <p:cNvPr id="26" name="Flowchart: Connector 82">
             <a:extLst>
               <a:ext uri="{FF2B5EF4-FFF2-40B4-BE49-F238E27FC236}">
-                <a16:creationId xmlns:a16="http://schemas.microsoft.com/office/drawing/2014/main" id="{217E79F9-64C8-4DAD-B6A5-1C8B264FBBBD}"/>
+                <a16:creationId xmlns:a16="http://schemas.microsoft.com/office/drawing/2014/main" xmlns="" id="{217E79F9-64C8-4DAD-B6A5-1C8B264FBBBD}"/>
               </a:ext>
             </a:extLst>
           </p:cNvPr>
@@ -13437,7 +13437,7 @@
           <p:cNvPr id="27" name="Flowchart: Magnetic Disk 110">
             <a:extLst>
               <a:ext uri="{FF2B5EF4-FFF2-40B4-BE49-F238E27FC236}">
-                <a16:creationId xmlns:a16="http://schemas.microsoft.com/office/drawing/2014/main" id="{EE9E2943-3510-46EE-AA51-91BAB922604F}"/>
+                <a16:creationId xmlns:a16="http://schemas.microsoft.com/office/drawing/2014/main" xmlns="" id="{EE9E2943-3510-46EE-AA51-91BAB922604F}"/>
               </a:ext>
             </a:extLst>
           </p:cNvPr>
@@ -13486,7 +13486,7 @@
           <p:cNvPr id="28" name="Straight Arrow Connector 112">
             <a:extLst>
               <a:ext uri="{FF2B5EF4-FFF2-40B4-BE49-F238E27FC236}">
-                <a16:creationId xmlns:a16="http://schemas.microsoft.com/office/drawing/2014/main" id="{3C7A15F1-22B4-4B8F-8CBE-AB3E71ED84C0}"/>
+                <a16:creationId xmlns:a16="http://schemas.microsoft.com/office/drawing/2014/main" xmlns="" id="{3C7A15F1-22B4-4B8F-8CBE-AB3E71ED84C0}"/>
               </a:ext>
             </a:extLst>
           </p:cNvPr>
@@ -13529,7 +13529,7 @@
           <p:cNvPr id="29" name="Flowchart: Magnetic Disk 113">
             <a:extLst>
               <a:ext uri="{FF2B5EF4-FFF2-40B4-BE49-F238E27FC236}">
-                <a16:creationId xmlns:a16="http://schemas.microsoft.com/office/drawing/2014/main" id="{2B704D7F-EFF5-4D39-AA2B-B5BDBFB9EE66}"/>
+                <a16:creationId xmlns:a16="http://schemas.microsoft.com/office/drawing/2014/main" xmlns="" id="{2B704D7F-EFF5-4D39-AA2B-B5BDBFB9EE66}"/>
               </a:ext>
             </a:extLst>
           </p:cNvPr>
@@ -13582,7 +13582,7 @@
           <p:cNvPr id="30" name="Straight Arrow Connector 134">
             <a:extLst>
               <a:ext uri="{FF2B5EF4-FFF2-40B4-BE49-F238E27FC236}">
-                <a16:creationId xmlns:a16="http://schemas.microsoft.com/office/drawing/2014/main" id="{A12FEF9A-4A65-4401-93E3-41F5316D26F7}"/>
+                <a16:creationId xmlns:a16="http://schemas.microsoft.com/office/drawing/2014/main" xmlns="" id="{A12FEF9A-4A65-4401-93E3-41F5316D26F7}"/>
               </a:ext>
             </a:extLst>
           </p:cNvPr>
@@ -13625,7 +13625,7 @@
           <p:cNvPr id="32" name="Straight Arrow Connector 138">
             <a:extLst>
               <a:ext uri="{FF2B5EF4-FFF2-40B4-BE49-F238E27FC236}">
-                <a16:creationId xmlns:a16="http://schemas.microsoft.com/office/drawing/2014/main" id="{12DCE346-E1A6-4689-98D0-61DD334B0068}"/>
+                <a16:creationId xmlns:a16="http://schemas.microsoft.com/office/drawing/2014/main" xmlns="" id="{12DCE346-E1A6-4689-98D0-61DD334B0068}"/>
               </a:ext>
             </a:extLst>
           </p:cNvPr>
@@ -13668,7 +13668,7 @@
           <p:cNvPr id="33" name="TextBox 142">
             <a:extLst>
               <a:ext uri="{FF2B5EF4-FFF2-40B4-BE49-F238E27FC236}">
-                <a16:creationId xmlns:a16="http://schemas.microsoft.com/office/drawing/2014/main" id="{31A20C56-68B5-4855-BBCA-2E27F7C9E256}"/>
+                <a16:creationId xmlns:a16="http://schemas.microsoft.com/office/drawing/2014/main" xmlns="" id="{31A20C56-68B5-4855-BBCA-2E27F7C9E256}"/>
               </a:ext>
             </a:extLst>
           </p:cNvPr>
@@ -13723,7 +13723,7 @@
           <p:cNvPr id="34" name="TextBox 2">
             <a:extLst>
               <a:ext uri="{FF2B5EF4-FFF2-40B4-BE49-F238E27FC236}">
-                <a16:creationId xmlns:a16="http://schemas.microsoft.com/office/drawing/2014/main" id="{32904B79-D116-4727-908C-18DA18E6C491}"/>
+                <a16:creationId xmlns:a16="http://schemas.microsoft.com/office/drawing/2014/main" xmlns="" id="{32904B79-D116-4727-908C-18DA18E6C491}"/>
               </a:ext>
             </a:extLst>
           </p:cNvPr>
@@ -13876,7 +13876,7 @@
           <p:cNvPr id="35" name="Picture 13">
             <a:extLst>
               <a:ext uri="{FF2B5EF4-FFF2-40B4-BE49-F238E27FC236}">
-                <a16:creationId xmlns:a16="http://schemas.microsoft.com/office/drawing/2014/main" id="{8CEF47DE-5DBE-48DF-8BA3-B991EE105EF5}"/>
+                <a16:creationId xmlns:a16="http://schemas.microsoft.com/office/drawing/2014/main" xmlns="" id="{8CEF47DE-5DBE-48DF-8BA3-B991EE105EF5}"/>
               </a:ext>
             </a:extLst>
           </p:cNvPr>
@@ -13906,7 +13906,7 @@
           <p:cNvPr id="36" name="Straight Arrow Connector 16">
             <a:extLst>
               <a:ext uri="{FF2B5EF4-FFF2-40B4-BE49-F238E27FC236}">
-                <a16:creationId xmlns:a16="http://schemas.microsoft.com/office/drawing/2014/main" id="{74772B8E-6133-4B5F-9B19-A34052BFBA9B}"/>
+                <a16:creationId xmlns:a16="http://schemas.microsoft.com/office/drawing/2014/main" xmlns="" id="{74772B8E-6133-4B5F-9B19-A34052BFBA9B}"/>
               </a:ext>
             </a:extLst>
           </p:cNvPr>
@@ -13948,7 +13948,7 @@
           <p:cNvPr id="37" name="Flowchart: Connector 49">
             <a:extLst>
               <a:ext uri="{FF2B5EF4-FFF2-40B4-BE49-F238E27FC236}">
-                <a16:creationId xmlns:a16="http://schemas.microsoft.com/office/drawing/2014/main" id="{6691528D-29AE-418B-B26B-AD1925475E80}"/>
+                <a16:creationId xmlns:a16="http://schemas.microsoft.com/office/drawing/2014/main" xmlns="" id="{6691528D-29AE-418B-B26B-AD1925475E80}"/>
               </a:ext>
             </a:extLst>
           </p:cNvPr>
@@ -14034,7 +14034,7 @@
           <p:cNvPr id="40" name="Rectangle 39">
             <a:extLst>
               <a:ext uri="{FF2B5EF4-FFF2-40B4-BE49-F238E27FC236}">
-                <a16:creationId xmlns:a16="http://schemas.microsoft.com/office/drawing/2014/main" id="{8E7FB375-FBCA-4A16-A12F-558CDD793733}"/>
+                <a16:creationId xmlns:a16="http://schemas.microsoft.com/office/drawing/2014/main" xmlns="" id="{8E7FB375-FBCA-4A16-A12F-558CDD793733}"/>
               </a:ext>
             </a:extLst>
           </p:cNvPr>
@@ -14111,7 +14111,7 @@
           <p:cNvPr id="41" name="Rectangle 4">
             <a:extLst>
               <a:ext uri="{FF2B5EF4-FFF2-40B4-BE49-F238E27FC236}">
-                <a16:creationId xmlns:a16="http://schemas.microsoft.com/office/drawing/2014/main" id="{07218A5B-7615-4FEA-AAF7-F00A9DB9E09B}"/>
+                <a16:creationId xmlns:a16="http://schemas.microsoft.com/office/drawing/2014/main" xmlns="" id="{07218A5B-7615-4FEA-AAF7-F00A9DB9E09B}"/>
               </a:ext>
             </a:extLst>
           </p:cNvPr>
@@ -14191,7 +14191,7 @@
           <p:cNvPr id="42" name="Rectangle 4">
             <a:extLst>
               <a:ext uri="{FF2B5EF4-FFF2-40B4-BE49-F238E27FC236}">
-                <a16:creationId xmlns:a16="http://schemas.microsoft.com/office/drawing/2014/main" id="{05C50ADA-4B4D-406C-876B-98B34FDC5729}"/>
+                <a16:creationId xmlns:a16="http://schemas.microsoft.com/office/drawing/2014/main" xmlns="" id="{05C50ADA-4B4D-406C-876B-98B34FDC5729}"/>
               </a:ext>
             </a:extLst>
           </p:cNvPr>
@@ -14251,7 +14251,7 @@
           <p:cNvPr id="15" name="Straight Arrow Connector 14">
             <a:extLst>
               <a:ext uri="{FF2B5EF4-FFF2-40B4-BE49-F238E27FC236}">
-                <a16:creationId xmlns:a16="http://schemas.microsoft.com/office/drawing/2014/main" id="{761847BD-7BFD-43D1-A94C-AC57A939F59F}"/>
+                <a16:creationId xmlns:a16="http://schemas.microsoft.com/office/drawing/2014/main" xmlns="" id="{761847BD-7BFD-43D1-A94C-AC57A939F59F}"/>
               </a:ext>
             </a:extLst>
           </p:cNvPr>
@@ -14347,7 +14347,7 @@
           <p:cNvPr id="2" name="TextBox 1">
             <a:extLst>
               <a:ext uri="{FF2B5EF4-FFF2-40B4-BE49-F238E27FC236}">
-                <a16:creationId xmlns:a16="http://schemas.microsoft.com/office/drawing/2014/main" id="{29252B94-BF27-4DFF-9741-EBCCDC47F31D}"/>
+                <a16:creationId xmlns:a16="http://schemas.microsoft.com/office/drawing/2014/main" xmlns="" id="{29252B94-BF27-4DFF-9741-EBCCDC47F31D}"/>
               </a:ext>
             </a:extLst>
           </p:cNvPr>
